--- a/mindgenomix-english.pptx
+++ b/mindgenomix-english.pptx
@@ -118,7 +118,18 @@
   </p:defaultTextStyle>
   <p:extLst>
     <p:ext uri="{EFAFB233-063F-42B5-8137-9DF3F51BA10A}">
-      <p15:sldGuideLst xmlns:p15="http://schemas.microsoft.com/office/powerpoint/2012/main" xmlns=""/>
+      <p15:sldGuideLst xmlns:p15="http://schemas.microsoft.com/office/powerpoint/2012/main">
+        <p15:guide id="1" orient="horz" pos="2160">
+          <p15:clr>
+            <a:srgbClr val="A4A3A4"/>
+          </p15:clr>
+        </p15:guide>
+        <p15:guide id="2" pos="3840">
+          <p15:clr>
+            <a:srgbClr val="A4A3A4"/>
+          </p15:clr>
+        </p15:guide>
+      </p15:sldGuideLst>
     </p:ext>
   </p:extLst>
 </p:presentation>
@@ -206,6 +217,7 @@
           <a:p>
             <a:fld id="{2305A77A-8346-47B5-AAB6-04950F7F7167}" type="datetimeFigureOut">
               <a:rPr lang="en-US" smtClean="0"/>
+              <a:pPr/>
               <a:t>1/18/2018</a:t>
             </a:fld>
             <a:endParaRPr lang="en-US"/>
@@ -365,6 +377,7 @@
           <a:p>
             <a:fld id="{3699785F-1716-4594-964C-386EEC20B99F}" type="slidenum">
               <a:rPr lang="en-US" smtClean="0"/>
+              <a:pPr/>
               <a:t>‹#›</a:t>
             </a:fld>
             <a:endParaRPr lang="en-US"/>
@@ -539,6 +552,7 @@
           <a:p>
             <a:fld id="{3699785F-1716-4594-964C-386EEC20B99F}" type="slidenum">
               <a:rPr lang="en-US" smtClean="0"/>
+              <a:pPr/>
               <a:t>1</a:t>
             </a:fld>
             <a:endParaRPr lang="en-US"/>
@@ -623,6 +637,7 @@
           <a:p>
             <a:fld id="{3699785F-1716-4594-964C-386EEC20B99F}" type="slidenum">
               <a:rPr lang="en-US" smtClean="0"/>
+              <a:pPr/>
               <a:t>2</a:t>
             </a:fld>
             <a:endParaRPr lang="en-US"/>
@@ -707,6 +722,7 @@
           <a:p>
             <a:fld id="{3699785F-1716-4594-964C-386EEC20B99F}" type="slidenum">
               <a:rPr lang="en-US" smtClean="0"/>
+              <a:pPr/>
               <a:t>3</a:t>
             </a:fld>
             <a:endParaRPr lang="en-US"/>
@@ -1448,6 +1464,7 @@
           <a:p>
             <a:fld id="{419D45E1-AF53-4694-80AE-349EE456F975}" type="datetime1">
               <a:rPr lang="en-US" smtClean="0"/>
+              <a:pPr/>
               <a:t>1/18/2018</a:t>
             </a:fld>
             <a:endParaRPr lang="en-US" dirty="0"/>
@@ -1724,6 +1741,7 @@
           <a:p>
             <a:fld id="{7507DA1E-2DF3-4611-BBEE-F5281AF9D3A3}" type="datetime1">
               <a:rPr lang="en-US" smtClean="0"/>
+              <a:pPr/>
               <a:t>1/18/2018</a:t>
             </a:fld>
             <a:endParaRPr lang="en-US" dirty="0"/>
@@ -1766,6 +1784,7 @@
           <a:p>
             <a:fld id="{6D62F516-69B7-4CA4-8923-BAE83F2369B9}" type="slidenum">
               <a:rPr lang="en-US" smtClean="0"/>
+              <a:pPr/>
               <a:t>‹#›</a:t>
             </a:fld>
             <a:endParaRPr lang="en-US" dirty="0"/>
@@ -2038,6 +2057,7 @@
           <a:p>
             <a:fld id="{0E74926E-F240-431B-A34B-6FC5F9AE2EEB}" type="datetime1">
               <a:rPr lang="en-US" smtClean="0"/>
+              <a:pPr/>
               <a:t>1/18/2018</a:t>
             </a:fld>
             <a:endParaRPr lang="en-US" dirty="0"/>
@@ -2080,6 +2100,7 @@
           <a:p>
             <a:fld id="{6D62F516-69B7-4CA4-8923-BAE83F2369B9}" type="slidenum">
               <a:rPr lang="en-US" smtClean="0"/>
+              <a:pPr/>
               <a:t>‹#›</a:t>
             </a:fld>
             <a:endParaRPr lang="en-US" dirty="0"/>
@@ -2379,6 +2400,7 @@
           <a:p>
             <a:fld id="{4DFF0074-ADA4-4BB7-B07D-4F002D464E0A}" type="datetime1">
               <a:rPr lang="en-US" smtClean="0"/>
+              <a:pPr/>
               <a:t>1/18/2018</a:t>
             </a:fld>
             <a:endParaRPr lang="en-US" dirty="0"/>
@@ -2421,6 +2443,7 @@
           <a:p>
             <a:fld id="{6D62F516-69B7-4CA4-8923-BAE83F2369B9}" type="slidenum">
               <a:rPr lang="en-US" smtClean="0"/>
+              <a:pPr/>
               <a:t>‹#›</a:t>
             </a:fld>
             <a:endParaRPr lang="en-US" dirty="0"/>
@@ -2693,6 +2716,7 @@
           <a:p>
             <a:fld id="{C8D0BA85-0CCC-4DFA-9CF0-B9BF71F8FA63}" type="datetime1">
               <a:rPr lang="en-US" smtClean="0"/>
+              <a:pPr/>
               <a:t>1/18/2018</a:t>
             </a:fld>
             <a:endParaRPr lang="en-US" dirty="0"/>
@@ -2735,6 +2759,7 @@
           <a:p>
             <a:fld id="{6D62F516-69B7-4CA4-8923-BAE83F2369B9}" type="slidenum">
               <a:rPr lang="en-US" smtClean="0"/>
+              <a:pPr/>
               <a:t>‹#›</a:t>
             </a:fld>
             <a:endParaRPr lang="en-US" dirty="0"/>
@@ -3086,6 +3111,7 @@
           <a:p>
             <a:fld id="{C4817DD6-2777-48FC-8DFE-603E7028A954}" type="datetime1">
               <a:rPr lang="en-US" smtClean="0"/>
+              <a:pPr/>
               <a:t>1/18/2018</a:t>
             </a:fld>
             <a:endParaRPr lang="en-US" dirty="0"/>
@@ -3128,6 +3154,7 @@
           <a:p>
             <a:fld id="{6D62F516-69B7-4CA4-8923-BAE83F2369B9}" type="slidenum">
               <a:rPr lang="en-US" smtClean="0"/>
+              <a:pPr/>
               <a:t>‹#›</a:t>
             </a:fld>
             <a:endParaRPr lang="en-US" dirty="0"/>
@@ -3256,6 +3283,7 @@
           <a:p>
             <a:fld id="{7E69DC70-EA78-4A97-A81A-AC17B3A8CFB7}" type="datetime1">
               <a:rPr lang="en-US" smtClean="0"/>
+              <a:pPr/>
               <a:t>1/18/2018</a:t>
             </a:fld>
             <a:endParaRPr lang="en-US" dirty="0"/>
@@ -3298,6 +3326,7 @@
           <a:p>
             <a:fld id="{6D62F516-69B7-4CA4-8923-BAE83F2369B9}" type="slidenum">
               <a:rPr lang="en-US" smtClean="0"/>
+              <a:pPr/>
               <a:t>‹#›</a:t>
             </a:fld>
             <a:endParaRPr lang="en-US" dirty="0"/>
@@ -3436,6 +3465,7 @@
           <a:p>
             <a:fld id="{061D0385-B38E-432A-AC05-FB50189430C1}" type="datetime1">
               <a:rPr lang="en-US" smtClean="0"/>
+              <a:pPr/>
               <a:t>1/18/2018</a:t>
             </a:fld>
             <a:endParaRPr lang="en-US" dirty="0"/>
@@ -3478,6 +3508,7 @@
           <a:p>
             <a:fld id="{6D62F516-69B7-4CA4-8923-BAE83F2369B9}" type="slidenum">
               <a:rPr lang="en-US" smtClean="0"/>
+              <a:pPr/>
               <a:t>‹#›</a:t>
             </a:fld>
             <a:endParaRPr lang="en-US" dirty="0"/>
@@ -3612,6 +3643,7 @@
           <a:p>
             <a:fld id="{C0FC927B-51C4-47D8-829E-02CC8AB7A15F}" type="datetime1">
               <a:rPr lang="en-US" smtClean="0"/>
+              <a:pPr/>
               <a:t>1/18/2018</a:t>
             </a:fld>
             <a:endParaRPr lang="en-US" dirty="0"/>
@@ -3884,6 +3916,7 @@
           <a:p>
             <a:fld id="{C719BB80-CFD6-473F-A3FC-B47528D9F4E8}" type="datetime1">
               <a:rPr lang="en-US" smtClean="0"/>
+              <a:pPr/>
               <a:t>1/18/2018</a:t>
             </a:fld>
             <a:endParaRPr lang="en-US" dirty="0"/>
@@ -3926,6 +3959,7 @@
           <a:p>
             <a:fld id="{6D62F516-69B7-4CA4-8923-BAE83F2369B9}" type="slidenum">
               <a:rPr lang="en-US" smtClean="0"/>
+              <a:pPr/>
               <a:t>‹#›</a:t>
             </a:fld>
             <a:endParaRPr lang="en-US" dirty="0"/>
@@ -4116,6 +4150,7 @@
           <a:p>
             <a:fld id="{91582AA1-D917-470E-B273-3EAFFE6CB91F}" type="datetime1">
               <a:rPr lang="en-US" smtClean="0"/>
+              <a:pPr/>
               <a:t>1/18/2018</a:t>
             </a:fld>
             <a:endParaRPr lang="en-US" dirty="0"/>
@@ -4158,6 +4193,7 @@
           <a:p>
             <a:fld id="{6D62F516-69B7-4CA4-8923-BAE83F2369B9}" type="slidenum">
               <a:rPr lang="en-US" smtClean="0"/>
+              <a:pPr/>
               <a:t>‹#›</a:t>
             </a:fld>
             <a:endParaRPr lang="en-US" dirty="0"/>
@@ -4490,6 +4526,7 @@
           <a:p>
             <a:fld id="{EDCCC4DD-009F-4D1C-A219-829CFB686AD6}" type="datetime1">
               <a:rPr lang="en-US" smtClean="0"/>
+              <a:pPr/>
               <a:t>1/18/2018</a:t>
             </a:fld>
             <a:endParaRPr lang="en-US" dirty="0"/>
@@ -4532,6 +4569,7 @@
           <a:p>
             <a:fld id="{6D62F516-69B7-4CA4-8923-BAE83F2369B9}" type="slidenum">
               <a:rPr lang="en-US" smtClean="0"/>
+              <a:pPr/>
               <a:t>‹#›</a:t>
             </a:fld>
             <a:endParaRPr lang="en-US" dirty="0"/>
@@ -4613,6 +4651,7 @@
           <a:p>
             <a:fld id="{09B273D9-24F8-4D3A-8C20-1EA8593F336A}" type="datetime1">
               <a:rPr lang="en-US" smtClean="0"/>
+              <a:pPr/>
               <a:t>1/18/2018</a:t>
             </a:fld>
             <a:endParaRPr lang="en-US" dirty="0"/>
@@ -4655,6 +4694,7 @@
           <a:p>
             <a:fld id="{6D62F516-69B7-4CA4-8923-BAE83F2369B9}" type="slidenum">
               <a:rPr lang="en-US" smtClean="0"/>
+              <a:pPr/>
               <a:t>‹#›</a:t>
             </a:fld>
             <a:endParaRPr lang="en-US" dirty="0"/>
@@ -4708,6 +4748,7 @@
           <a:p>
             <a:fld id="{14953C9C-10CC-4136-9A0B-AC306467048A}" type="datetime1">
               <a:rPr lang="en-US" smtClean="0"/>
+              <a:pPr/>
               <a:t>1/18/2018</a:t>
             </a:fld>
             <a:endParaRPr lang="en-US" dirty="0"/>
@@ -4750,6 +4791,7 @@
           <a:p>
             <a:fld id="{6D62F516-69B7-4CA4-8923-BAE83F2369B9}" type="slidenum">
               <a:rPr lang="en-US" smtClean="0"/>
+              <a:pPr/>
               <a:t>‹#›</a:t>
             </a:fld>
             <a:endParaRPr lang="en-US" dirty="0"/>
@@ -4963,6 +5005,7 @@
           <a:p>
             <a:fld id="{2EC4E491-B2F4-4524-A6FE-59C09FE2AF6A}" type="datetime1">
               <a:rPr lang="en-US" smtClean="0"/>
+              <a:pPr/>
               <a:t>1/18/2018</a:t>
             </a:fld>
             <a:endParaRPr lang="en-US" dirty="0"/>
@@ -5005,6 +5048,7 @@
           <a:p>
             <a:fld id="{6D62F516-69B7-4CA4-8923-BAE83F2369B9}" type="slidenum">
               <a:rPr lang="en-US" smtClean="0"/>
+              <a:pPr/>
               <a:t>‹#›</a:t>
             </a:fld>
             <a:endParaRPr lang="en-US" dirty="0"/>
@@ -5226,6 +5270,7 @@
           <a:p>
             <a:fld id="{8B37AC9E-C142-4422-9010-0587A3CF8441}" type="datetime1">
               <a:rPr lang="en-US" smtClean="0"/>
+              <a:pPr/>
               <a:t>1/18/2018</a:t>
             </a:fld>
             <a:endParaRPr lang="en-US" dirty="0"/>
@@ -5268,6 +5313,7 @@
           <a:p>
             <a:fld id="{6D62F516-69B7-4CA4-8923-BAE83F2369B9}" type="slidenum">
               <a:rPr lang="en-US" smtClean="0"/>
+              <a:pPr/>
               <a:t>‹#›</a:t>
             </a:fld>
             <a:endParaRPr lang="en-US" dirty="0"/>
@@ -5969,6 +6015,7 @@
           <a:p>
             <a:fld id="{F14E9426-3CBA-4F42-9C88-A3D12B1739EF}" type="datetime1">
               <a:rPr lang="en-US" smtClean="0"/>
+              <a:pPr/>
               <a:t>1/18/2018</a:t>
             </a:fld>
             <a:endParaRPr lang="en-US" dirty="0"/>
@@ -6045,6 +6092,7 @@
           <a:p>
             <a:fld id="{6D62F516-69B7-4CA4-8923-BAE83F2369B9}" type="slidenum">
               <a:rPr lang="en-US" smtClean="0"/>
+              <a:pPr/>
               <a:t>‹#›</a:t>
             </a:fld>
             <a:endParaRPr lang="en-US" dirty="0"/>
@@ -6522,16 +6570,8 @@
           <a:lstStyle/>
           <a:p>
             <a:r>
-              <a:rPr lang="en-US" dirty="0" err="1" smtClean="0"/>
-              <a:t>MindGenomics</a:t>
-            </a:r>
-            <a:r>
               <a:rPr lang="en-US" dirty="0" smtClean="0"/>
-              <a:t> </a:t>
-            </a:r>
-            <a:r>
-              <a:rPr lang="en-US" dirty="0" err="1" smtClean="0"/>
-              <a:t>kampanja</a:t>
+              <a:t>Mind Genomics campaign</a:t>
             </a:r>
             <a:endParaRPr lang="en-US" dirty="0"/>
           </a:p>
@@ -6601,60 +6641,13 @@
           <a:chExt cx="0" cy="0"/>
         </a:xfrm>
       </p:grpSpPr>
-      <p:sp>
-        <p:nvSpPr>
-          <p:cNvPr id="2" name="Title 1"/>
-          <p:cNvSpPr>
-            <a:spLocks noGrp="1"/>
-          </p:cNvSpPr>
-          <p:nvPr>
-            <p:ph type="title"/>
-          </p:nvPr>
-        </p:nvSpPr>
-        <p:spPr>
-          <a:xfrm rot="-1440000">
-            <a:off x="751340" y="957769"/>
-            <a:ext cx="8596668" cy="2878972"/>
-          </a:xfrm>
-        </p:spPr>
-        <p:txBody>
-          <a:bodyPr>
-            <a:normAutofit/>
-          </a:bodyPr>
-          <a:lstStyle/>
-          <a:p>
-            <a:r>
-              <a:rPr lang="sr-Latn-RS" sz="6000" dirty="0" smtClean="0"/>
-              <a:t>Hvala na pažnji </a:t>
-            </a:r>
-            <a:r>
-              <a:rPr lang="sr-Latn-RS" sz="6000" dirty="0" smtClean="0"/>
-              <a:t>!!!</a:t>
-            </a:r>
-            <a:r>
-              <a:rPr lang="en-US" sz="6000" dirty="0" smtClean="0"/>
-              <a:t/>
-            </a:r>
-            <a:br>
-              <a:rPr lang="en-US" sz="6000" dirty="0" smtClean="0"/>
-            </a:br>
-            <a:r>
-              <a:rPr lang="en-US" sz="6000" dirty="0" smtClean="0"/>
-              <a:t>Thank you for listening, got any questions?</a:t>
-            </a:r>
-            <a:endParaRPr lang="en-US" sz="6000" dirty="0"/>
-          </a:p>
-        </p:txBody>
-      </p:sp>
       <p:pic>
         <p:nvPicPr>
-          <p:cNvPr id="5" name="Content Placeholder 4"/>
+          <p:cNvPr id="7" name="Picture 6"/>
           <p:cNvPicPr>
-            <a:picLocks noGrp="1" noChangeAspect="1"/>
+            <a:picLocks noChangeAspect="1"/>
           </p:cNvPicPr>
-          <p:nvPr>
-            <p:ph idx="1"/>
-          </p:nvPr>
+          <p:nvPr/>
         </p:nvPicPr>
         <p:blipFill>
           <a:blip r:embed="rId2">
@@ -6670,18 +6663,23 @@
         </p:blipFill>
         <p:spPr>
           <a:xfrm>
-            <a:off x="9138088" y="1164413"/>
-            <a:ext cx="2857500" cy="2552700"/>
+            <a:off x="4916967" y="3077095"/>
+            <a:ext cx="2900972" cy="3181711"/>
           </a:xfrm>
+          <a:prstGeom prst="rect">
+            <a:avLst/>
+          </a:prstGeom>
         </p:spPr>
       </p:pic>
       <p:pic>
         <p:nvPicPr>
-          <p:cNvPr id="6" name="Picture 5"/>
+          <p:cNvPr id="5" name="Content Placeholder 4"/>
           <p:cNvPicPr>
-            <a:picLocks noChangeAspect="1"/>
+            <a:picLocks noGrp="1" noChangeAspect="1"/>
           </p:cNvPicPr>
-          <p:nvPr/>
+          <p:nvPr>
+            <p:ph idx="1"/>
+          </p:nvPr>
         </p:nvPicPr>
         <p:blipFill>
           <a:blip r:embed="rId3">
@@ -6697,17 +6695,14 @@
         </p:blipFill>
         <p:spPr>
           <a:xfrm>
-            <a:off x="630469" y="5239972"/>
-            <a:ext cx="3086100" cy="3086100"/>
+            <a:off x="6624927" y="588511"/>
+            <a:ext cx="2857500" cy="2552700"/>
           </a:xfrm>
-          <a:prstGeom prst="rect">
-            <a:avLst/>
-          </a:prstGeom>
         </p:spPr>
       </p:pic>
       <p:pic>
         <p:nvPicPr>
-          <p:cNvPr id="7" name="Picture 6"/>
+          <p:cNvPr id="6" name="Picture 5"/>
           <p:cNvPicPr>
             <a:picLocks noChangeAspect="1"/>
           </p:cNvPicPr>
@@ -6727,14 +6722,44 @@
         </p:blipFill>
         <p:spPr>
           <a:xfrm>
-            <a:off x="6533739" y="4103828"/>
-            <a:ext cx="2900972" cy="3181711"/>
+            <a:off x="1549683" y="3851011"/>
+            <a:ext cx="3086100" cy="3086100"/>
           </a:xfrm>
           <a:prstGeom prst="rect">
             <a:avLst/>
           </a:prstGeom>
         </p:spPr>
       </p:pic>
+      <p:sp>
+        <p:nvSpPr>
+          <p:cNvPr id="2" name="Title 1"/>
+          <p:cNvSpPr>
+            <a:spLocks noGrp="1"/>
+          </p:cNvSpPr>
+          <p:nvPr>
+            <p:ph type="title"/>
+          </p:nvPr>
+        </p:nvSpPr>
+        <p:spPr>
+          <a:xfrm rot="-1440000">
+            <a:off x="106770" y="1077689"/>
+            <a:ext cx="8596668" cy="2878972"/>
+          </a:xfrm>
+        </p:spPr>
+        <p:txBody>
+          <a:bodyPr>
+            <a:normAutofit/>
+          </a:bodyPr>
+          <a:lstStyle/>
+          <a:p>
+            <a:r>
+              <a:rPr lang="en-US" sz="6000" dirty="0" smtClean="0"/>
+              <a:t>Thank you for listening, got any questions?</a:t>
+            </a:r>
+            <a:endParaRPr lang="en-US" sz="6000" dirty="0"/>
+          </a:p>
+        </p:txBody>
+      </p:sp>
       <p:sp>
         <p:nvSpPr>
           <p:cNvPr id="3" name="Slide Number Placeholder 2"/>
@@ -6758,86 +6783,6 @@
             <a:r>
               <a:rPr lang="en-US" smtClean="0"/>
               <a:t>/10</a:t>
-            </a:r>
-            <a:endParaRPr lang="en-US" dirty="0"/>
-          </a:p>
-        </p:txBody>
-      </p:sp>
-      <p:sp>
-        <p:nvSpPr>
-          <p:cNvPr id="4" name="TextBox 3"/>
-          <p:cNvSpPr txBox="1"/>
-          <p:nvPr/>
-        </p:nvSpPr>
-        <p:spPr>
-          <a:xfrm>
-            <a:off x="6836735" y="2838893"/>
-            <a:ext cx="1860698" cy="1200329"/>
-          </a:xfrm>
-          <a:prstGeom prst="rect">
-            <a:avLst/>
-          </a:prstGeom>
-          <a:noFill/>
-        </p:spPr>
-        <p:txBody>
-          <a:bodyPr wrap="square" rtlCol="0">
-            <a:spAutoFit/>
-          </a:bodyPr>
-          <a:lstStyle/>
-          <a:p>
-            <a:r>
-              <a:rPr lang="en-US" dirty="0" err="1" smtClean="0"/>
-              <a:t>Samo</a:t>
-            </a:r>
-            <a:r>
-              <a:rPr lang="en-US" dirty="0" smtClean="0"/>
-              <a:t> thank you je </a:t>
-            </a:r>
-            <a:r>
-              <a:rPr lang="en-US" dirty="0" err="1" smtClean="0"/>
-              <a:t>klise</a:t>
-            </a:r>
-            <a:r>
-              <a:rPr lang="en-US" dirty="0" smtClean="0"/>
-              <a:t>, </a:t>
-            </a:r>
-            <a:r>
-              <a:rPr lang="en-US" dirty="0" err="1" smtClean="0"/>
-              <a:t>ubacite</a:t>
-            </a:r>
-            <a:r>
-              <a:rPr lang="en-US" dirty="0" smtClean="0"/>
-              <a:t> </a:t>
-            </a:r>
-            <a:r>
-              <a:rPr lang="en-US" dirty="0" err="1" smtClean="0"/>
-              <a:t>ovo</a:t>
-            </a:r>
-            <a:r>
-              <a:rPr lang="en-US" dirty="0" smtClean="0"/>
-              <a:t> </a:t>
-            </a:r>
-            <a:r>
-              <a:rPr lang="en-US" dirty="0" err="1" smtClean="0"/>
-              <a:t>za</a:t>
-            </a:r>
-            <a:r>
-              <a:rPr lang="en-US" dirty="0" smtClean="0"/>
-              <a:t> </a:t>
-            </a:r>
-            <a:r>
-              <a:rPr lang="en-US" dirty="0" err="1" smtClean="0"/>
-              <a:t>pitanja</a:t>
-            </a:r>
-            <a:r>
-              <a:rPr lang="en-US" dirty="0" smtClean="0"/>
-              <a:t> </a:t>
-            </a:r>
-            <a:r>
-              <a:rPr lang="en-US" dirty="0" smtClean="0">
-                <a:sym typeface="Wingdings" pitchFamily="2" charset="2"/>
-              </a:rPr>
-              <a:t></a:t>
             </a:r>
             <a:endParaRPr lang="en-US" dirty="0"/>
           </a:p>
@@ -7349,40 +7294,29 @@
           <a:p>
             <a:r>
               <a:rPr lang="en-US" sz="3100" dirty="0" smtClean="0"/>
-              <a:t>(Before we begin, we would like to ask three volunteers to lend us a hand with demonstrating our campaign)Pre </a:t>
-            </a:r>
-            <a:r>
-              <a:rPr lang="en-US" sz="3100" dirty="0" err="1" smtClean="0"/>
-              <a:t>po</a:t>
-            </a:r>
-            <a:r>
-              <a:rPr lang="sr-Latn-RS" sz="3100" dirty="0" smtClean="0"/>
-              <a:t>četka,</a:t>
+              <a:t>Before we begin,</a:t>
             </a:r>
             <a:br>
-              <a:rPr lang="sr-Latn-RS" sz="3100" dirty="0" smtClean="0"/>
+              <a:rPr lang="en-US" sz="3100" dirty="0" smtClean="0"/>
             </a:br>
             <a:r>
-              <a:rPr lang="sr-Latn-RS" sz="3100" dirty="0" smtClean="0"/>
-              <a:t>zamolili bismo tri dobrovoljca</a:t>
+              <a:rPr lang="en-US" sz="3100" dirty="0" smtClean="0"/>
+              <a:t>we would like to ask three volunteers</a:t>
             </a:r>
             <a:br>
-              <a:rPr lang="sr-Latn-RS" sz="3100" dirty="0" smtClean="0"/>
+              <a:rPr lang="en-US" sz="3100" dirty="0" smtClean="0"/>
             </a:br>
             <a:r>
-              <a:rPr lang="sr-Latn-RS" sz="3100" dirty="0" smtClean="0"/>
-              <a:t>da nam pomognu</a:t>
+              <a:rPr lang="en-US" sz="3100" dirty="0" smtClean="0"/>
+              <a:t>to lend us a hand</a:t>
             </a:r>
             <a:br>
-              <a:rPr lang="sr-Latn-RS" sz="3100" dirty="0" smtClean="0"/>
+              <a:rPr lang="en-US" sz="3100" dirty="0" smtClean="0"/>
             </a:br>
             <a:r>
-              <a:rPr lang="sr-Latn-RS" sz="3100" dirty="0" smtClean="0"/>
-              <a:t>u demonstraciji naše kampanje</a:t>
-            </a:r>
-            <a:br>
-              <a:rPr lang="sr-Latn-RS" sz="3100" dirty="0" smtClean="0"/>
-            </a:br>
+              <a:rPr lang="en-US" sz="3100" dirty="0" smtClean="0"/>
+              <a:t>with demonstrating our campaign.</a:t>
+            </a:r>
             <a:r>
               <a:rPr lang="sr-Latn-RS" sz="3100" dirty="0" smtClean="0"/>
               <a:t/>
@@ -7819,16 +7753,8 @@
           <a:lstStyle/>
           <a:p>
             <a:r>
-              <a:rPr lang="sr-Latn-RS" dirty="0" smtClean="0"/>
-              <a:t>Ciljne </a:t>
-            </a:r>
-            <a:r>
-              <a:rPr lang="sr-Latn-RS" dirty="0" smtClean="0"/>
-              <a:t>grupe</a:t>
-            </a:r>
-            <a:r>
               <a:rPr lang="en-US" dirty="0" smtClean="0"/>
-              <a:t> (Target Groups)</a:t>
+              <a:t>Target Groups</a:t>
             </a:r>
             <a:endParaRPr lang="en-US" dirty="0"/>
           </a:p>
@@ -7852,36 +7778,12 @@
           <a:lstStyle/>
           <a:p>
             <a:r>
-              <a:rPr lang="pl-PL" sz="2000" dirty="0" smtClean="0">
+              <a:rPr lang="en-US" sz="2000" dirty="0" smtClean="0">
                 <a:solidFill>
                   <a:schemeClr val="tx1"/>
                 </a:solidFill>
               </a:rPr>
-              <a:t>Oprezn</a:t>
-            </a:r>
-            <a:r>
-              <a:rPr lang="en-US" sz="2000" dirty="0" smtClean="0">
-                <a:solidFill>
-                  <a:schemeClr val="tx1"/>
-                </a:solidFill>
-              </a:rPr>
-              <a:t>e </a:t>
-            </a:r>
-            <a:r>
-              <a:rPr lang="en-US" sz="2000" dirty="0" err="1" smtClean="0">
-                <a:solidFill>
-                  <a:schemeClr val="tx1"/>
-                </a:solidFill>
-              </a:rPr>
-              <a:t>osobe</a:t>
-            </a:r>
-            <a:r>
-              <a:rPr lang="en-US" sz="2000" dirty="0" smtClean="0">
-                <a:solidFill>
-                  <a:schemeClr val="tx1"/>
-                </a:solidFill>
-              </a:rPr>
-              <a:t> (Cautious individuals)</a:t>
+              <a:t>Cautious individuals</a:t>
             </a:r>
             <a:endParaRPr lang="pl-PL" sz="2000" dirty="0" smtClean="0">
               <a:solidFill>
@@ -7892,44 +7794,12 @@
           <a:p>
             <a:pPr lvl="1"/>
             <a:r>
-              <a:rPr lang="pl-PL" sz="2000" dirty="0" smtClean="0">
+              <a:rPr lang="en-US" sz="2000" dirty="0" smtClean="0">
                 <a:solidFill>
                   <a:schemeClr val="tx1"/>
                 </a:solidFill>
               </a:rPr>
-              <a:t>100</a:t>
-            </a:r>
-            <a:r>
-              <a:rPr lang="pl-PL" sz="2000" dirty="0">
-                <a:solidFill>
-                  <a:schemeClr val="tx1"/>
-                </a:solidFill>
-              </a:rPr>
-              <a:t>% </a:t>
-            </a:r>
-            <a:r>
-              <a:rPr lang="pl-PL" sz="2000" dirty="0" smtClean="0">
-                <a:solidFill>
-                  <a:schemeClr val="tx1"/>
-                </a:solidFill>
-              </a:rPr>
-              <a:t>samokontrole</a:t>
-            </a:r>
-            <a:r>
-              <a:rPr lang="en-US" sz="2000" dirty="0">
-                <a:solidFill>
-                  <a:schemeClr val="tx1"/>
-                </a:solidFill>
-              </a:rPr>
-              <a:t> </a:t>
-            </a:r>
-            <a:r>
-              <a:rPr lang="en-US" sz="2000" dirty="0" smtClean="0">
-                <a:solidFill>
-                  <a:schemeClr val="tx1"/>
-                </a:solidFill>
-              </a:rPr>
-              <a:t>(100% self-control)</a:t>
+              <a:t>100% self-control</a:t>
             </a:r>
             <a:endParaRPr lang="pl-PL" sz="2000" dirty="0" smtClean="0">
               <a:solidFill>
@@ -7949,44 +7819,12 @@
           </a:p>
           <a:p>
             <a:r>
-              <a:rPr lang="pl-PL" sz="2000" dirty="0" smtClean="0">
+              <a:rPr lang="en-US" sz="2000" dirty="0" smtClean="0">
                 <a:solidFill>
                   <a:schemeClr val="tx1"/>
                 </a:solidFill>
               </a:rPr>
-              <a:t>Samopouzdan</a:t>
-            </a:r>
-            <a:r>
-              <a:rPr lang="en-US" sz="2000" dirty="0" smtClean="0">
-                <a:solidFill>
-                  <a:schemeClr val="tx1"/>
-                </a:solidFill>
-              </a:rPr>
-              <a:t>e </a:t>
-            </a:r>
-            <a:r>
-              <a:rPr lang="en-US" sz="2000" dirty="0" err="1" smtClean="0">
-                <a:solidFill>
-                  <a:schemeClr val="tx1"/>
-                </a:solidFill>
-              </a:rPr>
-              <a:t>osobe</a:t>
-            </a:r>
-            <a:r>
-              <a:rPr lang="pl-PL" sz="2000" dirty="0" smtClean="0">
-                <a:solidFill>
-                  <a:schemeClr val="tx1"/>
-                </a:solidFill>
-              </a:rPr>
-              <a:t> </a:t>
-            </a:r>
-            <a:r>
-              <a:rPr lang="en-US" sz="2000" dirty="0" smtClean="0">
-                <a:solidFill>
-                  <a:schemeClr val="tx1"/>
-                </a:solidFill>
-              </a:rPr>
-              <a:t>(Assertive individuals)</a:t>
+              <a:t>Assertive individuals</a:t>
             </a:r>
             <a:endParaRPr lang="pl-PL" sz="2000" dirty="0">
               <a:solidFill>
@@ -7997,36 +7835,12 @@
           <a:p>
             <a:pPr lvl="1"/>
             <a:r>
-              <a:rPr lang="pl-PL" sz="2000" dirty="0" smtClean="0">
+              <a:rPr lang="en-US" sz="2000" dirty="0" smtClean="0">
                 <a:solidFill>
                   <a:schemeClr val="tx1"/>
                 </a:solidFill>
               </a:rPr>
-              <a:t>50</a:t>
-            </a:r>
-            <a:r>
-              <a:rPr lang="pl-PL" sz="2000" dirty="0">
-                <a:solidFill>
-                  <a:schemeClr val="tx1"/>
-                </a:solidFill>
-              </a:rPr>
-              <a:t>% </a:t>
-            </a:r>
-            <a:r>
-              <a:rPr lang="pl-PL" sz="2000" dirty="0" smtClean="0">
-                <a:solidFill>
-                  <a:schemeClr val="tx1"/>
-                </a:solidFill>
-              </a:rPr>
-              <a:t>samokontrole</a:t>
-            </a:r>
-            <a:r>
-              <a:rPr lang="en-US" sz="2000" dirty="0" smtClean="0">
-                <a:solidFill>
-                  <a:schemeClr val="tx1"/>
-                </a:solidFill>
-              </a:rPr>
-              <a:t> (50% self-control)</a:t>
+              <a:t>50% self-control</a:t>
             </a:r>
             <a:endParaRPr lang="pl-PL" sz="2000" dirty="0" smtClean="0">
               <a:solidFill>
@@ -8046,222 +7860,12 @@
           </a:p>
           <a:p>
             <a:r>
-              <a:rPr lang="pl-PL" sz="2000" dirty="0" smtClean="0">
+              <a:rPr lang="en-US" sz="2000" dirty="0" smtClean="0">
                 <a:solidFill>
                   <a:schemeClr val="tx1"/>
                 </a:solidFill>
               </a:rPr>
-              <a:t>Rizi</a:t>
-            </a:r>
-            <a:r>
-              <a:rPr lang="sr-Latn-RS" sz="2000" dirty="0">
-                <a:solidFill>
-                  <a:schemeClr val="tx1"/>
-                </a:solidFill>
-              </a:rPr>
-              <a:t>č</a:t>
-            </a:r>
-            <a:r>
-              <a:rPr lang="pl-PL" sz="2000" dirty="0" smtClean="0">
-                <a:solidFill>
-                  <a:schemeClr val="tx1"/>
-                </a:solidFill>
-              </a:rPr>
-              <a:t>n</a:t>
-            </a:r>
-            <a:r>
-              <a:rPr lang="en-US" sz="2000" dirty="0" smtClean="0">
-                <a:solidFill>
-                  <a:schemeClr val="tx1"/>
-                </a:solidFill>
-              </a:rPr>
-              <a:t>e </a:t>
-            </a:r>
-            <a:r>
-              <a:rPr lang="en-US" sz="2000" dirty="0" err="1" smtClean="0">
-                <a:solidFill>
-                  <a:schemeClr val="tx1"/>
-                </a:solidFill>
-              </a:rPr>
-              <a:t>osobe</a:t>
-            </a:r>
-            <a:r>
-              <a:rPr lang="pl-PL" sz="2000" dirty="0" smtClean="0">
-                <a:solidFill>
-                  <a:schemeClr val="tx1"/>
-                </a:solidFill>
-              </a:rPr>
-              <a:t> </a:t>
-            </a:r>
-            <a:r>
-              <a:rPr lang="en-US" sz="2000" dirty="0" smtClean="0">
-                <a:solidFill>
-                  <a:schemeClr val="tx1"/>
-                </a:solidFill>
-              </a:rPr>
-              <a:t>(Reckless individuals) </a:t>
-            </a:r>
-            <a:r>
-              <a:rPr lang="en-US" sz="2000" dirty="0" smtClean="0">
-                <a:solidFill>
-                  <a:schemeClr val="tx1"/>
-                </a:solidFill>
-                <a:sym typeface="Wingdings" pitchFamily="2" charset="2"/>
-              </a:rPr>
-              <a:t> reckless je </a:t>
-            </a:r>
-            <a:r>
-              <a:rPr lang="en-US" sz="2000" dirty="0" err="1" smtClean="0">
-                <a:solidFill>
-                  <a:schemeClr val="tx1"/>
-                </a:solidFill>
-                <a:sym typeface="Wingdings" pitchFamily="2" charset="2"/>
-              </a:rPr>
-              <a:t>pomalo</a:t>
-            </a:r>
-            <a:r>
-              <a:rPr lang="en-US" sz="2000" dirty="0" smtClean="0">
-                <a:solidFill>
-                  <a:schemeClr val="tx1"/>
-                </a:solidFill>
-                <a:sym typeface="Wingdings" pitchFamily="2" charset="2"/>
-              </a:rPr>
-              <a:t> </a:t>
-            </a:r>
-            <a:r>
-              <a:rPr lang="en-US" sz="2000" dirty="0" err="1" smtClean="0">
-                <a:solidFill>
-                  <a:schemeClr val="tx1"/>
-                </a:solidFill>
-                <a:sym typeface="Wingdings" pitchFamily="2" charset="2"/>
-              </a:rPr>
-              <a:t>negativno</a:t>
-            </a:r>
-            <a:r>
-              <a:rPr lang="en-US" sz="2000" dirty="0" smtClean="0">
-                <a:solidFill>
-                  <a:schemeClr val="tx1"/>
-                </a:solidFill>
-                <a:sym typeface="Wingdings" pitchFamily="2" charset="2"/>
-              </a:rPr>
-              <a:t>, </a:t>
-            </a:r>
-            <a:r>
-              <a:rPr lang="en-US" sz="2000" dirty="0" err="1" smtClean="0">
-                <a:solidFill>
-                  <a:schemeClr val="tx1"/>
-                </a:solidFill>
-                <a:sym typeface="Wingdings" pitchFamily="2" charset="2"/>
-              </a:rPr>
-              <a:t>zameni</a:t>
-            </a:r>
-            <a:r>
-              <a:rPr lang="en-US" sz="2000" dirty="0" smtClean="0">
-                <a:solidFill>
-                  <a:schemeClr val="tx1"/>
-                </a:solidFill>
-                <a:sym typeface="Wingdings" pitchFamily="2" charset="2"/>
-              </a:rPr>
-              <a:t> </a:t>
-            </a:r>
-            <a:r>
-              <a:rPr lang="en-US" sz="2000" dirty="0" err="1" smtClean="0">
-                <a:solidFill>
-                  <a:schemeClr val="tx1"/>
-                </a:solidFill>
-                <a:sym typeface="Wingdings" pitchFamily="2" charset="2"/>
-              </a:rPr>
-              <a:t>svuda</a:t>
-            </a:r>
-            <a:r>
-              <a:rPr lang="en-US" sz="2000" dirty="0" smtClean="0">
-                <a:solidFill>
-                  <a:schemeClr val="tx1"/>
-                </a:solidFill>
-                <a:sym typeface="Wingdings" pitchFamily="2" charset="2"/>
-              </a:rPr>
-              <a:t> </a:t>
-            </a:r>
-            <a:r>
-              <a:rPr lang="en-US" sz="2000" dirty="0" err="1" smtClean="0">
-                <a:solidFill>
-                  <a:schemeClr val="tx1"/>
-                </a:solidFill>
-                <a:sym typeface="Wingdings" pitchFamily="2" charset="2"/>
-              </a:rPr>
-              <a:t>sa</a:t>
-            </a:r>
-            <a:r>
-              <a:rPr lang="en-US" sz="2000" dirty="0" smtClean="0">
-                <a:solidFill>
-                  <a:schemeClr val="tx1"/>
-                </a:solidFill>
-                <a:sym typeface="Wingdings" pitchFamily="2" charset="2"/>
-              </a:rPr>
-              <a:t> impulsive </a:t>
-            </a:r>
-            <a:r>
-              <a:rPr lang="en-US" sz="2000" dirty="0" err="1" smtClean="0">
-                <a:solidFill>
-                  <a:schemeClr val="tx1"/>
-                </a:solidFill>
-                <a:sym typeface="Wingdings" pitchFamily="2" charset="2"/>
-              </a:rPr>
-              <a:t>ako</a:t>
-            </a:r>
-            <a:r>
-              <a:rPr lang="en-US" sz="2000" dirty="0" smtClean="0">
-                <a:solidFill>
-                  <a:schemeClr val="tx1"/>
-                </a:solidFill>
-                <a:sym typeface="Wingdings" pitchFamily="2" charset="2"/>
-              </a:rPr>
-              <a:t> </a:t>
-            </a:r>
-            <a:r>
-              <a:rPr lang="en-US" sz="2000" dirty="0" err="1" smtClean="0">
-                <a:solidFill>
-                  <a:schemeClr val="tx1"/>
-                </a:solidFill>
-                <a:sym typeface="Wingdings" pitchFamily="2" charset="2"/>
-              </a:rPr>
-              <a:t>oces</a:t>
-            </a:r>
-            <a:r>
-              <a:rPr lang="en-US" sz="2000" dirty="0" smtClean="0">
-                <a:solidFill>
-                  <a:schemeClr val="tx1"/>
-                </a:solidFill>
-                <a:sym typeface="Wingdings" pitchFamily="2" charset="2"/>
-              </a:rPr>
-              <a:t> </a:t>
-            </a:r>
-            <a:r>
-              <a:rPr lang="en-US" sz="2000" dirty="0" err="1" smtClean="0">
-                <a:solidFill>
-                  <a:schemeClr val="tx1"/>
-                </a:solidFill>
-                <a:sym typeface="Wingdings" pitchFamily="2" charset="2"/>
-              </a:rPr>
-              <a:t>nesto</a:t>
-            </a:r>
-            <a:r>
-              <a:rPr lang="en-US" sz="2000" dirty="0" smtClean="0">
-                <a:solidFill>
-                  <a:schemeClr val="tx1"/>
-                </a:solidFill>
-                <a:sym typeface="Wingdings" pitchFamily="2" charset="2"/>
-              </a:rPr>
-              <a:t> </a:t>
-            </a:r>
-            <a:r>
-              <a:rPr lang="en-US" sz="2000" dirty="0" err="1" smtClean="0">
-                <a:solidFill>
-                  <a:schemeClr val="tx1"/>
-                </a:solidFill>
-                <a:sym typeface="Wingdings" pitchFamily="2" charset="2"/>
-              </a:rPr>
-              <a:t>pozitivnije</a:t>
+              <a:t>Impulsive individuals</a:t>
             </a:r>
             <a:endParaRPr lang="pl-PL" sz="2000" dirty="0">
               <a:solidFill>
@@ -8272,28 +7876,12 @@
           <a:p>
             <a:pPr lvl="1"/>
             <a:r>
-              <a:rPr lang="pl-PL" sz="2000" dirty="0" smtClean="0">
+              <a:rPr lang="en-US" sz="2000" dirty="0" smtClean="0">
                 <a:solidFill>
                   <a:schemeClr val="tx1"/>
                 </a:solidFill>
               </a:rPr>
-              <a:t>20% </a:t>
-            </a:r>
-            <a:r>
-              <a:rPr lang="pl-PL" sz="2000" dirty="0" smtClean="0">
-                <a:solidFill>
-                  <a:schemeClr val="tx1"/>
-                </a:solidFill>
-              </a:rPr>
-              <a:t>samokontrole</a:t>
-            </a:r>
-            <a:r>
-              <a:rPr lang="en-US" sz="2000" dirty="0" smtClean="0">
-                <a:solidFill>
-                  <a:schemeClr val="tx1"/>
-                </a:solidFill>
-              </a:rPr>
-              <a:t> (20% self-control)</a:t>
+              <a:t>20% self-control</a:t>
             </a:r>
             <a:endParaRPr lang="en-US" sz="2000" dirty="0">
               <a:solidFill>
@@ -8325,7 +7913,7 @@
         </p:blipFill>
         <p:spPr>
           <a:xfrm>
-            <a:off x="6310737" y="220201"/>
+            <a:off x="4354347" y="1980325"/>
             <a:ext cx="5644761" cy="3880773"/>
           </a:xfrm>
           <a:prstGeom prst="rect">
@@ -8904,20 +8492,8 @@
           <a:lstStyle/>
           <a:p>
             <a:r>
-              <a:rPr lang="pl-PL" dirty="0" smtClean="0"/>
-              <a:t>Oprezn</a:t>
-            </a:r>
-            <a:r>
               <a:rPr lang="en-US" dirty="0" smtClean="0"/>
-              <a:t>e </a:t>
-            </a:r>
-            <a:r>
-              <a:rPr lang="en-US" dirty="0" err="1" smtClean="0"/>
-              <a:t>osobe</a:t>
-            </a:r>
-            <a:r>
-              <a:rPr lang="en-US" dirty="0" smtClean="0"/>
-              <a:t> (Cautious Individuals)</a:t>
+              <a:t>Cautious Individuals</a:t>
             </a:r>
             <a:endParaRPr lang="pl-PL" dirty="0"/>
           </a:p>
@@ -8957,84 +8533,12 @@
           </a:p>
           <a:p>
             <a:r>
-              <a:rPr lang="en-US" sz="2000" dirty="0" err="1" smtClean="0">
+              <a:rPr lang="en-US" sz="2000" dirty="0" smtClean="0">
                 <a:solidFill>
                   <a:schemeClr val="tx1"/>
                 </a:solidFill>
               </a:rPr>
-              <a:t>Va</a:t>
-            </a:r>
-            <a:r>
-              <a:rPr lang="sr-Latn-RS" sz="2000" dirty="0" smtClean="0">
-                <a:solidFill>
-                  <a:schemeClr val="tx1"/>
-                </a:solidFill>
-              </a:rPr>
-              <a:t>ž</a:t>
-            </a:r>
-            <a:r>
-              <a:rPr lang="en-US" sz="2000" dirty="0" smtClean="0">
-                <a:solidFill>
-                  <a:schemeClr val="tx1"/>
-                </a:solidFill>
-              </a:rPr>
-              <a:t>no </a:t>
-            </a:r>
-            <a:r>
-              <a:rPr lang="en-US" sz="2000" dirty="0">
-                <a:solidFill>
-                  <a:schemeClr val="tx1"/>
-                </a:solidFill>
-              </a:rPr>
-              <a:t>je </a:t>
-            </a:r>
-            <a:r>
-              <a:rPr lang="en-US" sz="2000" dirty="0" err="1">
-                <a:solidFill>
-                  <a:schemeClr val="tx1"/>
-                </a:solidFill>
-              </a:rPr>
-              <a:t>biti</a:t>
-            </a:r>
-            <a:r>
-              <a:rPr lang="en-US" sz="2000" dirty="0">
-                <a:solidFill>
-                  <a:schemeClr val="tx1"/>
-                </a:solidFill>
-              </a:rPr>
-              <a:t> </a:t>
-            </a:r>
-            <a:r>
-              <a:rPr lang="en-US" sz="2000" dirty="0" err="1">
-                <a:solidFill>
-                  <a:schemeClr val="tx1"/>
-                </a:solidFill>
-              </a:rPr>
-              <a:t>oprezan</a:t>
-            </a:r>
-            <a:r>
-              <a:rPr lang="en-US" sz="2000" dirty="0">
-                <a:solidFill>
-                  <a:schemeClr val="tx1"/>
-                </a:solidFill>
-              </a:rPr>
-              <a:t> u </a:t>
-            </a:r>
-            <a:r>
-              <a:rPr lang="en-US" sz="2000" dirty="0" err="1">
-                <a:solidFill>
-                  <a:schemeClr val="tx1"/>
-                </a:solidFill>
-              </a:rPr>
-              <a:t>svemu</a:t>
-            </a:r>
-            <a:r>
-              <a:rPr lang="en-US" sz="2000" dirty="0" smtClean="0">
-                <a:solidFill>
-                  <a:schemeClr val="tx1"/>
-                </a:solidFill>
-              </a:rPr>
-              <a:t>. (It is of utmost importance to be heedful of everything. )</a:t>
+              <a:t>It is of utmost importance to be heedful of everything.</a:t>
             </a:r>
             <a:endParaRPr lang="sr-Latn-RS" sz="2000" dirty="0" smtClean="0">
               <a:solidFill>
@@ -9051,12 +8555,30 @@
           </a:p>
           <a:p>
             <a:r>
-              <a:rPr lang="en-US" sz="2000" dirty="0" err="1" smtClean="0">
+              <a:rPr lang="en-US" sz="2000" dirty="0" smtClean="0">
                 <a:solidFill>
                   <a:schemeClr val="tx1"/>
                 </a:solidFill>
               </a:rPr>
-              <a:t>Izgled</a:t>
+              <a:t>Outward appearances do not play a pivotal role </a:t>
+            </a:r>
+            <a:endParaRPr lang="en-US" sz="2000" dirty="0" smtClean="0">
+              <a:solidFill>
+                <a:schemeClr val="tx1"/>
+              </a:solidFill>
+            </a:endParaRPr>
+          </a:p>
+          <a:p>
+            <a:pPr marL="0" indent="0">
+              <a:buNone/>
+            </a:pPr>
+            <a:r>
+              <a:rPr lang="en-US" sz="2000" dirty="0">
+                <a:solidFill>
+                  <a:schemeClr val="tx1"/>
+                </a:solidFill>
+              </a:rPr>
+              <a:t>	</a:t>
             </a:r>
             <a:r>
               <a:rPr lang="en-US" sz="2000" dirty="0" smtClean="0">
@@ -9064,87 +8586,15 @@
                   <a:schemeClr val="tx1"/>
                 </a:solidFill>
               </a:rPr>
-              <a:t> </a:t>
-            </a:r>
-            <a:r>
-              <a:rPr lang="en-US" sz="2000" dirty="0" err="1">
+              <a:t>when </a:t>
+            </a:r>
+            <a:r>
+              <a:rPr lang="en-US" sz="2000" dirty="0" smtClean="0">
                 <a:solidFill>
                   <a:schemeClr val="tx1"/>
                 </a:solidFill>
               </a:rPr>
-              <a:t>nije</a:t>
-            </a:r>
-            <a:r>
-              <a:rPr lang="en-US" sz="2000" dirty="0">
-                <a:solidFill>
-                  <a:schemeClr val="tx1"/>
-                </a:solidFill>
-              </a:rPr>
-              <a:t> </a:t>
-            </a:r>
-            <a:r>
-              <a:rPr lang="en-US" sz="2000" dirty="0" err="1">
-                <a:solidFill>
-                  <a:schemeClr val="tx1"/>
-                </a:solidFill>
-              </a:rPr>
-              <a:t>presudan</a:t>
-            </a:r>
-            <a:r>
-              <a:rPr lang="en-US" sz="2000" dirty="0">
-                <a:solidFill>
-                  <a:schemeClr val="tx1"/>
-                </a:solidFill>
-              </a:rPr>
-              <a:t> </a:t>
-            </a:r>
-            <a:r>
-              <a:rPr lang="en-US" sz="2000" dirty="0" err="1">
-                <a:solidFill>
-                  <a:schemeClr val="tx1"/>
-                </a:solidFill>
-              </a:rPr>
-              <a:t>za</a:t>
-            </a:r>
-            <a:r>
-              <a:rPr lang="en-US" sz="2000" dirty="0">
-                <a:solidFill>
-                  <a:schemeClr val="tx1"/>
-                </a:solidFill>
-              </a:rPr>
-              <a:t> </a:t>
-            </a:r>
-            <a:r>
-              <a:rPr lang="en-US" sz="2000" dirty="0" err="1">
-                <a:solidFill>
-                  <a:schemeClr val="tx1"/>
-                </a:solidFill>
-              </a:rPr>
-              <a:t>moju</a:t>
-            </a:r>
-            <a:r>
-              <a:rPr lang="en-US" sz="2000" dirty="0">
-                <a:solidFill>
-                  <a:schemeClr val="tx1"/>
-                </a:solidFill>
-              </a:rPr>
-              <a:t> </a:t>
-            </a:r>
-            <a:r>
-              <a:rPr lang="en-US" sz="2000" dirty="0" err="1">
-                <a:solidFill>
-                  <a:schemeClr val="tx1"/>
-                </a:solidFill>
-              </a:rPr>
-              <a:t>odluku</a:t>
-            </a:r>
-            <a:r>
-              <a:rPr lang="en-US" sz="2000" dirty="0" smtClean="0">
-                <a:solidFill>
-                  <a:schemeClr val="tx1"/>
-                </a:solidFill>
-              </a:rPr>
-              <a:t>. (Outward appearances do not play a pivotal role when it comes to making my decisions.)</a:t>
+              <a:t>it comes to making my decisions.</a:t>
             </a:r>
             <a:endParaRPr lang="sr-Latn-RS" sz="2000" dirty="0" smtClean="0">
               <a:solidFill>
@@ -9161,84 +8611,12 @@
           </a:p>
           <a:p>
             <a:r>
-              <a:rPr lang="en-US" sz="2000" dirty="0" err="1" smtClean="0">
+              <a:rPr lang="en-US" sz="2000" dirty="0" smtClean="0">
                 <a:solidFill>
                   <a:schemeClr val="tx1"/>
                 </a:solidFill>
               </a:rPr>
-              <a:t>Cenim</a:t>
-            </a:r>
-            <a:r>
-              <a:rPr lang="en-US" sz="2000" dirty="0" smtClean="0">
-                <a:solidFill>
-                  <a:schemeClr val="tx1"/>
-                </a:solidFill>
-              </a:rPr>
-              <a:t> </a:t>
-            </a:r>
-            <a:r>
-              <a:rPr lang="en-US" sz="2000" dirty="0" err="1" smtClean="0">
-                <a:solidFill>
-                  <a:schemeClr val="tx1"/>
-                </a:solidFill>
-              </a:rPr>
-              <a:t>isklju</a:t>
-            </a:r>
-            <a:r>
-              <a:rPr lang="sr-Latn-RS" sz="2000" dirty="0" smtClean="0">
-                <a:solidFill>
-                  <a:schemeClr val="tx1"/>
-                </a:solidFill>
-              </a:rPr>
-              <a:t>č</a:t>
-            </a:r>
-            <a:r>
-              <a:rPr lang="en-US" sz="2000" dirty="0" err="1" smtClean="0">
-                <a:solidFill>
-                  <a:schemeClr val="tx1"/>
-                </a:solidFill>
-              </a:rPr>
-              <a:t>ivo</a:t>
-            </a:r>
-            <a:r>
-              <a:rPr lang="en-US" sz="2000" dirty="0" smtClean="0">
-                <a:solidFill>
-                  <a:schemeClr val="tx1"/>
-                </a:solidFill>
-              </a:rPr>
-              <a:t> </a:t>
-            </a:r>
-            <a:r>
-              <a:rPr lang="en-US" sz="2000" dirty="0" err="1">
-                <a:solidFill>
-                  <a:schemeClr val="tx1"/>
-                </a:solidFill>
-              </a:rPr>
-              <a:t>dobar</a:t>
-            </a:r>
-            <a:r>
-              <a:rPr lang="en-US" sz="2000" dirty="0">
-                <a:solidFill>
-                  <a:schemeClr val="tx1"/>
-                </a:solidFill>
-              </a:rPr>
-              <a:t> </a:t>
-            </a:r>
-            <a:r>
-              <a:rPr lang="en-US" sz="2000" dirty="0" err="1">
-                <a:solidFill>
-                  <a:schemeClr val="tx1"/>
-                </a:solidFill>
-              </a:rPr>
-              <a:t>savet</a:t>
-            </a:r>
-            <a:r>
-              <a:rPr lang="en-US" sz="2000" dirty="0" smtClean="0">
-                <a:solidFill>
-                  <a:schemeClr val="tx1"/>
-                </a:solidFill>
-              </a:rPr>
-              <a:t>. (I solely appreciate good advice. )</a:t>
+              <a:t>I solely appreciate good advice.</a:t>
             </a:r>
             <a:endParaRPr lang="sr-Latn-RS" sz="2000" dirty="0">
               <a:solidFill>
@@ -9282,7 +8660,7 @@
         </p:blipFill>
         <p:spPr>
           <a:xfrm>
-            <a:off x="9086774" y="2426403"/>
+            <a:off x="6583941" y="2483202"/>
             <a:ext cx="3105226" cy="3235546"/>
           </a:xfrm>
           <a:prstGeom prst="rect">
@@ -9604,6 +8982,49 @@
                                   </p:childTnLst>
                                 </p:cTn>
                               </p:par>
+                              <p:par>
+                                <p:cTn id="25" presetID="10" presetClass="entr" presetSubtype="0" fill="hold" grpId="0" nodeType="withEffect">
+                                  <p:stCondLst>
+                                    <p:cond delay="0"/>
+                                  </p:stCondLst>
+                                  <p:childTnLst>
+                                    <p:set>
+                                      <p:cBhvr>
+                                        <p:cTn id="26" dur="1" fill="hold">
+                                          <p:stCondLst>
+                                            <p:cond delay="0"/>
+                                          </p:stCondLst>
+                                        </p:cTn>
+                                        <p:tgtEl>
+                                          <p:spTgt spid="3">
+                                            <p:txEl>
+                                              <p:pRg st="4" end="4"/>
+                                            </p:txEl>
+                                          </p:spTgt>
+                                        </p:tgtEl>
+                                        <p:attrNameLst>
+                                          <p:attrName>style.visibility</p:attrName>
+                                        </p:attrNameLst>
+                                      </p:cBhvr>
+                                      <p:to>
+                                        <p:strVal val="visible"/>
+                                      </p:to>
+                                    </p:set>
+                                    <p:animEffect transition="in" filter="fade">
+                                      <p:cBhvr>
+                                        <p:cTn id="27" dur="500"/>
+                                        <p:tgtEl>
+                                          <p:spTgt spid="3">
+                                            <p:txEl>
+                                              <p:pRg st="4" end="4"/>
+                                            </p:txEl>
+                                          </p:spTgt>
+                                        </p:tgtEl>
+                                      </p:cBhvr>
+                                    </p:animEffect>
+                                  </p:childTnLst>
+                                </p:cTn>
+                              </p:par>
                             </p:childTnLst>
                           </p:cTn>
                         </p:par>
@@ -9611,26 +9032,26 @@
                     </p:cTn>
                   </p:par>
                   <p:par>
-                    <p:cTn id="25" fill="hold">
+                    <p:cTn id="28" fill="hold">
                       <p:stCondLst>
                         <p:cond delay="indefinite"/>
                       </p:stCondLst>
                       <p:childTnLst>
                         <p:par>
-                          <p:cTn id="26" fill="hold">
+                          <p:cTn id="29" fill="hold">
                             <p:stCondLst>
                               <p:cond delay="0"/>
                             </p:stCondLst>
                             <p:childTnLst>
                               <p:par>
-                                <p:cTn id="27" presetID="10" presetClass="entr" presetSubtype="0" fill="hold" grpId="0" nodeType="clickEffect">
+                                <p:cTn id="30" presetID="10" presetClass="entr" presetSubtype="0" fill="hold" grpId="0" nodeType="clickEffect">
                                   <p:stCondLst>
                                     <p:cond delay="0"/>
                                   </p:stCondLst>
                                   <p:childTnLst>
                                     <p:set>
                                       <p:cBhvr>
-                                        <p:cTn id="28" dur="1" fill="hold">
+                                        <p:cTn id="31" dur="1" fill="hold">
                                           <p:stCondLst>
                                             <p:cond delay="0"/>
                                           </p:stCondLst>
@@ -9638,7 +9059,7 @@
                                         <p:tgtEl>
                                           <p:spTgt spid="3">
                                             <p:txEl>
-                                              <p:pRg st="5" end="5"/>
+                                              <p:pRg st="6" end="6"/>
                                             </p:txEl>
                                           </p:spTgt>
                                         </p:tgtEl>
@@ -9652,11 +9073,11 @@
                                     </p:set>
                                     <p:animEffect transition="in" filter="fade">
                                       <p:cBhvr>
-                                        <p:cTn id="29" dur="500"/>
+                                        <p:cTn id="32" dur="500"/>
                                         <p:tgtEl>
                                           <p:spTgt spid="3">
                                             <p:txEl>
-                                              <p:pRg st="5" end="5"/>
+                                              <p:pRg st="6" end="6"/>
                                             </p:txEl>
                                           </p:spTgt>
                                         </p:tgtEl>
@@ -9733,20 +9154,8 @@
           <a:lstStyle/>
           <a:p>
             <a:r>
-              <a:rPr lang="en-US" dirty="0" err="1" smtClean="0"/>
-              <a:t>Samopouzdane</a:t>
-            </a:r>
-            <a:r>
               <a:rPr lang="en-US" dirty="0" smtClean="0"/>
-              <a:t> </a:t>
-            </a:r>
-            <a:r>
-              <a:rPr lang="en-US" dirty="0" err="1" smtClean="0"/>
-              <a:t>osobe</a:t>
-            </a:r>
-            <a:r>
-              <a:rPr lang="en-US" dirty="0" smtClean="0"/>
-              <a:t> (Assertive Individuals)</a:t>
+              <a:t>Assertive Individuals</a:t>
             </a:r>
             <a:endParaRPr lang="en-US" dirty="0"/>
           </a:p>
@@ -9765,94 +9174,45 @@
         <p:spPr/>
         <p:txBody>
           <a:bodyPr>
-            <a:normAutofit lnSpcReduction="10000"/>
+            <a:normAutofit/>
           </a:bodyPr>
           <a:lstStyle/>
           <a:p>
-            <a:r>
-              <a:rPr lang="en-US" sz="2000" dirty="0" err="1" smtClean="0">
-                <a:solidFill>
-                  <a:schemeClr val="tx1"/>
-                </a:solidFill>
-              </a:rPr>
-              <a:t>Samo</a:t>
-            </a:r>
-            <a:r>
-              <a:rPr lang="en-US" sz="2000" dirty="0" smtClean="0">
-                <a:solidFill>
-                  <a:schemeClr val="tx1"/>
-                </a:solidFill>
-              </a:rPr>
-              <a:t> </a:t>
-            </a:r>
-            <a:r>
-              <a:rPr lang="en-US" sz="2000" dirty="0" err="1">
-                <a:solidFill>
-                  <a:schemeClr val="tx1"/>
-                </a:solidFill>
-              </a:rPr>
-              <a:t>ono</a:t>
-            </a:r>
-            <a:r>
-              <a:rPr lang="en-US" sz="2000" dirty="0">
-                <a:solidFill>
-                  <a:schemeClr val="tx1"/>
-                </a:solidFill>
-              </a:rPr>
-              <a:t> </a:t>
-            </a:r>
-            <a:r>
-              <a:rPr lang="sr-Latn-RS" sz="2000" dirty="0" err="1" smtClean="0">
-                <a:solidFill>
-                  <a:schemeClr val="tx1"/>
-                </a:solidFill>
-              </a:rPr>
-              <a:t>š</a:t>
-            </a:r>
-            <a:r>
-              <a:rPr lang="en-US" sz="2000" dirty="0" smtClean="0">
-                <a:solidFill>
-                  <a:schemeClr val="tx1"/>
-                </a:solidFill>
-              </a:rPr>
-              <a:t>to </a:t>
-            </a:r>
-            <a:r>
-              <a:rPr lang="en-US" sz="2000" dirty="0">
-                <a:solidFill>
-                  <a:schemeClr val="tx1"/>
-                </a:solidFill>
-              </a:rPr>
-              <a:t>je </a:t>
-            </a:r>
-            <a:r>
-              <a:rPr lang="en-US" sz="2000" dirty="0" err="1">
-                <a:solidFill>
-                  <a:schemeClr val="tx1"/>
-                </a:solidFill>
-              </a:rPr>
-              <a:t>provereno</a:t>
-            </a:r>
-            <a:r>
-              <a:rPr lang="en-US" sz="2000" dirty="0">
-                <a:solidFill>
-                  <a:schemeClr val="tx1"/>
-                </a:solidFill>
-              </a:rPr>
-              <a:t> </a:t>
-            </a:r>
-            <a:endParaRPr lang="sr-Latn-RS" sz="2000" dirty="0" smtClean="0">
+            <a:endParaRPr lang="en-US" sz="2000" dirty="0" smtClean="0">
               <a:solidFill>
                 <a:schemeClr val="tx1"/>
               </a:solidFill>
             </a:endParaRPr>
           </a:p>
           <a:p>
+            <a:r>
+              <a:rPr lang="en-US" sz="2000" dirty="0" smtClean="0">
+                <a:solidFill>
+                  <a:schemeClr val="tx1"/>
+                </a:solidFill>
+              </a:rPr>
+              <a:t>Only </a:t>
+            </a:r>
+            <a:r>
+              <a:rPr lang="en-US" sz="2000" dirty="0" smtClean="0">
+                <a:solidFill>
+                  <a:schemeClr val="tx1"/>
+                </a:solidFill>
+              </a:rPr>
+              <a:t>that which has been tried-and-tested </a:t>
+            </a:r>
+            <a:endParaRPr lang="en-US" sz="2000" dirty="0" smtClean="0">
+              <a:solidFill>
+                <a:schemeClr val="tx1"/>
+              </a:solidFill>
+            </a:endParaRPr>
+          </a:p>
+          <a:p>
             <a:pPr marL="0" indent="0">
               <a:buNone/>
             </a:pPr>
             <a:r>
-              <a:rPr lang="sr-Latn-RS" sz="2000" dirty="0" smtClean="0">
+              <a:rPr lang="en-US" sz="2000" dirty="0">
                 <a:solidFill>
                   <a:schemeClr val="tx1"/>
                 </a:solidFill>
@@ -9865,47 +9225,15 @@
                   <a:schemeClr val="tx1"/>
                 </a:solidFill>
               </a:rPr>
-              <a:t>je </a:t>
-            </a:r>
-            <a:r>
-              <a:rPr lang="en-US" sz="2000" dirty="0" err="1">
+              <a:t>is </a:t>
+            </a:r>
+            <a:r>
+              <a:rPr lang="en-US" sz="2000" dirty="0" smtClean="0">
                 <a:solidFill>
                   <a:schemeClr val="tx1"/>
                 </a:solidFill>
               </a:rPr>
-              <a:t>zaista</a:t>
-            </a:r>
-            <a:r>
-              <a:rPr lang="en-US" sz="2000" dirty="0">
-                <a:solidFill>
-                  <a:schemeClr val="tx1"/>
-                </a:solidFill>
-              </a:rPr>
-              <a:t> </a:t>
-            </a:r>
-            <a:r>
-              <a:rPr lang="en-US" sz="2000" dirty="0" err="1">
-                <a:solidFill>
-                  <a:schemeClr val="tx1"/>
-                </a:solidFill>
-              </a:rPr>
-              <a:t>sigurno</a:t>
-            </a:r>
-            <a:r>
-              <a:rPr lang="en-US" sz="2000" dirty="0" smtClean="0">
-                <a:solidFill>
-                  <a:schemeClr val="tx1"/>
-                </a:solidFill>
-              </a:rPr>
-              <a:t>. (Only that which has been tried-and-tested is tru</a:t>
-            </a:r>
-            <a:r>
-              <a:rPr lang="en-US" sz="2000" dirty="0" smtClean="0">
-                <a:solidFill>
-                  <a:schemeClr val="tx1"/>
-                </a:solidFill>
-              </a:rPr>
-              <a:t>ly secure.)</a:t>
+              <a:t>truly secure.</a:t>
             </a:r>
             <a:endParaRPr lang="sr-Latn-RS" sz="2000" dirty="0" smtClean="0">
               <a:solidFill>
@@ -9925,126 +9253,12 @@
           </a:p>
           <a:p>
             <a:r>
-              <a:rPr lang="en-US" sz="2000" dirty="0" err="1" smtClean="0">
+              <a:rPr lang="en-US" sz="2000" dirty="0" smtClean="0">
                 <a:solidFill>
                   <a:schemeClr val="tx1"/>
                 </a:solidFill>
               </a:rPr>
-              <a:t>Meni</a:t>
-            </a:r>
-            <a:r>
-              <a:rPr lang="en-US" sz="2000" dirty="0" smtClean="0">
-                <a:solidFill>
-                  <a:schemeClr val="tx1"/>
-                </a:solidFill>
-              </a:rPr>
-              <a:t> </a:t>
-            </a:r>
-            <a:r>
-              <a:rPr lang="en-US" sz="2000" dirty="0">
-                <a:solidFill>
-                  <a:schemeClr val="tx1"/>
-                </a:solidFill>
-              </a:rPr>
-              <a:t>je </a:t>
-            </a:r>
-            <a:r>
-              <a:rPr lang="en-US" sz="2000" dirty="0" err="1">
-                <a:solidFill>
-                  <a:schemeClr val="tx1"/>
-                </a:solidFill>
-              </a:rPr>
-              <a:t>uvek</a:t>
-            </a:r>
-            <a:r>
-              <a:rPr lang="en-US" sz="2000" dirty="0">
-                <a:solidFill>
-                  <a:schemeClr val="tx1"/>
-                </a:solidFill>
-              </a:rPr>
-              <a:t> </a:t>
-            </a:r>
-            <a:r>
-              <a:rPr lang="en-US" sz="2000" dirty="0" err="1">
-                <a:solidFill>
-                  <a:schemeClr val="tx1"/>
-                </a:solidFill>
-              </a:rPr>
-              <a:t>kvalitet</a:t>
-            </a:r>
-            <a:r>
-              <a:rPr lang="en-US" sz="2000" dirty="0">
-                <a:solidFill>
-                  <a:schemeClr val="tx1"/>
-                </a:solidFill>
-              </a:rPr>
-              <a:t> </a:t>
-            </a:r>
-            <a:endParaRPr lang="sr-Latn-RS" sz="2000" dirty="0" smtClean="0">
-              <a:solidFill>
-                <a:schemeClr val="tx1"/>
-              </a:solidFill>
-            </a:endParaRPr>
-          </a:p>
-          <a:p>
-            <a:pPr marL="0" indent="0">
-              <a:buNone/>
-            </a:pPr>
-            <a:r>
-              <a:rPr lang="sr-Latn-RS" sz="2000" dirty="0" smtClean="0">
-                <a:solidFill>
-                  <a:schemeClr val="tx1"/>
-                </a:solidFill>
-              </a:rPr>
-              <a:t>	</a:t>
-            </a:r>
-            <a:r>
-              <a:rPr lang="en-US" sz="2000" dirty="0" err="1" smtClean="0">
-                <a:solidFill>
-                  <a:schemeClr val="tx1"/>
-                </a:solidFill>
-              </a:rPr>
-              <a:t>na</a:t>
-            </a:r>
-            <a:r>
-              <a:rPr lang="en-US" sz="2000" dirty="0" smtClean="0">
-                <a:solidFill>
-                  <a:schemeClr val="tx1"/>
-                </a:solidFill>
-              </a:rPr>
-              <a:t> </a:t>
-            </a:r>
-            <a:r>
-              <a:rPr lang="en-US" sz="2000" dirty="0" err="1">
-                <a:solidFill>
-                  <a:schemeClr val="tx1"/>
-                </a:solidFill>
-              </a:rPr>
-              <a:t>prvom</a:t>
-            </a:r>
-            <a:r>
-              <a:rPr lang="en-US" sz="2000" dirty="0">
-                <a:solidFill>
-                  <a:schemeClr val="tx1"/>
-                </a:solidFill>
-              </a:rPr>
-              <a:t> </a:t>
-            </a:r>
-            <a:r>
-              <a:rPr lang="en-US" sz="2000" dirty="0" err="1">
-                <a:solidFill>
-                  <a:schemeClr val="tx1"/>
-                </a:solidFill>
-              </a:rPr>
-              <a:t>mestu</a:t>
-            </a:r>
-            <a:r>
-              <a:rPr lang="en-US" sz="2000" dirty="0" smtClean="0">
-                <a:solidFill>
-                  <a:schemeClr val="tx1"/>
-                </a:solidFill>
-              </a:rPr>
-              <a:t>. (I value quality first and foremost.)</a:t>
+              <a:t>I value quality first and foremost.</a:t>
             </a:r>
             <a:endParaRPr lang="sr-Latn-RS" sz="2000" dirty="0" smtClean="0">
               <a:solidFill>
@@ -10064,70 +9278,14 @@
           </a:p>
           <a:p>
             <a:r>
-              <a:rPr lang="en-US" sz="2000" dirty="0" err="1" smtClean="0">
+              <a:rPr lang="en-US" sz="2000" dirty="0" smtClean="0">
                 <a:solidFill>
                   <a:schemeClr val="tx1"/>
                 </a:solidFill>
               </a:rPr>
-              <a:t>Verujem</a:t>
-            </a:r>
-            <a:r>
-              <a:rPr lang="en-US" sz="2000" dirty="0" smtClean="0">
-                <a:solidFill>
-                  <a:schemeClr val="tx1"/>
-                </a:solidFill>
-              </a:rPr>
-              <a:t> </a:t>
-            </a:r>
-            <a:r>
-              <a:rPr lang="en-US" sz="2000" dirty="0" err="1">
-                <a:solidFill>
-                  <a:schemeClr val="tx1"/>
-                </a:solidFill>
-              </a:rPr>
-              <a:t>samo</a:t>
-            </a:r>
-            <a:r>
-              <a:rPr lang="en-US" sz="2000" dirty="0">
-                <a:solidFill>
-                  <a:schemeClr val="tx1"/>
-                </a:solidFill>
-              </a:rPr>
-              <a:t> u </a:t>
-            </a:r>
-            <a:r>
-              <a:rPr lang="en-US" sz="2000" dirty="0" err="1">
-                <a:solidFill>
-                  <a:schemeClr val="tx1"/>
-                </a:solidFill>
-              </a:rPr>
-              <a:t>sopstvenu</a:t>
-            </a:r>
-            <a:r>
-              <a:rPr lang="en-US" sz="2000" dirty="0">
-                <a:solidFill>
-                  <a:schemeClr val="tx1"/>
-                </a:solidFill>
-              </a:rPr>
-              <a:t> </a:t>
-            </a:r>
-            <a:r>
-              <a:rPr lang="en-US" sz="2000" dirty="0" err="1" smtClean="0">
-                <a:solidFill>
-                  <a:schemeClr val="tx1"/>
-                </a:solidFill>
-              </a:rPr>
-              <a:t>odluku</a:t>
-            </a:r>
-            <a:r>
-              <a:rPr lang="en-US" sz="2000" dirty="0" smtClean="0">
-                <a:solidFill>
-                  <a:schemeClr val="tx1"/>
-                </a:solidFill>
-              </a:rPr>
-              <a:t>,</a:t>
-            </a:r>
-            <a:endParaRPr lang="sr-Latn-RS" sz="2000" dirty="0" smtClean="0">
+              <a:t>I only have faith in my own decisions </a:t>
+            </a:r>
+            <a:endParaRPr lang="en-US" sz="2000" dirty="0" smtClean="0">
               <a:solidFill>
                 <a:schemeClr val="tx1"/>
               </a:solidFill>
@@ -10138,7 +9296,7 @@
               <a:buNone/>
             </a:pPr>
             <a:r>
-              <a:rPr lang="sr-Latn-RS" sz="2000" dirty="0" smtClean="0">
+              <a:rPr lang="en-US" sz="2000" dirty="0">
                 <a:solidFill>
                   <a:schemeClr val="tx1"/>
                 </a:solidFill>
@@ -10151,71 +9309,15 @@
                   <a:schemeClr val="tx1"/>
                 </a:solidFill>
               </a:rPr>
-              <a:t>a </a:t>
-            </a:r>
-            <a:r>
-              <a:rPr lang="en-US" sz="2000" dirty="0">
+              <a:t>and </a:t>
+            </a:r>
+            <a:r>
+              <a:rPr lang="en-US" sz="2000" dirty="0" smtClean="0">
                 <a:solidFill>
                   <a:schemeClr val="tx1"/>
                 </a:solidFill>
               </a:rPr>
-              <a:t>ne u </a:t>
-            </a:r>
-            <a:r>
-              <a:rPr lang="en-US" sz="2000" dirty="0" err="1" smtClean="0">
-                <a:solidFill>
-                  <a:schemeClr val="tx1"/>
-                </a:solidFill>
-              </a:rPr>
-              <a:t>tu</a:t>
-            </a:r>
-            <a:r>
-              <a:rPr lang="sr-Latn-RS" sz="2000" dirty="0" smtClean="0">
-                <a:solidFill>
-                  <a:schemeClr val="tx1"/>
-                </a:solidFill>
-              </a:rPr>
-              <a:t>đ</a:t>
-            </a:r>
-            <a:r>
-              <a:rPr lang="en-US" sz="2000" dirty="0" smtClean="0">
-                <a:solidFill>
-                  <a:schemeClr val="tx1"/>
-                </a:solidFill>
-              </a:rPr>
-              <a:t>e </a:t>
-            </a:r>
-            <a:r>
-              <a:rPr lang="en-US" sz="2000" dirty="0" err="1">
-                <a:solidFill>
-                  <a:schemeClr val="tx1"/>
-                </a:solidFill>
-              </a:rPr>
-              <a:t>savete</a:t>
-            </a:r>
-            <a:r>
-              <a:rPr lang="en-US" sz="2000" dirty="0" smtClean="0">
-                <a:solidFill>
-                  <a:schemeClr val="tx1"/>
-                </a:solidFill>
-              </a:rPr>
-              <a:t>. (I only have </a:t>
-            </a:r>
-            <a:r>
-              <a:rPr lang="en-US" sz="2000" dirty="0" smtClean="0">
-                <a:solidFill>
-                  <a:schemeClr val="tx1"/>
-                </a:solidFill>
-              </a:rPr>
-              <a:t>faith in my own decisions </a:t>
-            </a:r>
-            <a:r>
-              <a:rPr lang="en-US" sz="2000" dirty="0" smtClean="0">
-                <a:solidFill>
-                  <a:schemeClr val="tx1"/>
-                </a:solidFill>
-              </a:rPr>
-              <a:t>and I shun other people’s advice.)</a:t>
+              <a:t>I shun other people’s advice.</a:t>
             </a:r>
             <a:endParaRPr lang="en-US" sz="2000" dirty="0">
               <a:solidFill>
@@ -10246,8 +9348,8 @@
         </p:blipFill>
         <p:spPr>
           <a:xfrm>
-            <a:off x="9082104" y="1031357"/>
-            <a:ext cx="4417585" cy="3259858"/>
+            <a:off x="6129679" y="2622400"/>
+            <a:ext cx="4007370" cy="2957149"/>
           </a:xfrm>
           <a:prstGeom prst="rect">
             <a:avLst/>
@@ -10480,7 +9582,7 @@
                                         <p:tgtEl>
                                           <p:spTgt spid="3">
                                             <p:txEl>
-                                              <p:pRg st="0" end="0"/>
+                                              <p:pRg st="1" end="1"/>
                                             </p:txEl>
                                           </p:spTgt>
                                         </p:tgtEl>
@@ -10498,7 +9600,7 @@
                                         <p:tgtEl>
                                           <p:spTgt spid="3">
                                             <p:txEl>
-                                              <p:pRg st="0" end="0"/>
+                                              <p:pRg st="1" end="1"/>
                                             </p:txEl>
                                           </p:spTgt>
                                         </p:tgtEl>
@@ -10523,7 +9625,7 @@
                                         <p:tgtEl>
                                           <p:spTgt spid="3">
                                             <p:txEl>
-                                              <p:pRg st="1" end="1"/>
+                                              <p:pRg st="2" end="2"/>
                                             </p:txEl>
                                           </p:spTgt>
                                         </p:tgtEl>
@@ -10541,7 +9643,7 @@
                                         <p:tgtEl>
                                           <p:spTgt spid="3">
                                             <p:txEl>
-                                              <p:pRg st="1" end="1"/>
+                                              <p:pRg st="2" end="2"/>
                                             </p:txEl>
                                           </p:spTgt>
                                         </p:tgtEl>
@@ -10584,7 +9686,7 @@
                                         <p:tgtEl>
                                           <p:spTgt spid="3">
                                             <p:txEl>
-                                              <p:pRg st="3" end="3"/>
+                                              <p:pRg st="4" end="4"/>
                                             </p:txEl>
                                           </p:spTgt>
                                         </p:tgtEl>
@@ -10599,49 +9701,6 @@
                                     <p:animEffect transition="in" filter="fade">
                                       <p:cBhvr>
                                         <p:cTn id="27" dur="500"/>
-                                        <p:tgtEl>
-                                          <p:spTgt spid="3">
-                                            <p:txEl>
-                                              <p:pRg st="3" end="3"/>
-                                            </p:txEl>
-                                          </p:spTgt>
-                                        </p:tgtEl>
-                                      </p:cBhvr>
-                                    </p:animEffect>
-                                  </p:childTnLst>
-                                </p:cTn>
-                              </p:par>
-                              <p:par>
-                                <p:cTn id="28" presetID="10" presetClass="entr" presetSubtype="0" fill="hold" nodeType="withEffect">
-                                  <p:stCondLst>
-                                    <p:cond delay="0"/>
-                                  </p:stCondLst>
-                                  <p:childTnLst>
-                                    <p:set>
-                                      <p:cBhvr>
-                                        <p:cTn id="29" dur="1" fill="hold">
-                                          <p:stCondLst>
-                                            <p:cond delay="0"/>
-                                          </p:stCondLst>
-                                        </p:cTn>
-                                        <p:tgtEl>
-                                          <p:spTgt spid="3">
-                                            <p:txEl>
-                                              <p:pRg st="4" end="4"/>
-                                            </p:txEl>
-                                          </p:spTgt>
-                                        </p:tgtEl>
-                                        <p:attrNameLst>
-                                          <p:attrName>style.visibility</p:attrName>
-                                        </p:attrNameLst>
-                                      </p:cBhvr>
-                                      <p:to>
-                                        <p:strVal val="visible"/>
-                                      </p:to>
-                                    </p:set>
-                                    <p:animEffect transition="in" filter="fade">
-                                      <p:cBhvr>
-                                        <p:cTn id="30" dur="500"/>
                                         <p:tgtEl>
                                           <p:spTgt spid="3">
                                             <p:txEl>
@@ -10661,25 +9720,68 @@
                     </p:cTn>
                   </p:par>
                   <p:par>
-                    <p:cTn id="31" fill="hold">
+                    <p:cTn id="28" fill="hold">
                       <p:stCondLst>
                         <p:cond delay="indefinite"/>
                       </p:stCondLst>
                       <p:childTnLst>
                         <p:par>
-                          <p:cTn id="32" fill="hold">
+                          <p:cTn id="29" fill="hold">
                             <p:stCondLst>
                               <p:cond delay="0"/>
                             </p:stCondLst>
                             <p:childTnLst>
                               <p:par>
-                                <p:cTn id="33" presetID="10" presetClass="entr" presetSubtype="0" fill="hold" nodeType="clickEffect">
+                                <p:cTn id="30" presetID="10" presetClass="entr" presetSubtype="0" fill="hold" nodeType="clickEffect">
                                   <p:stCondLst>
                                     <p:cond delay="0"/>
                                   </p:stCondLst>
                                   <p:childTnLst>
                                     <p:set>
                                       <p:cBhvr>
+                                        <p:cTn id="31" dur="1" fill="hold">
+                                          <p:stCondLst>
+                                            <p:cond delay="0"/>
+                                          </p:stCondLst>
+                                        </p:cTn>
+                                        <p:tgtEl>
+                                          <p:spTgt spid="3">
+                                            <p:txEl>
+                                              <p:pRg st="6" end="6"/>
+                                            </p:txEl>
+                                          </p:spTgt>
+                                        </p:tgtEl>
+                                        <p:attrNameLst>
+                                          <p:attrName>style.visibility</p:attrName>
+                                        </p:attrNameLst>
+                                      </p:cBhvr>
+                                      <p:to>
+                                        <p:strVal val="visible"/>
+                                      </p:to>
+                                    </p:set>
+                                    <p:animEffect transition="in" filter="fade">
+                                      <p:cBhvr>
+                                        <p:cTn id="32" dur="500"/>
+                                        <p:tgtEl>
+                                          <p:spTgt spid="3">
+                                            <p:txEl>
+                                              <p:pRg st="6" end="6"/>
+                                            </p:txEl>
+                                          </p:spTgt>
+                                        </p:tgtEl>
+                                      </p:cBhvr>
+                                    </p:animEffect>
+                                  </p:childTnLst>
+                                </p:cTn>
+                              </p:par>
+                              <p:par>
+                                <p:cTn id="33" presetID="10" presetClass="entr" presetSubtype="0" fill="hold" nodeType="withEffect">
+                                  <p:stCondLst>
+                                    <p:cond delay="0"/>
+                                  </p:stCondLst>
+                                  <p:childTnLst>
+                                    <p:set>
+                                      <p:cBhvr>
                                         <p:cTn id="34" dur="1" fill="hold">
                                           <p:stCondLst>
                                             <p:cond delay="0"/>
@@ -10688,7 +9790,7 @@
                                         <p:tgtEl>
                                           <p:spTgt spid="3">
                                             <p:txEl>
-                                              <p:pRg st="6" end="6"/>
+                                              <p:pRg st="7" end="7"/>
                                             </p:txEl>
                                           </p:spTgt>
                                         </p:tgtEl>
@@ -10703,49 +9805,6 @@
                                     <p:animEffect transition="in" filter="fade">
                                       <p:cBhvr>
                                         <p:cTn id="35" dur="500"/>
-                                        <p:tgtEl>
-                                          <p:spTgt spid="3">
-                                            <p:txEl>
-                                              <p:pRg st="6" end="6"/>
-                                            </p:txEl>
-                                          </p:spTgt>
-                                        </p:tgtEl>
-                                      </p:cBhvr>
-                                    </p:animEffect>
-                                  </p:childTnLst>
-                                </p:cTn>
-                              </p:par>
-                              <p:par>
-                                <p:cTn id="36" presetID="10" presetClass="entr" presetSubtype="0" fill="hold" nodeType="withEffect">
-                                  <p:stCondLst>
-                                    <p:cond delay="0"/>
-                                  </p:stCondLst>
-                                  <p:childTnLst>
-                                    <p:set>
-                                      <p:cBhvr>
-                                        <p:cTn id="37" dur="1" fill="hold">
-                                          <p:stCondLst>
-                                            <p:cond delay="0"/>
-                                          </p:stCondLst>
-                                        </p:cTn>
-                                        <p:tgtEl>
-                                          <p:spTgt spid="3">
-                                            <p:txEl>
-                                              <p:pRg st="7" end="7"/>
-                                            </p:txEl>
-                                          </p:spTgt>
-                                        </p:tgtEl>
-                                        <p:attrNameLst>
-                                          <p:attrName>style.visibility</p:attrName>
-                                        </p:attrNameLst>
-                                      </p:cBhvr>
-                                      <p:to>
-                                        <p:strVal val="visible"/>
-                                      </p:to>
-                                    </p:set>
-                                    <p:animEffect transition="in" filter="fade">
-                                      <p:cBhvr>
-                                        <p:cTn id="38" dur="500"/>
                                         <p:tgtEl>
                                           <p:spTgt spid="3">
                                             <p:txEl>
@@ -10825,24 +9884,8 @@
           <a:lstStyle/>
           <a:p>
             <a:r>
-              <a:rPr lang="en-US" dirty="0" err="1" smtClean="0"/>
-              <a:t>Rizi</a:t>
-            </a:r>
-            <a:r>
-              <a:rPr lang="sr-Latn-RS" dirty="0" smtClean="0"/>
-              <a:t>č</a:t>
-            </a:r>
-            <a:r>
               <a:rPr lang="en-US" dirty="0" smtClean="0"/>
-              <a:t>ne </a:t>
-            </a:r>
-            <a:r>
-              <a:rPr lang="en-US" dirty="0" err="1" smtClean="0"/>
-              <a:t>osobe</a:t>
-            </a:r>
-            <a:r>
-              <a:rPr lang="en-US" dirty="0" smtClean="0"/>
-              <a:t> (Reckless Individuals)</a:t>
+              <a:t>Impulsive Individuals</a:t>
             </a:r>
             <a:endParaRPr lang="en-US" dirty="0"/>
           </a:p>
@@ -10861,7 +9904,7 @@
         <p:spPr/>
         <p:txBody>
           <a:bodyPr>
-            <a:normAutofit fontScale="92500" lnSpcReduction="10000"/>
+            <a:normAutofit/>
           </a:bodyPr>
           <a:lstStyle/>
           <a:p>
@@ -10878,87 +9921,7 @@
                   <a:schemeClr val="tx1"/>
                 </a:solidFill>
               </a:rPr>
-              <a:t>U</a:t>
-            </a:r>
-            <a:r>
-              <a:rPr lang="sr-Latn-RS" sz="2000" dirty="0" smtClean="0">
-                <a:solidFill>
-                  <a:schemeClr val="tx1"/>
-                </a:solidFill>
-              </a:rPr>
-              <a:t>ž</a:t>
-            </a:r>
-            <a:r>
-              <a:rPr lang="en-US" sz="2000" dirty="0" err="1" smtClean="0">
-                <a:solidFill>
-                  <a:schemeClr val="tx1"/>
-                </a:solidFill>
-              </a:rPr>
-              <a:t>ivam</a:t>
-            </a:r>
-            <a:r>
-              <a:rPr lang="en-US" sz="2000" dirty="0" smtClean="0">
-                <a:solidFill>
-                  <a:schemeClr val="tx1"/>
-                </a:solidFill>
-              </a:rPr>
-              <a:t> </a:t>
-            </a:r>
-            <a:r>
-              <a:rPr lang="en-US" sz="2000" dirty="0">
-                <a:solidFill>
-                  <a:schemeClr val="tx1"/>
-                </a:solidFill>
-              </a:rPr>
-              <a:t>u </a:t>
-            </a:r>
-            <a:r>
-              <a:rPr lang="en-US" sz="2000" dirty="0" err="1">
-                <a:solidFill>
-                  <a:schemeClr val="tx1"/>
-                </a:solidFill>
-              </a:rPr>
-              <a:t>novim</a:t>
-            </a:r>
-            <a:r>
-              <a:rPr lang="en-US" sz="2000" dirty="0">
-                <a:solidFill>
-                  <a:schemeClr val="tx1"/>
-                </a:solidFill>
-              </a:rPr>
-              <a:t> i </a:t>
-            </a:r>
-            <a:r>
-              <a:rPr lang="en-US" sz="2000" dirty="0" err="1">
-                <a:solidFill>
-                  <a:schemeClr val="tx1"/>
-                </a:solidFill>
-              </a:rPr>
-              <a:t>nepoznatim</a:t>
-            </a:r>
-            <a:r>
-              <a:rPr lang="en-US" sz="2000" dirty="0">
-                <a:solidFill>
-                  <a:schemeClr val="tx1"/>
-                </a:solidFill>
-              </a:rPr>
-              <a:t> </a:t>
-            </a:r>
-            <a:r>
-              <a:rPr lang="en-US" sz="2000" dirty="0" err="1">
-                <a:solidFill>
-                  <a:schemeClr val="tx1"/>
-                </a:solidFill>
-              </a:rPr>
-              <a:t>situacijama</a:t>
-            </a:r>
-            <a:r>
-              <a:rPr lang="en-US" sz="2000" dirty="0" smtClean="0">
-                <a:solidFill>
-                  <a:schemeClr val="tx1"/>
-                </a:solidFill>
-              </a:rPr>
-              <a:t>. (I relish experiencing new and unfamiliar situations. )</a:t>
+              <a:t>I relish experiencing new and unfamiliar situations.</a:t>
             </a:r>
             <a:endParaRPr lang="sr-Latn-RS" sz="2000" dirty="0" smtClean="0">
               <a:solidFill>
@@ -10975,134 +9938,12 @@
           </a:p>
           <a:p>
             <a:r>
-              <a:rPr lang="en-US" sz="2000" dirty="0" err="1" smtClean="0">
+              <a:rPr lang="en-US" sz="2000" dirty="0" smtClean="0">
                 <a:solidFill>
                   <a:schemeClr val="tx1"/>
                 </a:solidFill>
               </a:rPr>
-              <a:t>Privla</a:t>
-            </a:r>
-            <a:r>
-              <a:rPr lang="sr-Latn-RS" sz="2000" dirty="0" smtClean="0">
-                <a:solidFill>
-                  <a:schemeClr val="tx1"/>
-                </a:solidFill>
-              </a:rPr>
-              <a:t>č</a:t>
-            </a:r>
-            <a:r>
-              <a:rPr lang="en-US" sz="2000" dirty="0" smtClean="0">
-                <a:solidFill>
-                  <a:schemeClr val="tx1"/>
-                </a:solidFill>
-              </a:rPr>
-              <a:t>e me </a:t>
-            </a:r>
-            <a:r>
-              <a:rPr lang="en-US" sz="2000" dirty="0" err="1" smtClean="0">
-                <a:solidFill>
-                  <a:schemeClr val="tx1"/>
-                </a:solidFill>
-              </a:rPr>
-              <a:t>avanturizam</a:t>
-            </a:r>
-            <a:r>
-              <a:rPr lang="en-US" sz="2000" dirty="0" smtClean="0">
-                <a:solidFill>
-                  <a:schemeClr val="tx1"/>
-                </a:solidFill>
-              </a:rPr>
-              <a:t> </a:t>
-            </a:r>
-            <a:endParaRPr lang="sr-Latn-RS" sz="2000" dirty="0" smtClean="0">
-              <a:solidFill>
-                <a:schemeClr val="tx1"/>
-              </a:solidFill>
-            </a:endParaRPr>
-          </a:p>
-          <a:p>
-            <a:pPr marL="0" indent="0">
-              <a:buNone/>
-            </a:pPr>
-            <a:r>
-              <a:rPr lang="sr-Latn-RS" sz="2000" dirty="0" smtClean="0">
-                <a:solidFill>
-                  <a:schemeClr val="tx1"/>
-                </a:solidFill>
-              </a:rPr>
-              <a:t>	</a:t>
-            </a:r>
-            <a:r>
-              <a:rPr lang="en-US" sz="2000" dirty="0" err="1" smtClean="0">
-                <a:solidFill>
-                  <a:schemeClr val="tx1"/>
-                </a:solidFill>
-              </a:rPr>
-              <a:t>i</a:t>
-            </a:r>
-            <a:r>
-              <a:rPr lang="en-US" sz="2000" dirty="0" smtClean="0">
-                <a:solidFill>
-                  <a:schemeClr val="tx1"/>
-                </a:solidFill>
-              </a:rPr>
-              <a:t> </a:t>
-            </a:r>
-            <a:r>
-              <a:rPr lang="sr-Latn-RS" sz="2000" dirty="0" smtClean="0">
-                <a:solidFill>
-                  <a:schemeClr val="tx1"/>
-                </a:solidFill>
-              </a:rPr>
-              <a:t>č</a:t>
-            </a:r>
-            <a:r>
-              <a:rPr lang="en-US" sz="2000" dirty="0" err="1" smtClean="0">
-                <a:solidFill>
-                  <a:schemeClr val="tx1"/>
-                </a:solidFill>
-              </a:rPr>
-              <a:t>este</a:t>
-            </a:r>
-            <a:r>
-              <a:rPr lang="en-US" sz="2000" dirty="0" smtClean="0">
-                <a:solidFill>
-                  <a:schemeClr val="tx1"/>
-                </a:solidFill>
-              </a:rPr>
-              <a:t> </a:t>
-            </a:r>
-            <a:r>
-              <a:rPr lang="en-US" sz="2000" dirty="0" err="1" smtClean="0">
-                <a:solidFill>
-                  <a:schemeClr val="tx1"/>
-                </a:solidFill>
-              </a:rPr>
-              <a:t>promene</a:t>
-            </a:r>
-            <a:r>
-              <a:rPr lang="en-US" sz="2000" dirty="0" smtClean="0">
-                <a:solidFill>
-                  <a:schemeClr val="tx1"/>
-                </a:solidFill>
-              </a:rPr>
-              <a:t> </a:t>
-            </a:r>
-            <a:r>
-              <a:rPr lang="en-US" sz="2000" dirty="0" err="1" smtClean="0">
-                <a:solidFill>
-                  <a:schemeClr val="tx1"/>
-                </a:solidFill>
-              </a:rPr>
-              <a:t>okolnosti</a:t>
-            </a:r>
-            <a:r>
-              <a:rPr lang="en-US" sz="2000" dirty="0" smtClean="0">
-                <a:solidFill>
-                  <a:schemeClr val="tx1"/>
-                </a:solidFill>
-              </a:rPr>
-              <a:t>. (I’m always in search of adventure and crave change.)</a:t>
+              <a:t>I’m always in search of adventure and crave change.</a:t>
             </a:r>
             <a:endParaRPr lang="sr-Latn-RS" sz="2000" dirty="0" smtClean="0">
               <a:solidFill>
@@ -11122,54 +9963,14 @@
           </a:p>
           <a:p>
             <a:r>
-              <a:rPr lang="en-US" sz="2000" dirty="0" err="1" smtClean="0">
+              <a:rPr lang="en-US" sz="2000" dirty="0" smtClean="0">
                 <a:solidFill>
                   <a:schemeClr val="tx1"/>
                 </a:solidFill>
               </a:rPr>
-              <a:t>Motivi</a:t>
-            </a:r>
-            <a:r>
-              <a:rPr lang="sr-Latn-RS" sz="2000" dirty="0" smtClean="0">
-                <a:solidFill>
-                  <a:schemeClr val="tx1"/>
-                </a:solidFill>
-              </a:rPr>
-              <a:t>š</a:t>
-            </a:r>
-            <a:r>
-              <a:rPr lang="en-US" sz="2000" dirty="0" smtClean="0">
-                <a:solidFill>
-                  <a:schemeClr val="tx1"/>
-                </a:solidFill>
-              </a:rPr>
-              <a:t>e </a:t>
-            </a:r>
-            <a:r>
-              <a:rPr lang="en-US" sz="2000" dirty="0">
-                <a:solidFill>
-                  <a:schemeClr val="tx1"/>
-                </a:solidFill>
-              </a:rPr>
-              <a:t>me </a:t>
-            </a:r>
-            <a:r>
-              <a:rPr lang="en-US" sz="2000" dirty="0" err="1" smtClean="0">
-                <a:solidFill>
-                  <a:schemeClr val="tx1"/>
-                </a:solidFill>
-              </a:rPr>
-              <a:t>neizvesnost</a:t>
-            </a:r>
-            <a:r>
-              <a:rPr lang="en-US" sz="2000" dirty="0" smtClean="0">
-                <a:solidFill>
-                  <a:schemeClr val="tx1"/>
-                </a:solidFill>
-              </a:rPr>
-              <a:t>,</a:t>
-            </a:r>
-            <a:endParaRPr lang="sr-Latn-RS" sz="2000" dirty="0">
+              <a:t>I’m fueled by uncertainty </a:t>
+            </a:r>
+            <a:endParaRPr lang="en-US" sz="2000" dirty="0" smtClean="0">
               <a:solidFill>
                 <a:schemeClr val="tx1"/>
               </a:solidFill>
@@ -11180,7 +9981,7 @@
               <a:buNone/>
             </a:pPr>
             <a:r>
-              <a:rPr lang="sr-Latn-RS" sz="2000" dirty="0" smtClean="0">
+              <a:rPr lang="en-US" sz="2000" dirty="0">
                 <a:solidFill>
                   <a:schemeClr val="tx1"/>
                 </a:solidFill>
@@ -11193,79 +9994,52 @@
                   <a:schemeClr val="tx1"/>
                 </a:solidFill>
               </a:rPr>
-              <a:t>a </a:t>
-            </a:r>
+              <a:t>and </a:t>
+            </a:r>
+            <a:r>
+              <a:rPr lang="en-US" sz="2000" dirty="0" smtClean="0">
+                <a:solidFill>
+                  <a:schemeClr val="tx1"/>
+                </a:solidFill>
+              </a:rPr>
+              <a:t>dislike beating around the </a:t>
+            </a:r>
+            <a:r>
+              <a:rPr lang="en-US" sz="2000" dirty="0" smtClean="0">
+                <a:solidFill>
+                  <a:schemeClr val="tx1"/>
+                </a:solidFill>
+              </a:rPr>
+              <a:t>bush</a:t>
+            </a:r>
+          </a:p>
+          <a:p>
+            <a:pPr marL="0" indent="0">
+              <a:buNone/>
+            </a:pPr>
             <a:r>
               <a:rPr lang="en-US" sz="2000" dirty="0">
                 <a:solidFill>
                   <a:schemeClr val="tx1"/>
                 </a:solidFill>
               </a:rPr>
-              <a:t>ne </a:t>
-            </a:r>
-            <a:r>
-              <a:rPr lang="en-US" sz="2000" dirty="0" err="1">
+              <a:t>	</a:t>
+            </a:r>
+            <a:r>
+              <a:rPr lang="en-US" sz="2000" dirty="0" smtClean="0">
                 <a:solidFill>
                   <a:schemeClr val="tx1"/>
                 </a:solidFill>
               </a:rPr>
-              <a:t>obazrivost</a:t>
-            </a:r>
-            <a:r>
-              <a:rPr lang="en-US" sz="2000" dirty="0">
+              <a:t>and </a:t>
+            </a:r>
+            <a:r>
+              <a:rPr lang="en-US" sz="2000" dirty="0" smtClean="0">
                 <a:solidFill>
                   <a:schemeClr val="tx1"/>
                 </a:solidFill>
               </a:rPr>
-              <a:t> </a:t>
-            </a:r>
-            <a:r>
-              <a:rPr lang="en-US" sz="2000" dirty="0" err="1">
-                <a:solidFill>
-                  <a:schemeClr val="tx1"/>
-                </a:solidFill>
-              </a:rPr>
-              <a:t>i</a:t>
-            </a:r>
-            <a:r>
-              <a:rPr lang="en-US" sz="2000" dirty="0">
-                <a:solidFill>
-                  <a:schemeClr val="tx1"/>
-                </a:solidFill>
-              </a:rPr>
-              <a:t> </a:t>
-            </a:r>
-            <a:r>
-              <a:rPr lang="en-US" sz="2000" dirty="0" err="1" smtClean="0">
-                <a:solidFill>
-                  <a:schemeClr val="tx1"/>
-                </a:solidFill>
-              </a:rPr>
-              <a:t>okoli</a:t>
-            </a:r>
-            <a:r>
-              <a:rPr lang="sr-Latn-RS" sz="2000" dirty="0" smtClean="0">
-                <a:solidFill>
-                  <a:schemeClr val="tx1"/>
-                </a:solidFill>
-              </a:rPr>
-              <a:t>š</a:t>
-            </a:r>
-            <a:r>
-              <a:rPr lang="en-US" sz="2000" dirty="0" err="1" smtClean="0">
-                <a:solidFill>
-                  <a:schemeClr val="tx1"/>
-                </a:solidFill>
-              </a:rPr>
-              <a:t>anje</a:t>
-            </a:r>
-            <a:r>
-              <a:rPr lang="en-US" sz="2000" dirty="0" smtClean="0">
-                <a:solidFill>
-                  <a:schemeClr val="tx1"/>
-                </a:solidFill>
-              </a:rPr>
-              <a:t>. (I’m fueled by uncertainty and dislike beating around the bush and being over-cautious. </a:t>
+              <a:t>being over-cautious. </a:t>
             </a:r>
             <a:endParaRPr lang="en-US" sz="2000" dirty="0">
               <a:solidFill>
@@ -11297,7 +10071,7 @@
         </p:blipFill>
         <p:spPr>
           <a:xfrm>
-            <a:off x="9345649" y="0"/>
+            <a:off x="5666763" y="2160589"/>
             <a:ext cx="5333333" cy="5333333"/>
           </a:xfrm>
           <a:prstGeom prst="rect">
@@ -11619,49 +10393,6 @@
                                   </p:childTnLst>
                                 </p:cTn>
                               </p:par>
-                              <p:par>
-                                <p:cTn id="25" presetID="10" presetClass="entr" presetSubtype="0" fill="hold" nodeType="withEffect">
-                                  <p:stCondLst>
-                                    <p:cond delay="0"/>
-                                  </p:stCondLst>
-                                  <p:childTnLst>
-                                    <p:set>
-                                      <p:cBhvr>
-                                        <p:cTn id="26" dur="1" fill="hold">
-                                          <p:stCondLst>
-                                            <p:cond delay="0"/>
-                                          </p:stCondLst>
-                                        </p:cTn>
-                                        <p:tgtEl>
-                                          <p:spTgt spid="3">
-                                            <p:txEl>
-                                              <p:pRg st="4" end="4"/>
-                                            </p:txEl>
-                                          </p:spTgt>
-                                        </p:tgtEl>
-                                        <p:attrNameLst>
-                                          <p:attrName>style.visibility</p:attrName>
-                                        </p:attrNameLst>
-                                      </p:cBhvr>
-                                      <p:to>
-                                        <p:strVal val="visible"/>
-                                      </p:to>
-                                    </p:set>
-                                    <p:animEffect transition="in" filter="fade">
-                                      <p:cBhvr>
-                                        <p:cTn id="27" dur="500"/>
-                                        <p:tgtEl>
-                                          <p:spTgt spid="3">
-                                            <p:txEl>
-                                              <p:pRg st="4" end="4"/>
-                                            </p:txEl>
-                                          </p:spTgt>
-                                        </p:tgtEl>
-                                      </p:cBhvr>
-                                    </p:animEffect>
-                                  </p:childTnLst>
-                                </p:cTn>
-                              </p:par>
                             </p:childTnLst>
                           </p:cTn>
                         </p:par>
@@ -11669,19 +10400,62 @@
                     </p:cTn>
                   </p:par>
                   <p:par>
-                    <p:cTn id="28" fill="hold">
+                    <p:cTn id="25" fill="hold">
                       <p:stCondLst>
                         <p:cond delay="indefinite"/>
                       </p:stCondLst>
                       <p:childTnLst>
                         <p:par>
-                          <p:cTn id="29" fill="hold">
+                          <p:cTn id="26" fill="hold">
                             <p:stCondLst>
                               <p:cond delay="0"/>
                             </p:stCondLst>
                             <p:childTnLst>
                               <p:par>
-                                <p:cTn id="30" presetID="10" presetClass="entr" presetSubtype="0" fill="hold" nodeType="clickEffect">
+                                <p:cTn id="27" presetID="10" presetClass="entr" presetSubtype="0" fill="hold" nodeType="clickEffect">
+                                  <p:stCondLst>
+                                    <p:cond delay="0"/>
+                                  </p:stCondLst>
+                                  <p:childTnLst>
+                                    <p:set>
+                                      <p:cBhvr>
+                                        <p:cTn id="28" dur="1" fill="hold">
+                                          <p:stCondLst>
+                                            <p:cond delay="0"/>
+                                          </p:stCondLst>
+                                        </p:cTn>
+                                        <p:tgtEl>
+                                          <p:spTgt spid="3">
+                                            <p:txEl>
+                                              <p:pRg st="5" end="5"/>
+                                            </p:txEl>
+                                          </p:spTgt>
+                                        </p:tgtEl>
+                                        <p:attrNameLst>
+                                          <p:attrName>style.visibility</p:attrName>
+                                        </p:attrNameLst>
+                                      </p:cBhvr>
+                                      <p:to>
+                                        <p:strVal val="visible"/>
+                                      </p:to>
+                                    </p:set>
+                                    <p:animEffect transition="in" filter="fade">
+                                      <p:cBhvr>
+                                        <p:cTn id="29" dur="500"/>
+                                        <p:tgtEl>
+                                          <p:spTgt spid="3">
+                                            <p:txEl>
+                                              <p:pRg st="5" end="5"/>
+                                            </p:txEl>
+                                          </p:spTgt>
+                                        </p:tgtEl>
+                                      </p:cBhvr>
+                                    </p:animEffect>
+                                  </p:childTnLst>
+                                </p:cTn>
+                              </p:par>
+                              <p:par>
+                                <p:cTn id="30" presetID="10" presetClass="entr" presetSubtype="0" fill="hold" nodeType="withEffect">
                                   <p:stCondLst>
                                     <p:cond delay="0"/>
                                   </p:stCondLst>
@@ -11833,16 +10607,8 @@
           <a:lstStyle/>
           <a:p>
             <a:r>
-              <a:rPr lang="sr-Latn-RS" dirty="0" smtClean="0"/>
-              <a:t>Sada</a:t>
-            </a:r>
-            <a:r>
-              <a:rPr lang="sr-Latn-RS" dirty="0" smtClean="0"/>
-              <a:t>...</a:t>
-            </a:r>
-            <a:r>
               <a:rPr lang="en-US" dirty="0" smtClean="0"/>
-              <a:t> (And now…)</a:t>
+              <a:t>And now…</a:t>
             </a:r>
             <a:endParaRPr lang="en-US" dirty="0"/>
           </a:p>
@@ -11866,33 +10632,17 @@
         </p:spPr>
         <p:txBody>
           <a:bodyPr>
-            <a:normAutofit lnSpcReduction="10000"/>
+            <a:normAutofit/>
           </a:bodyPr>
           <a:lstStyle/>
           <a:p>
             <a:r>
-              <a:rPr lang="sr-Latn-RS" sz="2000" dirty="0" smtClean="0">
+              <a:rPr lang="en-US" sz="2000" dirty="0" smtClean="0">
                 <a:solidFill>
                   <a:schemeClr val="tx1"/>
                 </a:solidFill>
               </a:rPr>
-              <a:t>Prikupili smo informacije</a:t>
-            </a:r>
-            <a:r>
-              <a:rPr lang="sr-Latn-RS" sz="2000" dirty="0" smtClean="0">
-                <a:solidFill>
-                  <a:schemeClr val="tx1"/>
-                </a:solidFill>
-              </a:rPr>
-              <a:t>...</a:t>
-            </a:r>
-            <a:r>
-              <a:rPr lang="en-US" sz="2000" dirty="0" smtClean="0">
-                <a:solidFill>
-                  <a:schemeClr val="tx1"/>
-                </a:solidFill>
-              </a:rPr>
-              <a:t> (We’ve gathered enough information…)</a:t>
+              <a:t>We’ve gathered enough information…</a:t>
             </a:r>
             <a:endParaRPr lang="sr-Latn-RS" sz="2000" dirty="0" smtClean="0">
               <a:solidFill>
@@ -11909,28 +10659,12 @@
           </a:p>
           <a:p>
             <a:r>
-              <a:rPr lang="sr-Latn-RS" sz="2000" dirty="0" smtClean="0">
+              <a:rPr lang="en-US" sz="2000" dirty="0" smtClean="0">
                 <a:solidFill>
                   <a:schemeClr val="tx1"/>
                 </a:solidFill>
               </a:rPr>
-              <a:t>Znamo kome želimo da plasiramo proizvod</a:t>
-            </a:r>
-            <a:r>
-              <a:rPr lang="sr-Latn-RS" sz="2000" dirty="0" smtClean="0">
-                <a:solidFill>
-                  <a:schemeClr val="tx1"/>
-                </a:solidFill>
-              </a:rPr>
-              <a:t>...</a:t>
-            </a:r>
-            <a:r>
-              <a:rPr lang="en-US" sz="2000" dirty="0" smtClean="0">
-                <a:solidFill>
-                  <a:schemeClr val="tx1"/>
-                </a:solidFill>
-              </a:rPr>
-              <a:t> (We know who to pitch our product to…)</a:t>
+              <a:t>We know who to pitch our product to…</a:t>
             </a:r>
             <a:endParaRPr lang="sr-Latn-RS" sz="2000" dirty="0" smtClean="0">
               <a:solidFill>
@@ -11947,28 +10681,12 @@
           </a:p>
           <a:p>
             <a:r>
-              <a:rPr lang="sr-Latn-RS" sz="2000" dirty="0" smtClean="0">
+              <a:rPr lang="en-US" sz="2000" dirty="0" smtClean="0">
                 <a:solidFill>
                   <a:schemeClr val="tx1"/>
                 </a:solidFill>
               </a:rPr>
-              <a:t>Znamo na koje „slabosti“ ciljamo</a:t>
-            </a:r>
-            <a:r>
-              <a:rPr lang="sr-Latn-RS" sz="2000" dirty="0" smtClean="0">
-                <a:solidFill>
-                  <a:schemeClr val="tx1"/>
-                </a:solidFill>
-              </a:rPr>
-              <a:t>...</a:t>
-            </a:r>
-            <a:r>
-              <a:rPr lang="en-US" sz="2000" dirty="0" smtClean="0">
-                <a:solidFill>
-                  <a:schemeClr val="tx1"/>
-                </a:solidFill>
-              </a:rPr>
-              <a:t> (We know which weak points we need to work on…)</a:t>
+              <a:t>We know which “weak points” we need to work on…</a:t>
             </a:r>
             <a:endParaRPr lang="sr-Latn-RS" sz="2000" dirty="0" smtClean="0">
               <a:solidFill>
@@ -11985,28 +10703,12 @@
           </a:p>
           <a:p>
             <a:r>
-              <a:rPr lang="sr-Latn-RS" sz="2000" dirty="0" smtClean="0">
+              <a:rPr lang="en-US" sz="2000" dirty="0" smtClean="0">
                 <a:solidFill>
                   <a:schemeClr val="tx1"/>
                 </a:solidFill>
               </a:rPr>
-              <a:t>Sada</a:t>
-            </a:r>
-            <a:r>
-              <a:rPr lang="sr-Latn-RS" sz="2000" dirty="0" smtClean="0">
-                <a:solidFill>
-                  <a:schemeClr val="tx1"/>
-                </a:solidFill>
-              </a:rPr>
-              <a:t>...</a:t>
-            </a:r>
-            <a:r>
-              <a:rPr lang="en-US" sz="2000" dirty="0" smtClean="0">
-                <a:solidFill>
-                  <a:schemeClr val="tx1"/>
-                </a:solidFill>
-              </a:rPr>
-              <a:t> (And now…)</a:t>
+              <a:t>And now…</a:t>
             </a:r>
             <a:endParaRPr lang="sr-Latn-RS" sz="2000" dirty="0" smtClean="0">
               <a:solidFill>
@@ -12023,28 +10725,12 @@
           </a:p>
           <a:p>
             <a:r>
-              <a:rPr lang="sr-Latn-RS" sz="3200" dirty="0" smtClean="0">
+              <a:rPr lang="en-US" sz="3200" dirty="0" smtClean="0">
                 <a:solidFill>
                   <a:schemeClr val="tx1"/>
                 </a:solidFill>
               </a:rPr>
-              <a:t>Kako</a:t>
-            </a:r>
-            <a:r>
-              <a:rPr lang="sr-Latn-RS" sz="3200" dirty="0" smtClean="0">
-                <a:solidFill>
-                  <a:schemeClr val="tx1"/>
-                </a:solidFill>
-              </a:rPr>
-              <a:t>?</a:t>
-            </a:r>
-            <a:r>
-              <a:rPr lang="en-US" sz="3200" dirty="0" smtClean="0">
-                <a:solidFill>
-                  <a:schemeClr val="tx1"/>
-                </a:solidFill>
-              </a:rPr>
-              <a:t> (How?)</a:t>
+              <a:t>How?</a:t>
             </a:r>
             <a:endParaRPr lang="en-US" sz="3200" dirty="0">
               <a:solidFill>
@@ -12586,14 +11272,194 @@
       </p:grpSpPr>
       <p:sp>
         <p:nvSpPr>
-          <p:cNvPr id="13" name="TextBox 17"/>
+          <p:cNvPr id="144" name="TextBox 49"/>
           <p:cNvSpPr txBox="1"/>
           <p:nvPr/>
         </p:nvSpPr>
         <p:spPr>
-          <a:xfrm>
-            <a:off x="680264" y="1528732"/>
-            <a:ext cx="677108" cy="1934428"/>
+          <a:xfrm rot="5400000">
+            <a:off x="9199346" y="1040596"/>
+            <a:ext cx="400110" cy="1506160"/>
+          </a:xfrm>
+          <a:prstGeom prst="rect">
+            <a:avLst/>
+          </a:prstGeom>
+          <a:noFill/>
+          <a:ln>
+            <a:noFill/>
+          </a:ln>
+        </p:spPr>
+        <p:style>
+          <a:lnRef idx="2">
+            <a:schemeClr val="dk1"/>
+          </a:lnRef>
+          <a:fillRef idx="1">
+            <a:schemeClr val="lt1"/>
+          </a:fillRef>
+          <a:effectRef idx="0">
+            <a:schemeClr val="dk1"/>
+          </a:effectRef>
+          <a:fontRef idx="minor">
+            <a:schemeClr val="dk1"/>
+          </a:fontRef>
+        </p:style>
+        <p:txBody>
+          <a:bodyPr vert="vert270" wrap="square">
+            <a:spAutoFit/>
+          </a:bodyPr>
+          <a:lstStyle>
+            <a:defPPr>
+              <a:defRPr lang="en-US"/>
+            </a:defPPr>
+            <a:lvl1pPr algn="l" rtl="0" fontAlgn="base">
+              <a:spcBef>
+                <a:spcPct val="0"/>
+              </a:spcBef>
+              <a:spcAft>
+                <a:spcPct val="0"/>
+              </a:spcAft>
+              <a:defRPr kern="1200">
+                <a:solidFill>
+                  <a:schemeClr val="dk1"/>
+                </a:solidFill>
+                <a:latin typeface="+mn-lt"/>
+                <a:ea typeface="+mn-ea"/>
+                <a:cs typeface="+mn-cs"/>
+              </a:defRPr>
+            </a:lvl1pPr>
+            <a:lvl2pPr marL="457200" algn="l" rtl="0" fontAlgn="base">
+              <a:spcBef>
+                <a:spcPct val="0"/>
+              </a:spcBef>
+              <a:spcAft>
+                <a:spcPct val="0"/>
+              </a:spcAft>
+              <a:defRPr kern="1200">
+                <a:solidFill>
+                  <a:schemeClr val="dk1"/>
+                </a:solidFill>
+                <a:latin typeface="+mn-lt"/>
+                <a:ea typeface="+mn-ea"/>
+                <a:cs typeface="+mn-cs"/>
+              </a:defRPr>
+            </a:lvl2pPr>
+            <a:lvl3pPr marL="914400" algn="l" rtl="0" fontAlgn="base">
+              <a:spcBef>
+                <a:spcPct val="0"/>
+              </a:spcBef>
+              <a:spcAft>
+                <a:spcPct val="0"/>
+              </a:spcAft>
+              <a:defRPr kern="1200">
+                <a:solidFill>
+                  <a:schemeClr val="dk1"/>
+                </a:solidFill>
+                <a:latin typeface="+mn-lt"/>
+                <a:ea typeface="+mn-ea"/>
+                <a:cs typeface="+mn-cs"/>
+              </a:defRPr>
+            </a:lvl3pPr>
+            <a:lvl4pPr marL="1371600" algn="l" rtl="0" fontAlgn="base">
+              <a:spcBef>
+                <a:spcPct val="0"/>
+              </a:spcBef>
+              <a:spcAft>
+                <a:spcPct val="0"/>
+              </a:spcAft>
+              <a:defRPr kern="1200">
+                <a:solidFill>
+                  <a:schemeClr val="dk1"/>
+                </a:solidFill>
+                <a:latin typeface="+mn-lt"/>
+                <a:ea typeface="+mn-ea"/>
+                <a:cs typeface="+mn-cs"/>
+              </a:defRPr>
+            </a:lvl4pPr>
+            <a:lvl5pPr marL="1828800" algn="l" rtl="0" fontAlgn="base">
+              <a:spcBef>
+                <a:spcPct val="0"/>
+              </a:spcBef>
+              <a:spcAft>
+                <a:spcPct val="0"/>
+              </a:spcAft>
+              <a:defRPr kern="1200">
+                <a:solidFill>
+                  <a:schemeClr val="dk1"/>
+                </a:solidFill>
+                <a:latin typeface="+mn-lt"/>
+                <a:ea typeface="+mn-ea"/>
+                <a:cs typeface="+mn-cs"/>
+              </a:defRPr>
+            </a:lvl5pPr>
+            <a:lvl6pPr marL="2286000" algn="l" defTabSz="914400" rtl="0" eaLnBrk="1" latinLnBrk="0" hangingPunct="1">
+              <a:defRPr kern="1200">
+                <a:solidFill>
+                  <a:schemeClr val="dk1"/>
+                </a:solidFill>
+                <a:latin typeface="+mn-lt"/>
+                <a:ea typeface="+mn-ea"/>
+                <a:cs typeface="+mn-cs"/>
+              </a:defRPr>
+            </a:lvl6pPr>
+            <a:lvl7pPr marL="2743200" algn="l" defTabSz="914400" rtl="0" eaLnBrk="1" latinLnBrk="0" hangingPunct="1">
+              <a:defRPr kern="1200">
+                <a:solidFill>
+                  <a:schemeClr val="dk1"/>
+                </a:solidFill>
+                <a:latin typeface="+mn-lt"/>
+                <a:ea typeface="+mn-ea"/>
+                <a:cs typeface="+mn-cs"/>
+              </a:defRPr>
+            </a:lvl7pPr>
+            <a:lvl8pPr marL="3200400" algn="l" defTabSz="914400" rtl="0" eaLnBrk="1" latinLnBrk="0" hangingPunct="1">
+              <a:defRPr kern="1200">
+                <a:solidFill>
+                  <a:schemeClr val="dk1"/>
+                </a:solidFill>
+                <a:latin typeface="+mn-lt"/>
+                <a:ea typeface="+mn-ea"/>
+                <a:cs typeface="+mn-cs"/>
+              </a:defRPr>
+            </a:lvl8pPr>
+            <a:lvl9pPr marL="3657600" algn="l" defTabSz="914400" rtl="0" eaLnBrk="1" latinLnBrk="0" hangingPunct="1">
+              <a:defRPr kern="1200">
+                <a:solidFill>
+                  <a:schemeClr val="dk1"/>
+                </a:solidFill>
+                <a:latin typeface="+mn-lt"/>
+                <a:ea typeface="+mn-ea"/>
+                <a:cs typeface="+mn-cs"/>
+              </a:defRPr>
+            </a:lvl9pPr>
+          </a:lstStyle>
+          <a:p>
+            <a:pPr algn="r" fontAlgn="auto">
+              <a:spcBef>
+                <a:spcPts val="0"/>
+              </a:spcBef>
+              <a:spcAft>
+                <a:spcPts val="0"/>
+              </a:spcAft>
+              <a:defRPr/>
+            </a:pPr>
+            <a:r>
+              <a:rPr lang="en-US" sz="1400" dirty="0" smtClean="0"/>
+              <a:t>Transmission</a:t>
+            </a:r>
+            <a:endParaRPr lang="en-US" sz="1400" dirty="0"/>
+          </a:p>
+        </p:txBody>
+      </p:sp>
+      <p:sp>
+        <p:nvSpPr>
+          <p:cNvPr id="134" name="TextBox 39"/>
+          <p:cNvSpPr txBox="1"/>
+          <p:nvPr/>
+        </p:nvSpPr>
+        <p:spPr>
+          <a:xfrm rot="5400000">
+            <a:off x="7731710" y="1121432"/>
+            <a:ext cx="400110" cy="1300637"/>
           </a:xfrm>
           <a:prstGeom prst="rect">
             <a:avLst/>
@@ -12756,24 +11622,8 @@
               <a:defRPr/>
             </a:pPr>
             <a:r>
-              <a:rPr lang="sr-Latn-RS" sz="1400" dirty="0" smtClean="0"/>
-              <a:t>Karoserija</a:t>
-            </a:r>
-            <a:endParaRPr lang="en-US" sz="1400" dirty="0"/>
-          </a:p>
-          <a:p>
-            <a:pPr algn="r" fontAlgn="auto">
-              <a:spcBef>
-                <a:spcPts val="0"/>
-              </a:spcBef>
-              <a:spcAft>
-                <a:spcPts val="0"/>
-              </a:spcAft>
-              <a:defRPr/>
-            </a:pPr>
-            <a:r>
-              <a:rPr lang="en-US" dirty="0" smtClean="0"/>
-              <a:t>(Body)</a:t>
+              <a:rPr lang="en-US" sz="1400" dirty="0" smtClean="0"/>
+              <a:t>Horsepower</a:t>
             </a:r>
             <a:endParaRPr lang="en-US" dirty="0"/>
           </a:p>
@@ -12781,1742 +11631,14 @@
       </p:sp>
       <p:sp>
         <p:nvSpPr>
-          <p:cNvPr id="2" name="Title 1"/>
-          <p:cNvSpPr>
-            <a:spLocks noGrp="1"/>
-          </p:cNvSpPr>
-          <p:nvPr>
-            <p:ph type="title"/>
-          </p:nvPr>
-        </p:nvSpPr>
-        <p:spPr/>
-        <p:txBody>
-          <a:bodyPr/>
-          <a:lstStyle/>
-          <a:p>
-            <a:r>
-              <a:rPr lang="sr-Latn-RS" dirty="0" smtClean="0"/>
-              <a:t>Silosi</a:t>
-            </a:r>
-            <a:endParaRPr lang="en-US" dirty="0"/>
-          </a:p>
-        </p:txBody>
-      </p:sp>
-      <p:sp>
-        <p:nvSpPr>
-          <p:cNvPr id="5" name="TextBox 3"/>
+          <p:cNvPr id="13" name="TextBox 17"/>
           <p:cNvSpPr txBox="1"/>
           <p:nvPr/>
         </p:nvSpPr>
         <p:spPr>
-          <a:xfrm>
-            <a:off x="174264" y="3585772"/>
-            <a:ext cx="1846659" cy="1300629"/>
-          </a:xfrm>
-          <a:prstGeom prst="rect">
-            <a:avLst/>
-          </a:prstGeom>
-          <a:noFill/>
-        </p:spPr>
-        <p:txBody>
-          <a:bodyPr vert="vert270" wrap="square">
-            <a:spAutoFit/>
-          </a:bodyPr>
-          <a:lstStyle>
-            <a:defPPr>
-              <a:defRPr lang="en-US"/>
-            </a:defPPr>
-            <a:lvl1pPr algn="l" rtl="0" fontAlgn="base">
-              <a:spcBef>
-                <a:spcPct val="0"/>
-              </a:spcBef>
-              <a:spcAft>
-                <a:spcPct val="0"/>
-              </a:spcAft>
-              <a:defRPr kern="1200">
-                <a:solidFill>
-                  <a:schemeClr val="tx1"/>
-                </a:solidFill>
-                <a:latin typeface="Arial" panose="020B0604020202020204" pitchFamily="34" charset="0"/>
-                <a:ea typeface="+mn-ea"/>
-                <a:cs typeface="+mn-cs"/>
-              </a:defRPr>
-            </a:lvl1pPr>
-            <a:lvl2pPr marL="457200" algn="l" rtl="0" fontAlgn="base">
-              <a:spcBef>
-                <a:spcPct val="0"/>
-              </a:spcBef>
-              <a:spcAft>
-                <a:spcPct val="0"/>
-              </a:spcAft>
-              <a:defRPr kern="1200">
-                <a:solidFill>
-                  <a:schemeClr val="tx1"/>
-                </a:solidFill>
-                <a:latin typeface="Arial" panose="020B0604020202020204" pitchFamily="34" charset="0"/>
-                <a:ea typeface="+mn-ea"/>
-                <a:cs typeface="+mn-cs"/>
-              </a:defRPr>
-            </a:lvl2pPr>
-            <a:lvl3pPr marL="914400" algn="l" rtl="0" fontAlgn="base">
-              <a:spcBef>
-                <a:spcPct val="0"/>
-              </a:spcBef>
-              <a:spcAft>
-                <a:spcPct val="0"/>
-              </a:spcAft>
-              <a:defRPr kern="1200">
-                <a:solidFill>
-                  <a:schemeClr val="tx1"/>
-                </a:solidFill>
-                <a:latin typeface="Arial" panose="020B0604020202020204" pitchFamily="34" charset="0"/>
-                <a:ea typeface="+mn-ea"/>
-                <a:cs typeface="+mn-cs"/>
-              </a:defRPr>
-            </a:lvl3pPr>
-            <a:lvl4pPr marL="1371600" algn="l" rtl="0" fontAlgn="base">
-              <a:spcBef>
-                <a:spcPct val="0"/>
-              </a:spcBef>
-              <a:spcAft>
-                <a:spcPct val="0"/>
-              </a:spcAft>
-              <a:defRPr kern="1200">
-                <a:solidFill>
-                  <a:schemeClr val="tx1"/>
-                </a:solidFill>
-                <a:latin typeface="Arial" panose="020B0604020202020204" pitchFamily="34" charset="0"/>
-                <a:ea typeface="+mn-ea"/>
-                <a:cs typeface="+mn-cs"/>
-              </a:defRPr>
-            </a:lvl4pPr>
-            <a:lvl5pPr marL="1828800" algn="l" rtl="0" fontAlgn="base">
-              <a:spcBef>
-                <a:spcPct val="0"/>
-              </a:spcBef>
-              <a:spcAft>
-                <a:spcPct val="0"/>
-              </a:spcAft>
-              <a:defRPr kern="1200">
-                <a:solidFill>
-                  <a:schemeClr val="tx1"/>
-                </a:solidFill>
-                <a:latin typeface="Arial" panose="020B0604020202020204" pitchFamily="34" charset="0"/>
-                <a:ea typeface="+mn-ea"/>
-                <a:cs typeface="+mn-cs"/>
-              </a:defRPr>
-            </a:lvl5pPr>
-            <a:lvl6pPr marL="2286000" algn="l" defTabSz="914400" rtl="0" eaLnBrk="1" latinLnBrk="0" hangingPunct="1">
-              <a:defRPr kern="1200">
-                <a:solidFill>
-                  <a:schemeClr val="tx1"/>
-                </a:solidFill>
-                <a:latin typeface="Arial" panose="020B0604020202020204" pitchFamily="34" charset="0"/>
-                <a:ea typeface="+mn-ea"/>
-                <a:cs typeface="+mn-cs"/>
-              </a:defRPr>
-            </a:lvl6pPr>
-            <a:lvl7pPr marL="2743200" algn="l" defTabSz="914400" rtl="0" eaLnBrk="1" latinLnBrk="0" hangingPunct="1">
-              <a:defRPr kern="1200">
-                <a:solidFill>
-                  <a:schemeClr val="tx1"/>
-                </a:solidFill>
-                <a:latin typeface="Arial" panose="020B0604020202020204" pitchFamily="34" charset="0"/>
-                <a:ea typeface="+mn-ea"/>
-                <a:cs typeface="+mn-cs"/>
-              </a:defRPr>
-            </a:lvl7pPr>
-            <a:lvl8pPr marL="3200400" algn="l" defTabSz="914400" rtl="0" eaLnBrk="1" latinLnBrk="0" hangingPunct="1">
-              <a:defRPr kern="1200">
-                <a:solidFill>
-                  <a:schemeClr val="tx1"/>
-                </a:solidFill>
-                <a:latin typeface="Arial" panose="020B0604020202020204" pitchFamily="34" charset="0"/>
-                <a:ea typeface="+mn-ea"/>
-                <a:cs typeface="+mn-cs"/>
-              </a:defRPr>
-            </a:lvl8pPr>
-            <a:lvl9pPr marL="3657600" algn="l" defTabSz="914400" rtl="0" eaLnBrk="1" latinLnBrk="0" hangingPunct="1">
-              <a:defRPr kern="1200">
-                <a:solidFill>
-                  <a:schemeClr val="tx1"/>
-                </a:solidFill>
-                <a:latin typeface="Arial" panose="020B0604020202020204" pitchFamily="34" charset="0"/>
-                <a:ea typeface="+mn-ea"/>
-                <a:cs typeface="+mn-cs"/>
-              </a:defRPr>
-            </a:lvl9pPr>
-          </a:lstStyle>
-          <a:p>
-            <a:pPr algn="r" fontAlgn="auto">
-              <a:spcBef>
-                <a:spcPts val="0"/>
-              </a:spcBef>
-              <a:spcAft>
-                <a:spcPts val="0"/>
-              </a:spcAft>
-              <a:defRPr/>
-            </a:pPr>
-            <a:r>
-              <a:rPr lang="en-US" dirty="0" err="1"/>
-              <a:t>Limuzina</a:t>
-            </a:r>
-            <a:endParaRPr lang="en-US" dirty="0">
-              <a:latin typeface="+mn-lt"/>
-            </a:endParaRPr>
-          </a:p>
-          <a:p>
-            <a:pPr algn="r" fontAlgn="auto">
-              <a:spcBef>
-                <a:spcPts val="0"/>
-              </a:spcBef>
-              <a:spcAft>
-                <a:spcPts val="0"/>
-              </a:spcAft>
-              <a:defRPr/>
-            </a:pPr>
-            <a:r>
-              <a:rPr lang="en-US" dirty="0"/>
-              <a:t>Hatchback</a:t>
-            </a:r>
-            <a:endParaRPr lang="en-US" dirty="0">
-              <a:latin typeface="+mn-lt"/>
-            </a:endParaRPr>
-          </a:p>
-          <a:p>
-            <a:pPr algn="r" fontAlgn="auto">
-              <a:spcBef>
-                <a:spcPts val="0"/>
-              </a:spcBef>
-              <a:spcAft>
-                <a:spcPts val="0"/>
-              </a:spcAft>
-              <a:defRPr/>
-            </a:pPr>
-            <a:r>
-              <a:rPr lang="en-US" dirty="0" err="1"/>
-              <a:t>Karavan</a:t>
-            </a:r>
-            <a:endParaRPr lang="en-US" dirty="0"/>
-          </a:p>
-          <a:p>
-            <a:pPr algn="r" fontAlgn="auto">
-              <a:spcBef>
-                <a:spcPts val="0"/>
-              </a:spcBef>
-              <a:spcAft>
-                <a:spcPts val="0"/>
-              </a:spcAft>
-              <a:defRPr/>
-            </a:pPr>
-            <a:r>
-              <a:rPr lang="en-US" dirty="0" err="1"/>
-              <a:t>Kabriolet</a:t>
-            </a:r>
-            <a:endParaRPr lang="en-US" dirty="0"/>
-          </a:p>
-          <a:p>
-            <a:pPr algn="r" fontAlgn="auto">
-              <a:spcBef>
-                <a:spcPts val="0"/>
-              </a:spcBef>
-              <a:spcAft>
-                <a:spcPts val="0"/>
-              </a:spcAft>
-              <a:defRPr/>
-            </a:pPr>
-            <a:r>
-              <a:rPr lang="en-US" dirty="0"/>
-              <a:t>D</a:t>
-            </a:r>
-            <a:r>
-              <a:rPr lang="sr-Latn-RS" dirty="0"/>
-              <a:t>ž</a:t>
-            </a:r>
-            <a:r>
-              <a:rPr lang="en-US" dirty="0" err="1"/>
-              <a:t>ip</a:t>
-            </a:r>
-            <a:r>
-              <a:rPr lang="en-US" dirty="0"/>
-              <a:t>/SUV</a:t>
-            </a:r>
-          </a:p>
-          <a:p>
-            <a:pPr algn="r" fontAlgn="auto">
-              <a:spcBef>
-                <a:spcPts val="0"/>
-              </a:spcBef>
-              <a:spcAft>
-                <a:spcPts val="0"/>
-              </a:spcAft>
-              <a:defRPr/>
-            </a:pPr>
-            <a:r>
-              <a:rPr lang="en-US" dirty="0"/>
-              <a:t>Coupe</a:t>
-            </a:r>
-            <a:endParaRPr lang="en-US" dirty="0">
-              <a:latin typeface="+mn-lt"/>
-            </a:endParaRPr>
-          </a:p>
-        </p:txBody>
-      </p:sp>
-      <p:cxnSp>
-        <p:nvCxnSpPr>
-          <p:cNvPr id="6" name="Straight Connector 5"/>
-          <p:cNvCxnSpPr/>
-          <p:nvPr/>
-        </p:nvCxnSpPr>
-        <p:spPr>
-          <a:xfrm flipV="1">
-            <a:off x="411309" y="2887663"/>
-            <a:ext cx="0" cy="685800"/>
-          </a:xfrm>
-          <a:prstGeom prst="line">
-            <a:avLst/>
-          </a:prstGeom>
-          <a:ln/>
-        </p:spPr>
-        <p:style>
-          <a:lnRef idx="2">
-            <a:schemeClr val="dk1">
-              <a:shade val="50000"/>
-            </a:schemeClr>
-          </a:lnRef>
-          <a:fillRef idx="1">
-            <a:schemeClr val="dk1"/>
-          </a:fillRef>
-          <a:effectRef idx="0">
-            <a:schemeClr val="dk1"/>
-          </a:effectRef>
-          <a:fontRef idx="minor">
-            <a:schemeClr val="lt1"/>
-          </a:fontRef>
-        </p:style>
-      </p:cxnSp>
-      <p:cxnSp>
-        <p:nvCxnSpPr>
-          <p:cNvPr id="7" name="Straight Connector 6"/>
-          <p:cNvCxnSpPr/>
-          <p:nvPr/>
-        </p:nvCxnSpPr>
-        <p:spPr>
-          <a:xfrm flipV="1">
-            <a:off x="673247" y="2887663"/>
-            <a:ext cx="0" cy="685800"/>
-          </a:xfrm>
-          <a:prstGeom prst="line">
-            <a:avLst/>
-          </a:prstGeom>
-          <a:ln/>
-        </p:spPr>
-        <p:style>
-          <a:lnRef idx="2">
-            <a:schemeClr val="dk1">
-              <a:shade val="50000"/>
-            </a:schemeClr>
-          </a:lnRef>
-          <a:fillRef idx="1">
-            <a:schemeClr val="dk1"/>
-          </a:fillRef>
-          <a:effectRef idx="0">
-            <a:schemeClr val="dk1"/>
-          </a:effectRef>
-          <a:fontRef idx="minor">
-            <a:schemeClr val="lt1"/>
-          </a:fontRef>
-        </p:style>
-      </p:cxnSp>
-      <p:cxnSp>
-        <p:nvCxnSpPr>
-          <p:cNvPr id="8" name="Straight Connector 7"/>
-          <p:cNvCxnSpPr/>
-          <p:nvPr/>
-        </p:nvCxnSpPr>
-        <p:spPr>
-          <a:xfrm flipV="1">
-            <a:off x="966934" y="2887663"/>
-            <a:ext cx="0" cy="685800"/>
-          </a:xfrm>
-          <a:prstGeom prst="line">
-            <a:avLst/>
-          </a:prstGeom>
-          <a:ln/>
-        </p:spPr>
-        <p:style>
-          <a:lnRef idx="2">
-            <a:schemeClr val="dk1">
-              <a:shade val="50000"/>
-            </a:schemeClr>
-          </a:lnRef>
-          <a:fillRef idx="1">
-            <a:schemeClr val="dk1"/>
-          </a:fillRef>
-          <a:effectRef idx="0">
-            <a:schemeClr val="dk1"/>
-          </a:effectRef>
-          <a:fontRef idx="minor">
-            <a:schemeClr val="lt1"/>
-          </a:fontRef>
-        </p:style>
-      </p:cxnSp>
-      <p:cxnSp>
-        <p:nvCxnSpPr>
-          <p:cNvPr id="9" name="Straight Connector 8"/>
-          <p:cNvCxnSpPr/>
-          <p:nvPr/>
-        </p:nvCxnSpPr>
-        <p:spPr>
-          <a:xfrm flipV="1">
-            <a:off x="1228872" y="2887663"/>
-            <a:ext cx="0" cy="685800"/>
-          </a:xfrm>
-          <a:prstGeom prst="line">
-            <a:avLst/>
-          </a:prstGeom>
-          <a:ln/>
-        </p:spPr>
-        <p:style>
-          <a:lnRef idx="2">
-            <a:schemeClr val="dk1">
-              <a:shade val="50000"/>
-            </a:schemeClr>
-          </a:lnRef>
-          <a:fillRef idx="1">
-            <a:schemeClr val="dk1"/>
-          </a:fillRef>
-          <a:effectRef idx="0">
-            <a:schemeClr val="dk1"/>
-          </a:effectRef>
-          <a:fontRef idx="minor">
-            <a:schemeClr val="lt1"/>
-          </a:fontRef>
-        </p:style>
-      </p:cxnSp>
-      <p:cxnSp>
-        <p:nvCxnSpPr>
-          <p:cNvPr id="10" name="Straight Connector 9"/>
-          <p:cNvCxnSpPr/>
-          <p:nvPr/>
-        </p:nvCxnSpPr>
-        <p:spPr>
-          <a:xfrm flipV="1">
-            <a:off x="1500334" y="2887663"/>
-            <a:ext cx="0" cy="685800"/>
-          </a:xfrm>
-          <a:prstGeom prst="line">
-            <a:avLst/>
-          </a:prstGeom>
-          <a:ln/>
-        </p:spPr>
-        <p:style>
-          <a:lnRef idx="2">
-            <a:schemeClr val="dk1">
-              <a:shade val="50000"/>
-            </a:schemeClr>
-          </a:lnRef>
-          <a:fillRef idx="1">
-            <a:schemeClr val="dk1"/>
-          </a:fillRef>
-          <a:effectRef idx="0">
-            <a:schemeClr val="dk1"/>
-          </a:effectRef>
-          <a:fontRef idx="minor">
-            <a:schemeClr val="lt1"/>
-          </a:fontRef>
-        </p:style>
-      </p:cxnSp>
-      <p:cxnSp>
-        <p:nvCxnSpPr>
-          <p:cNvPr id="11" name="Straight Connector 10"/>
-          <p:cNvCxnSpPr/>
-          <p:nvPr/>
-        </p:nvCxnSpPr>
-        <p:spPr>
-          <a:xfrm flipV="1">
-            <a:off x="1762272" y="2887663"/>
-            <a:ext cx="0" cy="685800"/>
-          </a:xfrm>
-          <a:prstGeom prst="line">
-            <a:avLst/>
-          </a:prstGeom>
-          <a:ln/>
-        </p:spPr>
-        <p:style>
-          <a:lnRef idx="2">
-            <a:schemeClr val="dk1">
-              <a:shade val="50000"/>
-            </a:schemeClr>
-          </a:lnRef>
-          <a:fillRef idx="1">
-            <a:schemeClr val="dk1"/>
-          </a:fillRef>
-          <a:effectRef idx="0">
-            <a:schemeClr val="dk1"/>
-          </a:effectRef>
-          <a:fontRef idx="minor">
-            <a:schemeClr val="lt1"/>
-          </a:fontRef>
-        </p:style>
-      </p:cxnSp>
-      <p:cxnSp>
-        <p:nvCxnSpPr>
-          <p:cNvPr id="12" name="Straight Connector 11"/>
-          <p:cNvCxnSpPr/>
-          <p:nvPr/>
-        </p:nvCxnSpPr>
-        <p:spPr>
-          <a:xfrm flipV="1">
-            <a:off x="1108222" y="1930400"/>
-            <a:ext cx="0" cy="957263"/>
-          </a:xfrm>
-          <a:prstGeom prst="line">
-            <a:avLst/>
-          </a:prstGeom>
-          <a:ln/>
-        </p:spPr>
-        <p:style>
-          <a:lnRef idx="2">
-            <a:schemeClr val="dk1">
-              <a:shade val="50000"/>
-            </a:schemeClr>
-          </a:lnRef>
-          <a:fillRef idx="1">
-            <a:schemeClr val="dk1"/>
-          </a:fillRef>
-          <a:effectRef idx="0">
-            <a:schemeClr val="dk1"/>
-          </a:effectRef>
-          <a:fontRef idx="minor">
-            <a:schemeClr val="lt1"/>
-          </a:fontRef>
-        </p:style>
-      </p:cxnSp>
-      <p:cxnSp>
-        <p:nvCxnSpPr>
-          <p:cNvPr id="14" name="Straight Connector 13"/>
-          <p:cNvCxnSpPr/>
-          <p:nvPr/>
-        </p:nvCxnSpPr>
-        <p:spPr>
-          <a:xfrm>
-            <a:off x="400197" y="2887663"/>
-            <a:ext cx="1371600" cy="0"/>
-          </a:xfrm>
-          <a:prstGeom prst="line">
-            <a:avLst/>
-          </a:prstGeom>
-          <a:ln/>
-        </p:spPr>
-        <p:style>
-          <a:lnRef idx="2">
-            <a:schemeClr val="dk1">
-              <a:shade val="50000"/>
-            </a:schemeClr>
-          </a:lnRef>
-          <a:fillRef idx="1">
-            <a:schemeClr val="dk1"/>
-          </a:fillRef>
-          <a:effectRef idx="0">
-            <a:schemeClr val="dk1"/>
-          </a:effectRef>
-          <a:fontRef idx="minor">
-            <a:schemeClr val="lt1"/>
-          </a:fontRef>
-        </p:style>
-      </p:cxnSp>
-      <p:sp>
-        <p:nvSpPr>
-          <p:cNvPr id="15" name="TextBox 21"/>
-          <p:cNvSpPr txBox="1"/>
-          <p:nvPr/>
-        </p:nvSpPr>
-        <p:spPr>
-          <a:xfrm>
-            <a:off x="1944532" y="3606799"/>
-            <a:ext cx="1846659" cy="1933107"/>
-          </a:xfrm>
-          <a:prstGeom prst="rect">
-            <a:avLst/>
-          </a:prstGeom>
-          <a:noFill/>
-        </p:spPr>
-        <p:txBody>
-          <a:bodyPr vert="vert270" wrap="square">
-            <a:spAutoFit/>
-          </a:bodyPr>
-          <a:lstStyle>
-            <a:defPPr>
-              <a:defRPr lang="en-US"/>
-            </a:defPPr>
-            <a:lvl1pPr algn="l" rtl="0" fontAlgn="base">
-              <a:spcBef>
-                <a:spcPct val="0"/>
-              </a:spcBef>
-              <a:spcAft>
-                <a:spcPct val="0"/>
-              </a:spcAft>
-              <a:defRPr kern="1200">
-                <a:solidFill>
-                  <a:schemeClr val="tx1"/>
-                </a:solidFill>
-                <a:latin typeface="Arial" panose="020B0604020202020204" pitchFamily="34" charset="0"/>
-                <a:ea typeface="+mn-ea"/>
-                <a:cs typeface="+mn-cs"/>
-              </a:defRPr>
-            </a:lvl1pPr>
-            <a:lvl2pPr marL="457200" algn="l" rtl="0" fontAlgn="base">
-              <a:spcBef>
-                <a:spcPct val="0"/>
-              </a:spcBef>
-              <a:spcAft>
-                <a:spcPct val="0"/>
-              </a:spcAft>
-              <a:defRPr kern="1200">
-                <a:solidFill>
-                  <a:schemeClr val="tx1"/>
-                </a:solidFill>
-                <a:latin typeface="Arial" panose="020B0604020202020204" pitchFamily="34" charset="0"/>
-                <a:ea typeface="+mn-ea"/>
-                <a:cs typeface="+mn-cs"/>
-              </a:defRPr>
-            </a:lvl2pPr>
-            <a:lvl3pPr marL="914400" algn="l" rtl="0" fontAlgn="base">
-              <a:spcBef>
-                <a:spcPct val="0"/>
-              </a:spcBef>
-              <a:spcAft>
-                <a:spcPct val="0"/>
-              </a:spcAft>
-              <a:defRPr kern="1200">
-                <a:solidFill>
-                  <a:schemeClr val="tx1"/>
-                </a:solidFill>
-                <a:latin typeface="Arial" panose="020B0604020202020204" pitchFamily="34" charset="0"/>
-                <a:ea typeface="+mn-ea"/>
-                <a:cs typeface="+mn-cs"/>
-              </a:defRPr>
-            </a:lvl3pPr>
-            <a:lvl4pPr marL="1371600" algn="l" rtl="0" fontAlgn="base">
-              <a:spcBef>
-                <a:spcPct val="0"/>
-              </a:spcBef>
-              <a:spcAft>
-                <a:spcPct val="0"/>
-              </a:spcAft>
-              <a:defRPr kern="1200">
-                <a:solidFill>
-                  <a:schemeClr val="tx1"/>
-                </a:solidFill>
-                <a:latin typeface="Arial" panose="020B0604020202020204" pitchFamily="34" charset="0"/>
-                <a:ea typeface="+mn-ea"/>
-                <a:cs typeface="+mn-cs"/>
-              </a:defRPr>
-            </a:lvl4pPr>
-            <a:lvl5pPr marL="1828800" algn="l" rtl="0" fontAlgn="base">
-              <a:spcBef>
-                <a:spcPct val="0"/>
-              </a:spcBef>
-              <a:spcAft>
-                <a:spcPct val="0"/>
-              </a:spcAft>
-              <a:defRPr kern="1200">
-                <a:solidFill>
-                  <a:schemeClr val="tx1"/>
-                </a:solidFill>
-                <a:latin typeface="Arial" panose="020B0604020202020204" pitchFamily="34" charset="0"/>
-                <a:ea typeface="+mn-ea"/>
-                <a:cs typeface="+mn-cs"/>
-              </a:defRPr>
-            </a:lvl5pPr>
-            <a:lvl6pPr marL="2286000" algn="l" defTabSz="914400" rtl="0" eaLnBrk="1" latinLnBrk="0" hangingPunct="1">
-              <a:defRPr kern="1200">
-                <a:solidFill>
-                  <a:schemeClr val="tx1"/>
-                </a:solidFill>
-                <a:latin typeface="Arial" panose="020B0604020202020204" pitchFamily="34" charset="0"/>
-                <a:ea typeface="+mn-ea"/>
-                <a:cs typeface="+mn-cs"/>
-              </a:defRPr>
-            </a:lvl6pPr>
-            <a:lvl7pPr marL="2743200" algn="l" defTabSz="914400" rtl="0" eaLnBrk="1" latinLnBrk="0" hangingPunct="1">
-              <a:defRPr kern="1200">
-                <a:solidFill>
-                  <a:schemeClr val="tx1"/>
-                </a:solidFill>
-                <a:latin typeface="Arial" panose="020B0604020202020204" pitchFamily="34" charset="0"/>
-                <a:ea typeface="+mn-ea"/>
-                <a:cs typeface="+mn-cs"/>
-              </a:defRPr>
-            </a:lvl7pPr>
-            <a:lvl8pPr marL="3200400" algn="l" defTabSz="914400" rtl="0" eaLnBrk="1" latinLnBrk="0" hangingPunct="1">
-              <a:defRPr kern="1200">
-                <a:solidFill>
-                  <a:schemeClr val="tx1"/>
-                </a:solidFill>
-                <a:latin typeface="Arial" panose="020B0604020202020204" pitchFamily="34" charset="0"/>
-                <a:ea typeface="+mn-ea"/>
-                <a:cs typeface="+mn-cs"/>
-              </a:defRPr>
-            </a:lvl8pPr>
-            <a:lvl9pPr marL="3657600" algn="l" defTabSz="914400" rtl="0" eaLnBrk="1" latinLnBrk="0" hangingPunct="1">
-              <a:defRPr kern="1200">
-                <a:solidFill>
-                  <a:schemeClr val="tx1"/>
-                </a:solidFill>
-                <a:latin typeface="Arial" panose="020B0604020202020204" pitchFamily="34" charset="0"/>
-                <a:ea typeface="+mn-ea"/>
-                <a:cs typeface="+mn-cs"/>
-              </a:defRPr>
-            </a:lvl9pPr>
-          </a:lstStyle>
-          <a:p>
-            <a:pPr algn="r" fontAlgn="auto">
-              <a:spcBef>
-                <a:spcPts val="0"/>
-              </a:spcBef>
-              <a:spcAft>
-                <a:spcPts val="0"/>
-              </a:spcAft>
-              <a:defRPr/>
-            </a:pPr>
-            <a:r>
-              <a:rPr lang="en-US" dirty="0" err="1"/>
-              <a:t>Benzin</a:t>
-            </a:r>
-            <a:endParaRPr lang="en-US" dirty="0">
-              <a:latin typeface="+mn-lt"/>
-            </a:endParaRPr>
-          </a:p>
-          <a:p>
-            <a:pPr algn="r" fontAlgn="auto">
-              <a:spcBef>
-                <a:spcPts val="0"/>
-              </a:spcBef>
-              <a:spcAft>
-                <a:spcPts val="0"/>
-              </a:spcAft>
-              <a:defRPr/>
-            </a:pPr>
-            <a:r>
-              <a:rPr lang="en-US" dirty="0" err="1"/>
-              <a:t>Dizel</a:t>
-            </a:r>
-            <a:endParaRPr lang="en-US" dirty="0">
-              <a:latin typeface="+mn-lt"/>
-            </a:endParaRPr>
-          </a:p>
-          <a:p>
-            <a:pPr algn="r" fontAlgn="auto">
-              <a:spcBef>
-                <a:spcPts val="0"/>
-              </a:spcBef>
-              <a:spcAft>
-                <a:spcPts val="0"/>
-              </a:spcAft>
-              <a:defRPr/>
-            </a:pPr>
-            <a:r>
-              <a:rPr lang="en-US" dirty="0"/>
-              <a:t>TNG</a:t>
-            </a:r>
-            <a:endParaRPr lang="en-US" dirty="0">
-              <a:latin typeface="+mn-lt"/>
-            </a:endParaRPr>
-          </a:p>
-          <a:p>
-            <a:pPr algn="r" fontAlgn="auto">
-              <a:spcBef>
-                <a:spcPts val="0"/>
-              </a:spcBef>
-              <a:spcAft>
-                <a:spcPts val="0"/>
-              </a:spcAft>
-              <a:defRPr/>
-            </a:pPr>
-            <a:r>
-              <a:rPr lang="en-US" dirty="0" err="1"/>
-              <a:t>Metan</a:t>
-            </a:r>
-            <a:endParaRPr lang="en-US" dirty="0">
-              <a:latin typeface="+mn-lt"/>
-            </a:endParaRPr>
-          </a:p>
-          <a:p>
-            <a:pPr algn="r" fontAlgn="auto">
-              <a:spcBef>
-                <a:spcPts val="0"/>
-              </a:spcBef>
-              <a:spcAft>
-                <a:spcPts val="0"/>
-              </a:spcAft>
-              <a:defRPr/>
-            </a:pPr>
-            <a:r>
-              <a:rPr lang="sr-Latn-RS" dirty="0" smtClean="0">
-                <a:latin typeface="+mn-lt"/>
-              </a:rPr>
-              <a:t>Elekrični pogon</a:t>
-            </a:r>
-            <a:endParaRPr lang="en-US" dirty="0" smtClean="0">
-              <a:latin typeface="+mn-lt"/>
-            </a:endParaRPr>
-          </a:p>
-          <a:p>
-            <a:pPr algn="r" fontAlgn="auto">
-              <a:spcBef>
-                <a:spcPts val="0"/>
-              </a:spcBef>
-              <a:spcAft>
-                <a:spcPts val="0"/>
-              </a:spcAft>
-              <a:defRPr/>
-            </a:pPr>
-            <a:r>
-              <a:rPr lang="en-US" dirty="0" err="1"/>
-              <a:t>Hibrid</a:t>
-            </a:r>
-            <a:endParaRPr lang="en-US" dirty="0">
-              <a:latin typeface="+mn-lt"/>
-            </a:endParaRPr>
-          </a:p>
-        </p:txBody>
-      </p:sp>
-      <p:cxnSp>
-        <p:nvCxnSpPr>
-          <p:cNvPr id="16" name="Straight Connector 15"/>
-          <p:cNvCxnSpPr/>
-          <p:nvPr/>
-        </p:nvCxnSpPr>
-        <p:spPr>
-          <a:xfrm flipV="1">
-            <a:off x="2197247" y="2887663"/>
-            <a:ext cx="0" cy="685800"/>
-          </a:xfrm>
-          <a:prstGeom prst="line">
-            <a:avLst/>
-          </a:prstGeom>
-          <a:ln/>
-        </p:spPr>
-        <p:style>
-          <a:lnRef idx="2">
-            <a:schemeClr val="dk1">
-              <a:shade val="50000"/>
-            </a:schemeClr>
-          </a:lnRef>
-          <a:fillRef idx="1">
-            <a:schemeClr val="dk1"/>
-          </a:fillRef>
-          <a:effectRef idx="0">
-            <a:schemeClr val="dk1"/>
-          </a:effectRef>
-          <a:fontRef idx="minor">
-            <a:schemeClr val="lt1"/>
-          </a:fontRef>
-        </p:style>
-      </p:cxnSp>
-      <p:cxnSp>
-        <p:nvCxnSpPr>
-          <p:cNvPr id="17" name="Straight Connector 16"/>
-          <p:cNvCxnSpPr/>
-          <p:nvPr/>
-        </p:nvCxnSpPr>
-        <p:spPr>
-          <a:xfrm flipV="1">
-            <a:off x="2457597" y="2887663"/>
-            <a:ext cx="0" cy="685800"/>
-          </a:xfrm>
-          <a:prstGeom prst="line">
-            <a:avLst/>
-          </a:prstGeom>
-          <a:ln/>
-        </p:spPr>
-        <p:style>
-          <a:lnRef idx="2">
-            <a:schemeClr val="dk1">
-              <a:shade val="50000"/>
-            </a:schemeClr>
-          </a:lnRef>
-          <a:fillRef idx="1">
-            <a:schemeClr val="dk1"/>
-          </a:fillRef>
-          <a:effectRef idx="0">
-            <a:schemeClr val="dk1"/>
-          </a:effectRef>
-          <a:fontRef idx="minor">
-            <a:schemeClr val="lt1"/>
-          </a:fontRef>
-        </p:style>
-      </p:cxnSp>
-      <p:cxnSp>
-        <p:nvCxnSpPr>
-          <p:cNvPr id="18" name="Straight Connector 17"/>
-          <p:cNvCxnSpPr/>
-          <p:nvPr/>
-        </p:nvCxnSpPr>
-        <p:spPr>
-          <a:xfrm flipV="1">
-            <a:off x="2752872" y="2887663"/>
-            <a:ext cx="0" cy="685800"/>
-          </a:xfrm>
-          <a:prstGeom prst="line">
-            <a:avLst/>
-          </a:prstGeom>
-          <a:ln/>
-        </p:spPr>
-        <p:style>
-          <a:lnRef idx="2">
-            <a:schemeClr val="dk1">
-              <a:shade val="50000"/>
-            </a:schemeClr>
-          </a:lnRef>
-          <a:fillRef idx="1">
-            <a:schemeClr val="dk1"/>
-          </a:fillRef>
-          <a:effectRef idx="0">
-            <a:schemeClr val="dk1"/>
-          </a:effectRef>
-          <a:fontRef idx="minor">
-            <a:schemeClr val="lt1"/>
-          </a:fontRef>
-        </p:style>
-      </p:cxnSp>
-      <p:cxnSp>
-        <p:nvCxnSpPr>
-          <p:cNvPr id="19" name="Straight Connector 18"/>
-          <p:cNvCxnSpPr/>
-          <p:nvPr/>
-        </p:nvCxnSpPr>
-        <p:spPr>
-          <a:xfrm flipV="1">
-            <a:off x="3013222" y="2887663"/>
-            <a:ext cx="0" cy="685800"/>
-          </a:xfrm>
-          <a:prstGeom prst="line">
-            <a:avLst/>
-          </a:prstGeom>
-          <a:ln/>
-        </p:spPr>
-        <p:style>
-          <a:lnRef idx="2">
-            <a:schemeClr val="dk1">
-              <a:shade val="50000"/>
-            </a:schemeClr>
-          </a:lnRef>
-          <a:fillRef idx="1">
-            <a:schemeClr val="dk1"/>
-          </a:fillRef>
-          <a:effectRef idx="0">
-            <a:schemeClr val="dk1"/>
-          </a:effectRef>
-          <a:fontRef idx="minor">
-            <a:schemeClr val="lt1"/>
-          </a:fontRef>
-        </p:style>
-      </p:cxnSp>
-      <p:cxnSp>
-        <p:nvCxnSpPr>
-          <p:cNvPr id="20" name="Straight Connector 19"/>
-          <p:cNvCxnSpPr/>
-          <p:nvPr/>
-        </p:nvCxnSpPr>
-        <p:spPr>
-          <a:xfrm flipV="1">
-            <a:off x="3286272" y="2887663"/>
-            <a:ext cx="0" cy="685800"/>
-          </a:xfrm>
-          <a:prstGeom prst="line">
-            <a:avLst/>
-          </a:prstGeom>
-          <a:ln/>
-        </p:spPr>
-        <p:style>
-          <a:lnRef idx="2">
-            <a:schemeClr val="dk1">
-              <a:shade val="50000"/>
-            </a:schemeClr>
-          </a:lnRef>
-          <a:fillRef idx="1">
-            <a:schemeClr val="dk1"/>
-          </a:fillRef>
-          <a:effectRef idx="0">
-            <a:schemeClr val="dk1"/>
-          </a:effectRef>
-          <a:fontRef idx="minor">
-            <a:schemeClr val="lt1"/>
-          </a:fontRef>
-        </p:style>
-      </p:cxnSp>
-      <p:cxnSp>
-        <p:nvCxnSpPr>
-          <p:cNvPr id="21" name="Straight Connector 20"/>
-          <p:cNvCxnSpPr/>
-          <p:nvPr/>
-        </p:nvCxnSpPr>
-        <p:spPr>
-          <a:xfrm flipV="1">
-            <a:off x="3546622" y="2887663"/>
-            <a:ext cx="0" cy="685800"/>
-          </a:xfrm>
-          <a:prstGeom prst="line">
-            <a:avLst/>
-          </a:prstGeom>
-          <a:ln/>
-        </p:spPr>
-        <p:style>
-          <a:lnRef idx="2">
-            <a:schemeClr val="dk1">
-              <a:shade val="50000"/>
-            </a:schemeClr>
-          </a:lnRef>
-          <a:fillRef idx="1">
-            <a:schemeClr val="dk1"/>
-          </a:fillRef>
-          <a:effectRef idx="0">
-            <a:schemeClr val="dk1"/>
-          </a:effectRef>
-          <a:fontRef idx="minor">
-            <a:schemeClr val="lt1"/>
-          </a:fontRef>
-        </p:style>
-      </p:cxnSp>
-      <p:sp>
-        <p:nvSpPr>
-          <p:cNvPr id="23" name="TextBox 29"/>
-          <p:cNvSpPr txBox="1"/>
-          <p:nvPr/>
-        </p:nvSpPr>
-        <p:spPr>
-          <a:xfrm>
-            <a:off x="2447734" y="2092326"/>
-            <a:ext cx="892552" cy="762000"/>
-          </a:xfrm>
-          <a:prstGeom prst="rect">
-            <a:avLst/>
-          </a:prstGeom>
-          <a:ln>
-            <a:noFill/>
-          </a:ln>
-        </p:spPr>
-        <p:style>
-          <a:lnRef idx="2">
-            <a:schemeClr val="dk1"/>
-          </a:lnRef>
-          <a:fillRef idx="1">
-            <a:schemeClr val="lt1"/>
-          </a:fillRef>
-          <a:effectRef idx="0">
-            <a:schemeClr val="dk1"/>
-          </a:effectRef>
-          <a:fontRef idx="minor">
-            <a:schemeClr val="dk1"/>
-          </a:fontRef>
-        </p:style>
-        <p:txBody>
-          <a:bodyPr vert="vert270">
-            <a:spAutoFit/>
-          </a:bodyPr>
-          <a:lstStyle>
-            <a:defPPr>
-              <a:defRPr lang="en-US"/>
-            </a:defPPr>
-            <a:lvl1pPr algn="l" rtl="0" fontAlgn="base">
-              <a:spcBef>
-                <a:spcPct val="0"/>
-              </a:spcBef>
-              <a:spcAft>
-                <a:spcPct val="0"/>
-              </a:spcAft>
-              <a:defRPr kern="1200">
-                <a:solidFill>
-                  <a:schemeClr val="dk1"/>
-                </a:solidFill>
-                <a:latin typeface="+mn-lt"/>
-                <a:ea typeface="+mn-ea"/>
-                <a:cs typeface="+mn-cs"/>
-              </a:defRPr>
-            </a:lvl1pPr>
-            <a:lvl2pPr marL="457200" algn="l" rtl="0" fontAlgn="base">
-              <a:spcBef>
-                <a:spcPct val="0"/>
-              </a:spcBef>
-              <a:spcAft>
-                <a:spcPct val="0"/>
-              </a:spcAft>
-              <a:defRPr kern="1200">
-                <a:solidFill>
-                  <a:schemeClr val="dk1"/>
-                </a:solidFill>
-                <a:latin typeface="+mn-lt"/>
-                <a:ea typeface="+mn-ea"/>
-                <a:cs typeface="+mn-cs"/>
-              </a:defRPr>
-            </a:lvl2pPr>
-            <a:lvl3pPr marL="914400" algn="l" rtl="0" fontAlgn="base">
-              <a:spcBef>
-                <a:spcPct val="0"/>
-              </a:spcBef>
-              <a:spcAft>
-                <a:spcPct val="0"/>
-              </a:spcAft>
-              <a:defRPr kern="1200">
-                <a:solidFill>
-                  <a:schemeClr val="dk1"/>
-                </a:solidFill>
-                <a:latin typeface="+mn-lt"/>
-                <a:ea typeface="+mn-ea"/>
-                <a:cs typeface="+mn-cs"/>
-              </a:defRPr>
-            </a:lvl3pPr>
-            <a:lvl4pPr marL="1371600" algn="l" rtl="0" fontAlgn="base">
-              <a:spcBef>
-                <a:spcPct val="0"/>
-              </a:spcBef>
-              <a:spcAft>
-                <a:spcPct val="0"/>
-              </a:spcAft>
-              <a:defRPr kern="1200">
-                <a:solidFill>
-                  <a:schemeClr val="dk1"/>
-                </a:solidFill>
-                <a:latin typeface="+mn-lt"/>
-                <a:ea typeface="+mn-ea"/>
-                <a:cs typeface="+mn-cs"/>
-              </a:defRPr>
-            </a:lvl4pPr>
-            <a:lvl5pPr marL="1828800" algn="l" rtl="0" fontAlgn="base">
-              <a:spcBef>
-                <a:spcPct val="0"/>
-              </a:spcBef>
-              <a:spcAft>
-                <a:spcPct val="0"/>
-              </a:spcAft>
-              <a:defRPr kern="1200">
-                <a:solidFill>
-                  <a:schemeClr val="dk1"/>
-                </a:solidFill>
-                <a:latin typeface="+mn-lt"/>
-                <a:ea typeface="+mn-ea"/>
-                <a:cs typeface="+mn-cs"/>
-              </a:defRPr>
-            </a:lvl5pPr>
-            <a:lvl6pPr marL="2286000" algn="l" defTabSz="914400" rtl="0" eaLnBrk="1" latinLnBrk="0" hangingPunct="1">
-              <a:defRPr kern="1200">
-                <a:solidFill>
-                  <a:schemeClr val="dk1"/>
-                </a:solidFill>
-                <a:latin typeface="+mn-lt"/>
-                <a:ea typeface="+mn-ea"/>
-                <a:cs typeface="+mn-cs"/>
-              </a:defRPr>
-            </a:lvl6pPr>
-            <a:lvl7pPr marL="2743200" algn="l" defTabSz="914400" rtl="0" eaLnBrk="1" latinLnBrk="0" hangingPunct="1">
-              <a:defRPr kern="1200">
-                <a:solidFill>
-                  <a:schemeClr val="dk1"/>
-                </a:solidFill>
-                <a:latin typeface="+mn-lt"/>
-                <a:ea typeface="+mn-ea"/>
-                <a:cs typeface="+mn-cs"/>
-              </a:defRPr>
-            </a:lvl7pPr>
-            <a:lvl8pPr marL="3200400" algn="l" defTabSz="914400" rtl="0" eaLnBrk="1" latinLnBrk="0" hangingPunct="1">
-              <a:defRPr kern="1200">
-                <a:solidFill>
-                  <a:schemeClr val="dk1"/>
-                </a:solidFill>
-                <a:latin typeface="+mn-lt"/>
-                <a:ea typeface="+mn-ea"/>
-                <a:cs typeface="+mn-cs"/>
-              </a:defRPr>
-            </a:lvl8pPr>
-            <a:lvl9pPr marL="3657600" algn="l" defTabSz="914400" rtl="0" eaLnBrk="1" latinLnBrk="0" hangingPunct="1">
-              <a:defRPr kern="1200">
-                <a:solidFill>
-                  <a:schemeClr val="dk1"/>
-                </a:solidFill>
-                <a:latin typeface="+mn-lt"/>
-                <a:ea typeface="+mn-ea"/>
-                <a:cs typeface="+mn-cs"/>
-              </a:defRPr>
-            </a:lvl9pPr>
-          </a:lstStyle>
-          <a:p>
-            <a:pPr algn="r" fontAlgn="auto">
-              <a:spcBef>
-                <a:spcPts val="0"/>
-              </a:spcBef>
-              <a:spcAft>
-                <a:spcPts val="0"/>
-              </a:spcAft>
-              <a:defRPr/>
-            </a:pPr>
-            <a:r>
-              <a:rPr lang="sr-Latn-RS" sz="1400" dirty="0" smtClean="0"/>
-              <a:t>Gorivo</a:t>
-            </a:r>
-            <a:r>
-              <a:rPr lang="en-US" sz="1400" dirty="0" smtClean="0"/>
-              <a:t> (Fuel)</a:t>
-            </a:r>
-            <a:endParaRPr lang="en-US" sz="1400" dirty="0"/>
-          </a:p>
-          <a:p>
-            <a:pPr algn="r" fontAlgn="auto">
-              <a:spcBef>
-                <a:spcPts val="0"/>
-              </a:spcBef>
-              <a:spcAft>
-                <a:spcPts val="0"/>
-              </a:spcAft>
-              <a:defRPr/>
-            </a:pPr>
-            <a:endParaRPr lang="en-US" dirty="0"/>
-          </a:p>
-        </p:txBody>
-      </p:sp>
-      <p:cxnSp>
-        <p:nvCxnSpPr>
-          <p:cNvPr id="22" name="Straight Connector 21"/>
-          <p:cNvCxnSpPr/>
-          <p:nvPr/>
-        </p:nvCxnSpPr>
-        <p:spPr>
-          <a:xfrm flipV="1">
-            <a:off x="2894159" y="1930400"/>
-            <a:ext cx="0" cy="957263"/>
-          </a:xfrm>
-          <a:prstGeom prst="line">
-            <a:avLst/>
-          </a:prstGeom>
-          <a:ln/>
-        </p:spPr>
-        <p:style>
-          <a:lnRef idx="2">
-            <a:schemeClr val="dk1">
-              <a:shade val="50000"/>
-            </a:schemeClr>
-          </a:lnRef>
-          <a:fillRef idx="1">
-            <a:schemeClr val="dk1"/>
-          </a:fillRef>
-          <a:effectRef idx="0">
-            <a:schemeClr val="dk1"/>
-          </a:effectRef>
-          <a:fontRef idx="minor">
-            <a:schemeClr val="lt1"/>
-          </a:fontRef>
-        </p:style>
-      </p:cxnSp>
-      <p:cxnSp>
-        <p:nvCxnSpPr>
-          <p:cNvPr id="24" name="Straight Connector 23"/>
-          <p:cNvCxnSpPr/>
-          <p:nvPr/>
-        </p:nvCxnSpPr>
-        <p:spPr>
-          <a:xfrm>
-            <a:off x="2186134" y="2887663"/>
-            <a:ext cx="1371600" cy="0"/>
-          </a:xfrm>
-          <a:prstGeom prst="line">
-            <a:avLst/>
-          </a:prstGeom>
-          <a:ln/>
-        </p:spPr>
-        <p:style>
-          <a:lnRef idx="2">
-            <a:schemeClr val="dk1">
-              <a:shade val="50000"/>
-            </a:schemeClr>
-          </a:lnRef>
-          <a:fillRef idx="1">
-            <a:schemeClr val="dk1"/>
-          </a:fillRef>
-          <a:effectRef idx="0">
-            <a:schemeClr val="dk1"/>
-          </a:effectRef>
-          <a:fontRef idx="minor">
-            <a:schemeClr val="lt1"/>
-          </a:fontRef>
-        </p:style>
-      </p:cxnSp>
-      <p:sp>
-        <p:nvSpPr>
-          <p:cNvPr id="25" name="TextBox 31"/>
-          <p:cNvSpPr txBox="1"/>
-          <p:nvPr/>
-        </p:nvSpPr>
-        <p:spPr>
-          <a:xfrm>
-            <a:off x="3664474" y="3606800"/>
-            <a:ext cx="1846659" cy="1600200"/>
-          </a:xfrm>
-          <a:prstGeom prst="rect">
-            <a:avLst/>
-          </a:prstGeom>
-          <a:noFill/>
-        </p:spPr>
-        <p:txBody>
-          <a:bodyPr vert="vert270">
-            <a:spAutoFit/>
-          </a:bodyPr>
-          <a:lstStyle>
-            <a:defPPr>
-              <a:defRPr lang="en-US"/>
-            </a:defPPr>
-            <a:lvl1pPr algn="l" rtl="0" fontAlgn="base">
-              <a:spcBef>
-                <a:spcPct val="0"/>
-              </a:spcBef>
-              <a:spcAft>
-                <a:spcPct val="0"/>
-              </a:spcAft>
-              <a:defRPr kern="1200">
-                <a:solidFill>
-                  <a:schemeClr val="tx1"/>
-                </a:solidFill>
-                <a:latin typeface="Arial" panose="020B0604020202020204" pitchFamily="34" charset="0"/>
-                <a:ea typeface="+mn-ea"/>
-                <a:cs typeface="+mn-cs"/>
-              </a:defRPr>
-            </a:lvl1pPr>
-            <a:lvl2pPr marL="457200" algn="l" rtl="0" fontAlgn="base">
-              <a:spcBef>
-                <a:spcPct val="0"/>
-              </a:spcBef>
-              <a:spcAft>
-                <a:spcPct val="0"/>
-              </a:spcAft>
-              <a:defRPr kern="1200">
-                <a:solidFill>
-                  <a:schemeClr val="tx1"/>
-                </a:solidFill>
-                <a:latin typeface="Arial" panose="020B0604020202020204" pitchFamily="34" charset="0"/>
-                <a:ea typeface="+mn-ea"/>
-                <a:cs typeface="+mn-cs"/>
-              </a:defRPr>
-            </a:lvl2pPr>
-            <a:lvl3pPr marL="914400" algn="l" rtl="0" fontAlgn="base">
-              <a:spcBef>
-                <a:spcPct val="0"/>
-              </a:spcBef>
-              <a:spcAft>
-                <a:spcPct val="0"/>
-              </a:spcAft>
-              <a:defRPr kern="1200">
-                <a:solidFill>
-                  <a:schemeClr val="tx1"/>
-                </a:solidFill>
-                <a:latin typeface="Arial" panose="020B0604020202020204" pitchFamily="34" charset="0"/>
-                <a:ea typeface="+mn-ea"/>
-                <a:cs typeface="+mn-cs"/>
-              </a:defRPr>
-            </a:lvl3pPr>
-            <a:lvl4pPr marL="1371600" algn="l" rtl="0" fontAlgn="base">
-              <a:spcBef>
-                <a:spcPct val="0"/>
-              </a:spcBef>
-              <a:spcAft>
-                <a:spcPct val="0"/>
-              </a:spcAft>
-              <a:defRPr kern="1200">
-                <a:solidFill>
-                  <a:schemeClr val="tx1"/>
-                </a:solidFill>
-                <a:latin typeface="Arial" panose="020B0604020202020204" pitchFamily="34" charset="0"/>
-                <a:ea typeface="+mn-ea"/>
-                <a:cs typeface="+mn-cs"/>
-              </a:defRPr>
-            </a:lvl4pPr>
-            <a:lvl5pPr marL="1828800" algn="l" rtl="0" fontAlgn="base">
-              <a:spcBef>
-                <a:spcPct val="0"/>
-              </a:spcBef>
-              <a:spcAft>
-                <a:spcPct val="0"/>
-              </a:spcAft>
-              <a:defRPr kern="1200">
-                <a:solidFill>
-                  <a:schemeClr val="tx1"/>
-                </a:solidFill>
-                <a:latin typeface="Arial" panose="020B0604020202020204" pitchFamily="34" charset="0"/>
-                <a:ea typeface="+mn-ea"/>
-                <a:cs typeface="+mn-cs"/>
-              </a:defRPr>
-            </a:lvl5pPr>
-            <a:lvl6pPr marL="2286000" algn="l" defTabSz="914400" rtl="0" eaLnBrk="1" latinLnBrk="0" hangingPunct="1">
-              <a:defRPr kern="1200">
-                <a:solidFill>
-                  <a:schemeClr val="tx1"/>
-                </a:solidFill>
-                <a:latin typeface="Arial" panose="020B0604020202020204" pitchFamily="34" charset="0"/>
-                <a:ea typeface="+mn-ea"/>
-                <a:cs typeface="+mn-cs"/>
-              </a:defRPr>
-            </a:lvl6pPr>
-            <a:lvl7pPr marL="2743200" algn="l" defTabSz="914400" rtl="0" eaLnBrk="1" latinLnBrk="0" hangingPunct="1">
-              <a:defRPr kern="1200">
-                <a:solidFill>
-                  <a:schemeClr val="tx1"/>
-                </a:solidFill>
-                <a:latin typeface="Arial" panose="020B0604020202020204" pitchFamily="34" charset="0"/>
-                <a:ea typeface="+mn-ea"/>
-                <a:cs typeface="+mn-cs"/>
-              </a:defRPr>
-            </a:lvl7pPr>
-            <a:lvl8pPr marL="3200400" algn="l" defTabSz="914400" rtl="0" eaLnBrk="1" latinLnBrk="0" hangingPunct="1">
-              <a:defRPr kern="1200">
-                <a:solidFill>
-                  <a:schemeClr val="tx1"/>
-                </a:solidFill>
-                <a:latin typeface="Arial" panose="020B0604020202020204" pitchFamily="34" charset="0"/>
-                <a:ea typeface="+mn-ea"/>
-                <a:cs typeface="+mn-cs"/>
-              </a:defRPr>
-            </a:lvl8pPr>
-            <a:lvl9pPr marL="3657600" algn="l" defTabSz="914400" rtl="0" eaLnBrk="1" latinLnBrk="0" hangingPunct="1">
-              <a:defRPr kern="1200">
-                <a:solidFill>
-                  <a:schemeClr val="tx1"/>
-                </a:solidFill>
-                <a:latin typeface="Arial" panose="020B0604020202020204" pitchFamily="34" charset="0"/>
-                <a:ea typeface="+mn-ea"/>
-                <a:cs typeface="+mn-cs"/>
-              </a:defRPr>
-            </a:lvl9pPr>
-          </a:lstStyle>
-          <a:p>
-            <a:pPr algn="r" fontAlgn="auto">
-              <a:spcBef>
-                <a:spcPts val="0"/>
-              </a:spcBef>
-              <a:spcAft>
-                <a:spcPts val="0"/>
-              </a:spcAft>
-              <a:defRPr/>
-            </a:pPr>
-            <a:r>
-              <a:rPr lang="sr-Latn-RS" dirty="0" smtClean="0">
-                <a:latin typeface="+mn-lt"/>
-              </a:rPr>
-              <a:t>Crna</a:t>
-            </a:r>
-            <a:endParaRPr lang="en-US" dirty="0" smtClean="0">
-              <a:latin typeface="+mn-lt"/>
-            </a:endParaRPr>
-          </a:p>
-          <a:p>
-            <a:pPr algn="r" fontAlgn="auto">
-              <a:spcBef>
-                <a:spcPts val="0"/>
-              </a:spcBef>
-              <a:spcAft>
-                <a:spcPts val="0"/>
-              </a:spcAft>
-              <a:defRPr/>
-            </a:pPr>
-            <a:r>
-              <a:rPr lang="sr-Latn-RS" dirty="0" smtClean="0">
-                <a:latin typeface="+mn-lt"/>
-              </a:rPr>
-              <a:t>Crvena</a:t>
-            </a:r>
-            <a:endParaRPr lang="en-US" dirty="0" smtClean="0">
-              <a:latin typeface="+mn-lt"/>
-            </a:endParaRPr>
-          </a:p>
-          <a:p>
-            <a:pPr algn="r" fontAlgn="auto">
-              <a:spcBef>
-                <a:spcPts val="0"/>
-              </a:spcBef>
-              <a:spcAft>
-                <a:spcPts val="0"/>
-              </a:spcAft>
-              <a:defRPr/>
-            </a:pPr>
-            <a:r>
-              <a:rPr lang="sr-Latn-RS" dirty="0" smtClean="0">
-                <a:latin typeface="+mn-lt"/>
-              </a:rPr>
-              <a:t>Plava</a:t>
-            </a:r>
-            <a:endParaRPr lang="en-US" dirty="0">
-              <a:latin typeface="+mn-lt"/>
-            </a:endParaRPr>
-          </a:p>
-          <a:p>
-            <a:pPr algn="r" fontAlgn="auto">
-              <a:spcBef>
-                <a:spcPts val="0"/>
-              </a:spcBef>
-              <a:spcAft>
-                <a:spcPts val="0"/>
-              </a:spcAft>
-              <a:defRPr/>
-            </a:pPr>
-            <a:r>
-              <a:rPr lang="sr-Latn-RS" dirty="0" smtClean="0">
-                <a:latin typeface="+mn-lt"/>
-              </a:rPr>
-              <a:t>Zelena</a:t>
-            </a:r>
-            <a:endParaRPr lang="en-US" dirty="0">
-              <a:latin typeface="+mn-lt"/>
-            </a:endParaRPr>
-          </a:p>
-          <a:p>
-            <a:pPr algn="r" fontAlgn="auto">
-              <a:spcBef>
-                <a:spcPts val="0"/>
-              </a:spcBef>
-              <a:spcAft>
-                <a:spcPts val="0"/>
-              </a:spcAft>
-              <a:defRPr/>
-            </a:pPr>
-            <a:r>
-              <a:rPr lang="sr-Latn-RS" dirty="0" smtClean="0">
-                <a:latin typeface="+mn-lt"/>
-              </a:rPr>
-              <a:t>Metalik siva</a:t>
-            </a:r>
-            <a:endParaRPr lang="en-US" dirty="0">
-              <a:latin typeface="+mn-lt"/>
-            </a:endParaRPr>
-          </a:p>
-          <a:p>
-            <a:pPr algn="r" fontAlgn="auto">
-              <a:spcBef>
-                <a:spcPts val="0"/>
-              </a:spcBef>
-              <a:spcAft>
-                <a:spcPts val="0"/>
-              </a:spcAft>
-              <a:defRPr/>
-            </a:pPr>
-            <a:r>
-              <a:rPr lang="sr-Latn-RS" dirty="0" smtClean="0">
-                <a:latin typeface="+mn-lt"/>
-              </a:rPr>
-              <a:t>Bela</a:t>
-            </a:r>
-            <a:endParaRPr lang="en-US" dirty="0">
-              <a:latin typeface="+mn-lt"/>
-            </a:endParaRPr>
-          </a:p>
-        </p:txBody>
-      </p:sp>
-      <p:cxnSp>
-        <p:nvCxnSpPr>
-          <p:cNvPr id="26" name="Straight Connector 25"/>
-          <p:cNvCxnSpPr/>
-          <p:nvPr/>
-        </p:nvCxnSpPr>
-        <p:spPr>
-          <a:xfrm flipV="1">
-            <a:off x="3916509" y="2887663"/>
-            <a:ext cx="0" cy="685800"/>
-          </a:xfrm>
-          <a:prstGeom prst="line">
-            <a:avLst/>
-          </a:prstGeom>
-          <a:ln/>
-        </p:spPr>
-        <p:style>
-          <a:lnRef idx="2">
-            <a:schemeClr val="dk1">
-              <a:shade val="50000"/>
-            </a:schemeClr>
-          </a:lnRef>
-          <a:fillRef idx="1">
-            <a:schemeClr val="dk1"/>
-          </a:fillRef>
-          <a:effectRef idx="0">
-            <a:schemeClr val="dk1"/>
-          </a:effectRef>
-          <a:fontRef idx="minor">
-            <a:schemeClr val="lt1"/>
-          </a:fontRef>
-        </p:style>
-      </p:cxnSp>
-      <p:cxnSp>
-        <p:nvCxnSpPr>
-          <p:cNvPr id="27" name="Straight Connector 26"/>
-          <p:cNvCxnSpPr/>
-          <p:nvPr/>
-        </p:nvCxnSpPr>
-        <p:spPr>
-          <a:xfrm flipV="1">
-            <a:off x="4178447" y="2887663"/>
-            <a:ext cx="0" cy="685800"/>
-          </a:xfrm>
-          <a:prstGeom prst="line">
-            <a:avLst/>
-          </a:prstGeom>
-          <a:ln/>
-        </p:spPr>
-        <p:style>
-          <a:lnRef idx="2">
-            <a:schemeClr val="dk1">
-              <a:shade val="50000"/>
-            </a:schemeClr>
-          </a:lnRef>
-          <a:fillRef idx="1">
-            <a:schemeClr val="dk1"/>
-          </a:fillRef>
-          <a:effectRef idx="0">
-            <a:schemeClr val="dk1"/>
-          </a:effectRef>
-          <a:fontRef idx="minor">
-            <a:schemeClr val="lt1"/>
-          </a:fontRef>
-        </p:style>
-      </p:cxnSp>
-      <p:cxnSp>
-        <p:nvCxnSpPr>
-          <p:cNvPr id="28" name="Straight Connector 27"/>
-          <p:cNvCxnSpPr/>
-          <p:nvPr/>
-        </p:nvCxnSpPr>
-        <p:spPr>
-          <a:xfrm flipV="1">
-            <a:off x="4472134" y="2887663"/>
-            <a:ext cx="0" cy="685800"/>
-          </a:xfrm>
-          <a:prstGeom prst="line">
-            <a:avLst/>
-          </a:prstGeom>
-          <a:ln/>
-        </p:spPr>
-        <p:style>
-          <a:lnRef idx="2">
-            <a:schemeClr val="dk1">
-              <a:shade val="50000"/>
-            </a:schemeClr>
-          </a:lnRef>
-          <a:fillRef idx="1">
-            <a:schemeClr val="dk1"/>
-          </a:fillRef>
-          <a:effectRef idx="0">
-            <a:schemeClr val="dk1"/>
-          </a:effectRef>
-          <a:fontRef idx="minor">
-            <a:schemeClr val="lt1"/>
-          </a:fontRef>
-        </p:style>
-      </p:cxnSp>
-      <p:cxnSp>
-        <p:nvCxnSpPr>
-          <p:cNvPr id="29" name="Straight Connector 28"/>
-          <p:cNvCxnSpPr/>
-          <p:nvPr/>
-        </p:nvCxnSpPr>
-        <p:spPr>
-          <a:xfrm flipV="1">
-            <a:off x="4734072" y="2887663"/>
-            <a:ext cx="0" cy="685800"/>
-          </a:xfrm>
-          <a:prstGeom prst="line">
-            <a:avLst/>
-          </a:prstGeom>
-          <a:ln/>
-        </p:spPr>
-        <p:style>
-          <a:lnRef idx="2">
-            <a:schemeClr val="dk1">
-              <a:shade val="50000"/>
-            </a:schemeClr>
-          </a:lnRef>
-          <a:fillRef idx="1">
-            <a:schemeClr val="dk1"/>
-          </a:fillRef>
-          <a:effectRef idx="0">
-            <a:schemeClr val="dk1"/>
-          </a:effectRef>
-          <a:fontRef idx="minor">
-            <a:schemeClr val="lt1"/>
-          </a:fontRef>
-        </p:style>
-      </p:cxnSp>
-      <p:cxnSp>
-        <p:nvCxnSpPr>
-          <p:cNvPr id="30" name="Straight Connector 29"/>
-          <p:cNvCxnSpPr/>
-          <p:nvPr/>
-        </p:nvCxnSpPr>
-        <p:spPr>
-          <a:xfrm flipV="1">
-            <a:off x="5005534" y="2887663"/>
-            <a:ext cx="0" cy="685800"/>
-          </a:xfrm>
-          <a:prstGeom prst="line">
-            <a:avLst/>
-          </a:prstGeom>
-          <a:ln/>
-        </p:spPr>
-        <p:style>
-          <a:lnRef idx="2">
-            <a:schemeClr val="dk1">
-              <a:shade val="50000"/>
-            </a:schemeClr>
-          </a:lnRef>
-          <a:fillRef idx="1">
-            <a:schemeClr val="dk1"/>
-          </a:fillRef>
-          <a:effectRef idx="0">
-            <a:schemeClr val="dk1"/>
-          </a:effectRef>
-          <a:fontRef idx="minor">
-            <a:schemeClr val="lt1"/>
-          </a:fontRef>
-        </p:style>
-      </p:cxnSp>
-      <p:cxnSp>
-        <p:nvCxnSpPr>
-          <p:cNvPr id="31" name="Straight Connector 30"/>
-          <p:cNvCxnSpPr/>
-          <p:nvPr/>
-        </p:nvCxnSpPr>
-        <p:spPr>
-          <a:xfrm flipV="1">
-            <a:off x="5267472" y="2887663"/>
-            <a:ext cx="0" cy="685800"/>
-          </a:xfrm>
-          <a:prstGeom prst="line">
-            <a:avLst/>
-          </a:prstGeom>
-          <a:ln/>
-        </p:spPr>
-        <p:style>
-          <a:lnRef idx="2">
-            <a:schemeClr val="dk1">
-              <a:shade val="50000"/>
-            </a:schemeClr>
-          </a:lnRef>
-          <a:fillRef idx="1">
-            <a:schemeClr val="dk1"/>
-          </a:fillRef>
-          <a:effectRef idx="0">
-            <a:schemeClr val="dk1"/>
-          </a:effectRef>
-          <a:fontRef idx="minor">
-            <a:schemeClr val="lt1"/>
-          </a:fontRef>
-        </p:style>
-      </p:cxnSp>
-      <p:sp>
-        <p:nvSpPr>
-          <p:cNvPr id="33" name="TextBox 39"/>
-          <p:cNvSpPr txBox="1"/>
-          <p:nvPr/>
-        </p:nvSpPr>
-        <p:spPr>
-          <a:xfrm>
-            <a:off x="4156577" y="2201863"/>
-            <a:ext cx="1107996" cy="588167"/>
+          <a:xfrm rot="5400000">
+            <a:off x="692645" y="1305014"/>
+            <a:ext cx="400110" cy="966865"/>
           </a:xfrm>
           <a:prstGeom prst="rect">
             <a:avLst/>
@@ -14679,12 +11801,1195 @@
               <a:defRPr/>
             </a:pPr>
             <a:r>
-              <a:rPr lang="sr-Latn-RS" sz="1400" dirty="0" smtClean="0"/>
-              <a:t>Boja</a:t>
-            </a:r>
-            <a:r>
               <a:rPr lang="en-US" sz="1400" dirty="0" smtClean="0"/>
-              <a:t> (Color)</a:t>
+              <a:t>Car Body</a:t>
+            </a:r>
+            <a:endParaRPr lang="en-US" dirty="0"/>
+          </a:p>
+        </p:txBody>
+      </p:sp>
+      <p:sp>
+        <p:nvSpPr>
+          <p:cNvPr id="2" name="Title 1"/>
+          <p:cNvSpPr>
+            <a:spLocks noGrp="1"/>
+          </p:cNvSpPr>
+          <p:nvPr>
+            <p:ph type="title"/>
+          </p:nvPr>
+        </p:nvSpPr>
+        <p:spPr>
+          <a:xfrm>
+            <a:off x="677334" y="609600"/>
+            <a:ext cx="8596668" cy="708837"/>
+          </a:xfrm>
+        </p:spPr>
+        <p:txBody>
+          <a:bodyPr/>
+          <a:lstStyle/>
+          <a:p>
+            <a:r>
+              <a:rPr lang="sr-Latn-RS" dirty="0" smtClean="0"/>
+              <a:t>Silos</a:t>
+            </a:r>
+            <a:endParaRPr lang="en-US" dirty="0"/>
+          </a:p>
+        </p:txBody>
+      </p:sp>
+      <p:sp>
+        <p:nvSpPr>
+          <p:cNvPr id="5" name="TextBox 3"/>
+          <p:cNvSpPr txBox="1"/>
+          <p:nvPr/>
+        </p:nvSpPr>
+        <p:spPr>
+          <a:xfrm>
+            <a:off x="-50586" y="3585772"/>
+            <a:ext cx="1846659" cy="1300629"/>
+          </a:xfrm>
+          <a:prstGeom prst="rect">
+            <a:avLst/>
+          </a:prstGeom>
+          <a:noFill/>
+        </p:spPr>
+        <p:txBody>
+          <a:bodyPr vert="vert270" wrap="square">
+            <a:spAutoFit/>
+          </a:bodyPr>
+          <a:lstStyle>
+            <a:defPPr>
+              <a:defRPr lang="en-US"/>
+            </a:defPPr>
+            <a:lvl1pPr algn="l" rtl="0" fontAlgn="base">
+              <a:spcBef>
+                <a:spcPct val="0"/>
+              </a:spcBef>
+              <a:spcAft>
+                <a:spcPct val="0"/>
+              </a:spcAft>
+              <a:defRPr kern="1200">
+                <a:solidFill>
+                  <a:schemeClr val="tx1"/>
+                </a:solidFill>
+                <a:latin typeface="Arial" panose="020B0604020202020204" pitchFamily="34" charset="0"/>
+                <a:ea typeface="+mn-ea"/>
+                <a:cs typeface="+mn-cs"/>
+              </a:defRPr>
+            </a:lvl1pPr>
+            <a:lvl2pPr marL="457200" algn="l" rtl="0" fontAlgn="base">
+              <a:spcBef>
+                <a:spcPct val="0"/>
+              </a:spcBef>
+              <a:spcAft>
+                <a:spcPct val="0"/>
+              </a:spcAft>
+              <a:defRPr kern="1200">
+                <a:solidFill>
+                  <a:schemeClr val="tx1"/>
+                </a:solidFill>
+                <a:latin typeface="Arial" panose="020B0604020202020204" pitchFamily="34" charset="0"/>
+                <a:ea typeface="+mn-ea"/>
+                <a:cs typeface="+mn-cs"/>
+              </a:defRPr>
+            </a:lvl2pPr>
+            <a:lvl3pPr marL="914400" algn="l" rtl="0" fontAlgn="base">
+              <a:spcBef>
+                <a:spcPct val="0"/>
+              </a:spcBef>
+              <a:spcAft>
+                <a:spcPct val="0"/>
+              </a:spcAft>
+              <a:defRPr kern="1200">
+                <a:solidFill>
+                  <a:schemeClr val="tx1"/>
+                </a:solidFill>
+                <a:latin typeface="Arial" panose="020B0604020202020204" pitchFamily="34" charset="0"/>
+                <a:ea typeface="+mn-ea"/>
+                <a:cs typeface="+mn-cs"/>
+              </a:defRPr>
+            </a:lvl3pPr>
+            <a:lvl4pPr marL="1371600" algn="l" rtl="0" fontAlgn="base">
+              <a:spcBef>
+                <a:spcPct val="0"/>
+              </a:spcBef>
+              <a:spcAft>
+                <a:spcPct val="0"/>
+              </a:spcAft>
+              <a:defRPr kern="1200">
+                <a:solidFill>
+                  <a:schemeClr val="tx1"/>
+                </a:solidFill>
+                <a:latin typeface="Arial" panose="020B0604020202020204" pitchFamily="34" charset="0"/>
+                <a:ea typeface="+mn-ea"/>
+                <a:cs typeface="+mn-cs"/>
+              </a:defRPr>
+            </a:lvl4pPr>
+            <a:lvl5pPr marL="1828800" algn="l" rtl="0" fontAlgn="base">
+              <a:spcBef>
+                <a:spcPct val="0"/>
+              </a:spcBef>
+              <a:spcAft>
+                <a:spcPct val="0"/>
+              </a:spcAft>
+              <a:defRPr kern="1200">
+                <a:solidFill>
+                  <a:schemeClr val="tx1"/>
+                </a:solidFill>
+                <a:latin typeface="Arial" panose="020B0604020202020204" pitchFamily="34" charset="0"/>
+                <a:ea typeface="+mn-ea"/>
+                <a:cs typeface="+mn-cs"/>
+              </a:defRPr>
+            </a:lvl5pPr>
+            <a:lvl6pPr marL="2286000" algn="l" defTabSz="914400" rtl="0" eaLnBrk="1" latinLnBrk="0" hangingPunct="1">
+              <a:defRPr kern="1200">
+                <a:solidFill>
+                  <a:schemeClr val="tx1"/>
+                </a:solidFill>
+                <a:latin typeface="Arial" panose="020B0604020202020204" pitchFamily="34" charset="0"/>
+                <a:ea typeface="+mn-ea"/>
+                <a:cs typeface="+mn-cs"/>
+              </a:defRPr>
+            </a:lvl6pPr>
+            <a:lvl7pPr marL="2743200" algn="l" defTabSz="914400" rtl="0" eaLnBrk="1" latinLnBrk="0" hangingPunct="1">
+              <a:defRPr kern="1200">
+                <a:solidFill>
+                  <a:schemeClr val="tx1"/>
+                </a:solidFill>
+                <a:latin typeface="Arial" panose="020B0604020202020204" pitchFamily="34" charset="0"/>
+                <a:ea typeface="+mn-ea"/>
+                <a:cs typeface="+mn-cs"/>
+              </a:defRPr>
+            </a:lvl7pPr>
+            <a:lvl8pPr marL="3200400" algn="l" defTabSz="914400" rtl="0" eaLnBrk="1" latinLnBrk="0" hangingPunct="1">
+              <a:defRPr kern="1200">
+                <a:solidFill>
+                  <a:schemeClr val="tx1"/>
+                </a:solidFill>
+                <a:latin typeface="Arial" panose="020B0604020202020204" pitchFamily="34" charset="0"/>
+                <a:ea typeface="+mn-ea"/>
+                <a:cs typeface="+mn-cs"/>
+              </a:defRPr>
+            </a:lvl8pPr>
+            <a:lvl9pPr marL="3657600" algn="l" defTabSz="914400" rtl="0" eaLnBrk="1" latinLnBrk="0" hangingPunct="1">
+              <a:defRPr kern="1200">
+                <a:solidFill>
+                  <a:schemeClr val="tx1"/>
+                </a:solidFill>
+                <a:latin typeface="Arial" panose="020B0604020202020204" pitchFamily="34" charset="0"/>
+                <a:ea typeface="+mn-ea"/>
+                <a:cs typeface="+mn-cs"/>
+              </a:defRPr>
+            </a:lvl9pPr>
+          </a:lstStyle>
+          <a:p>
+            <a:pPr algn="r" fontAlgn="auto">
+              <a:spcBef>
+                <a:spcPts val="0"/>
+              </a:spcBef>
+              <a:spcAft>
+                <a:spcPts val="0"/>
+              </a:spcAft>
+              <a:defRPr/>
+            </a:pPr>
+            <a:r>
+              <a:rPr lang="en-US" dirty="0" smtClean="0"/>
+              <a:t>Limousine</a:t>
+            </a:r>
+            <a:endParaRPr lang="en-US" dirty="0">
+              <a:latin typeface="+mn-lt"/>
+            </a:endParaRPr>
+          </a:p>
+          <a:p>
+            <a:pPr algn="r" fontAlgn="auto">
+              <a:spcBef>
+                <a:spcPts val="0"/>
+              </a:spcBef>
+              <a:spcAft>
+                <a:spcPts val="0"/>
+              </a:spcAft>
+              <a:defRPr/>
+            </a:pPr>
+            <a:r>
+              <a:rPr lang="en-US" dirty="0"/>
+              <a:t>Hatchback</a:t>
+            </a:r>
+            <a:endParaRPr lang="en-US" dirty="0">
+              <a:latin typeface="+mn-lt"/>
+            </a:endParaRPr>
+          </a:p>
+          <a:p>
+            <a:pPr algn="r" fontAlgn="auto">
+              <a:spcBef>
+                <a:spcPts val="0"/>
+              </a:spcBef>
+              <a:spcAft>
+                <a:spcPts val="0"/>
+              </a:spcAft>
+              <a:defRPr/>
+            </a:pPr>
+            <a:r>
+              <a:rPr lang="en-US" dirty="0" smtClean="0"/>
+              <a:t>Wagon</a:t>
+            </a:r>
+            <a:endParaRPr lang="en-US" dirty="0"/>
+          </a:p>
+          <a:p>
+            <a:pPr algn="r" fontAlgn="auto">
+              <a:spcBef>
+                <a:spcPts val="0"/>
+              </a:spcBef>
+              <a:spcAft>
+                <a:spcPts val="0"/>
+              </a:spcAft>
+              <a:defRPr/>
+            </a:pPr>
+            <a:r>
+              <a:rPr lang="en-US" dirty="0" smtClean="0"/>
+              <a:t>Convertible</a:t>
+            </a:r>
+            <a:endParaRPr lang="en-US" dirty="0"/>
+          </a:p>
+          <a:p>
+            <a:pPr algn="r" fontAlgn="auto">
+              <a:spcBef>
+                <a:spcPts val="0"/>
+              </a:spcBef>
+              <a:spcAft>
+                <a:spcPts val="0"/>
+              </a:spcAft>
+              <a:defRPr/>
+            </a:pPr>
+            <a:r>
+              <a:rPr lang="en-US" dirty="0" smtClean="0"/>
+              <a:t>SUV</a:t>
+            </a:r>
+            <a:endParaRPr lang="en-US" dirty="0"/>
+          </a:p>
+          <a:p>
+            <a:pPr algn="r" fontAlgn="auto">
+              <a:spcBef>
+                <a:spcPts val="0"/>
+              </a:spcBef>
+              <a:spcAft>
+                <a:spcPts val="0"/>
+              </a:spcAft>
+              <a:defRPr/>
+            </a:pPr>
+            <a:r>
+              <a:rPr lang="en-US" dirty="0"/>
+              <a:t>Coupe</a:t>
+            </a:r>
+            <a:endParaRPr lang="en-US" dirty="0">
+              <a:latin typeface="+mn-lt"/>
+            </a:endParaRPr>
+          </a:p>
+        </p:txBody>
+      </p:sp>
+      <p:cxnSp>
+        <p:nvCxnSpPr>
+          <p:cNvPr id="6" name="Straight Connector 5"/>
+          <p:cNvCxnSpPr/>
+          <p:nvPr/>
+        </p:nvCxnSpPr>
+        <p:spPr>
+          <a:xfrm flipV="1">
+            <a:off x="216439" y="2887663"/>
+            <a:ext cx="0" cy="685800"/>
+          </a:xfrm>
+          <a:prstGeom prst="line">
+            <a:avLst/>
+          </a:prstGeom>
+          <a:ln/>
+        </p:spPr>
+        <p:style>
+          <a:lnRef idx="2">
+            <a:schemeClr val="dk1">
+              <a:shade val="50000"/>
+            </a:schemeClr>
+          </a:lnRef>
+          <a:fillRef idx="1">
+            <a:schemeClr val="dk1"/>
+          </a:fillRef>
+          <a:effectRef idx="0">
+            <a:schemeClr val="dk1"/>
+          </a:effectRef>
+          <a:fontRef idx="minor">
+            <a:schemeClr val="lt1"/>
+          </a:fontRef>
+        </p:style>
+      </p:cxnSp>
+      <p:cxnSp>
+        <p:nvCxnSpPr>
+          <p:cNvPr id="7" name="Straight Connector 6"/>
+          <p:cNvCxnSpPr/>
+          <p:nvPr/>
+        </p:nvCxnSpPr>
+        <p:spPr>
+          <a:xfrm flipV="1">
+            <a:off x="478377" y="2887663"/>
+            <a:ext cx="0" cy="685800"/>
+          </a:xfrm>
+          <a:prstGeom prst="line">
+            <a:avLst/>
+          </a:prstGeom>
+          <a:ln/>
+        </p:spPr>
+        <p:style>
+          <a:lnRef idx="2">
+            <a:schemeClr val="dk1">
+              <a:shade val="50000"/>
+            </a:schemeClr>
+          </a:lnRef>
+          <a:fillRef idx="1">
+            <a:schemeClr val="dk1"/>
+          </a:fillRef>
+          <a:effectRef idx="0">
+            <a:schemeClr val="dk1"/>
+          </a:effectRef>
+          <a:fontRef idx="minor">
+            <a:schemeClr val="lt1"/>
+          </a:fontRef>
+        </p:style>
+      </p:cxnSp>
+      <p:cxnSp>
+        <p:nvCxnSpPr>
+          <p:cNvPr id="8" name="Straight Connector 7"/>
+          <p:cNvCxnSpPr/>
+          <p:nvPr/>
+        </p:nvCxnSpPr>
+        <p:spPr>
+          <a:xfrm flipV="1">
+            <a:off x="772064" y="2887663"/>
+            <a:ext cx="0" cy="685800"/>
+          </a:xfrm>
+          <a:prstGeom prst="line">
+            <a:avLst/>
+          </a:prstGeom>
+          <a:ln/>
+        </p:spPr>
+        <p:style>
+          <a:lnRef idx="2">
+            <a:schemeClr val="dk1">
+              <a:shade val="50000"/>
+            </a:schemeClr>
+          </a:lnRef>
+          <a:fillRef idx="1">
+            <a:schemeClr val="dk1"/>
+          </a:fillRef>
+          <a:effectRef idx="0">
+            <a:schemeClr val="dk1"/>
+          </a:effectRef>
+          <a:fontRef idx="minor">
+            <a:schemeClr val="lt1"/>
+          </a:fontRef>
+        </p:style>
+      </p:cxnSp>
+      <p:cxnSp>
+        <p:nvCxnSpPr>
+          <p:cNvPr id="9" name="Straight Connector 8"/>
+          <p:cNvCxnSpPr/>
+          <p:nvPr/>
+        </p:nvCxnSpPr>
+        <p:spPr>
+          <a:xfrm flipV="1">
+            <a:off x="1034002" y="2887663"/>
+            <a:ext cx="0" cy="685800"/>
+          </a:xfrm>
+          <a:prstGeom prst="line">
+            <a:avLst/>
+          </a:prstGeom>
+          <a:ln/>
+        </p:spPr>
+        <p:style>
+          <a:lnRef idx="2">
+            <a:schemeClr val="dk1">
+              <a:shade val="50000"/>
+            </a:schemeClr>
+          </a:lnRef>
+          <a:fillRef idx="1">
+            <a:schemeClr val="dk1"/>
+          </a:fillRef>
+          <a:effectRef idx="0">
+            <a:schemeClr val="dk1"/>
+          </a:effectRef>
+          <a:fontRef idx="minor">
+            <a:schemeClr val="lt1"/>
+          </a:fontRef>
+        </p:style>
+      </p:cxnSp>
+      <p:cxnSp>
+        <p:nvCxnSpPr>
+          <p:cNvPr id="10" name="Straight Connector 9"/>
+          <p:cNvCxnSpPr/>
+          <p:nvPr/>
+        </p:nvCxnSpPr>
+        <p:spPr>
+          <a:xfrm flipV="1">
+            <a:off x="1305464" y="2887663"/>
+            <a:ext cx="0" cy="685800"/>
+          </a:xfrm>
+          <a:prstGeom prst="line">
+            <a:avLst/>
+          </a:prstGeom>
+          <a:ln/>
+        </p:spPr>
+        <p:style>
+          <a:lnRef idx="2">
+            <a:schemeClr val="dk1">
+              <a:shade val="50000"/>
+            </a:schemeClr>
+          </a:lnRef>
+          <a:fillRef idx="1">
+            <a:schemeClr val="dk1"/>
+          </a:fillRef>
+          <a:effectRef idx="0">
+            <a:schemeClr val="dk1"/>
+          </a:effectRef>
+          <a:fontRef idx="minor">
+            <a:schemeClr val="lt1"/>
+          </a:fontRef>
+        </p:style>
+      </p:cxnSp>
+      <p:cxnSp>
+        <p:nvCxnSpPr>
+          <p:cNvPr id="11" name="Straight Connector 10"/>
+          <p:cNvCxnSpPr/>
+          <p:nvPr/>
+        </p:nvCxnSpPr>
+        <p:spPr>
+          <a:xfrm flipV="1">
+            <a:off x="1567402" y="2887663"/>
+            <a:ext cx="0" cy="685800"/>
+          </a:xfrm>
+          <a:prstGeom prst="line">
+            <a:avLst/>
+          </a:prstGeom>
+          <a:ln/>
+        </p:spPr>
+        <p:style>
+          <a:lnRef idx="2">
+            <a:schemeClr val="dk1">
+              <a:shade val="50000"/>
+            </a:schemeClr>
+          </a:lnRef>
+          <a:fillRef idx="1">
+            <a:schemeClr val="dk1"/>
+          </a:fillRef>
+          <a:effectRef idx="0">
+            <a:schemeClr val="dk1"/>
+          </a:effectRef>
+          <a:fontRef idx="minor">
+            <a:schemeClr val="lt1"/>
+          </a:fontRef>
+        </p:style>
+      </p:cxnSp>
+      <p:cxnSp>
+        <p:nvCxnSpPr>
+          <p:cNvPr id="12" name="Straight Connector 11"/>
+          <p:cNvCxnSpPr/>
+          <p:nvPr/>
+        </p:nvCxnSpPr>
+        <p:spPr>
+          <a:xfrm flipV="1">
+            <a:off x="913352" y="1930400"/>
+            <a:ext cx="0" cy="957263"/>
+          </a:xfrm>
+          <a:prstGeom prst="line">
+            <a:avLst/>
+          </a:prstGeom>
+          <a:ln/>
+        </p:spPr>
+        <p:style>
+          <a:lnRef idx="2">
+            <a:schemeClr val="dk1">
+              <a:shade val="50000"/>
+            </a:schemeClr>
+          </a:lnRef>
+          <a:fillRef idx="1">
+            <a:schemeClr val="dk1"/>
+          </a:fillRef>
+          <a:effectRef idx="0">
+            <a:schemeClr val="dk1"/>
+          </a:effectRef>
+          <a:fontRef idx="minor">
+            <a:schemeClr val="lt1"/>
+          </a:fontRef>
+        </p:style>
+      </p:cxnSp>
+      <p:cxnSp>
+        <p:nvCxnSpPr>
+          <p:cNvPr id="14" name="Straight Connector 13"/>
+          <p:cNvCxnSpPr/>
+          <p:nvPr/>
+        </p:nvCxnSpPr>
+        <p:spPr>
+          <a:xfrm>
+            <a:off x="205327" y="2887663"/>
+            <a:ext cx="1371600" cy="0"/>
+          </a:xfrm>
+          <a:prstGeom prst="line">
+            <a:avLst/>
+          </a:prstGeom>
+          <a:ln/>
+        </p:spPr>
+        <p:style>
+          <a:lnRef idx="2">
+            <a:schemeClr val="dk1">
+              <a:shade val="50000"/>
+            </a:schemeClr>
+          </a:lnRef>
+          <a:fillRef idx="1">
+            <a:schemeClr val="dk1"/>
+          </a:fillRef>
+          <a:effectRef idx="0">
+            <a:schemeClr val="dk1"/>
+          </a:effectRef>
+          <a:fontRef idx="minor">
+            <a:schemeClr val="lt1"/>
+          </a:fontRef>
+        </p:style>
+      </p:cxnSp>
+      <p:sp>
+        <p:nvSpPr>
+          <p:cNvPr id="15" name="TextBox 21"/>
+          <p:cNvSpPr txBox="1"/>
+          <p:nvPr/>
+        </p:nvSpPr>
+        <p:spPr>
+          <a:xfrm>
+            <a:off x="1749662" y="3606799"/>
+            <a:ext cx="1846659" cy="1933107"/>
+          </a:xfrm>
+          <a:prstGeom prst="rect">
+            <a:avLst/>
+          </a:prstGeom>
+          <a:noFill/>
+        </p:spPr>
+        <p:txBody>
+          <a:bodyPr vert="vert270" wrap="square">
+            <a:spAutoFit/>
+          </a:bodyPr>
+          <a:lstStyle>
+            <a:defPPr>
+              <a:defRPr lang="en-US"/>
+            </a:defPPr>
+            <a:lvl1pPr algn="l" rtl="0" fontAlgn="base">
+              <a:spcBef>
+                <a:spcPct val="0"/>
+              </a:spcBef>
+              <a:spcAft>
+                <a:spcPct val="0"/>
+              </a:spcAft>
+              <a:defRPr kern="1200">
+                <a:solidFill>
+                  <a:schemeClr val="tx1"/>
+                </a:solidFill>
+                <a:latin typeface="Arial" panose="020B0604020202020204" pitchFamily="34" charset="0"/>
+                <a:ea typeface="+mn-ea"/>
+                <a:cs typeface="+mn-cs"/>
+              </a:defRPr>
+            </a:lvl1pPr>
+            <a:lvl2pPr marL="457200" algn="l" rtl="0" fontAlgn="base">
+              <a:spcBef>
+                <a:spcPct val="0"/>
+              </a:spcBef>
+              <a:spcAft>
+                <a:spcPct val="0"/>
+              </a:spcAft>
+              <a:defRPr kern="1200">
+                <a:solidFill>
+                  <a:schemeClr val="tx1"/>
+                </a:solidFill>
+                <a:latin typeface="Arial" panose="020B0604020202020204" pitchFamily="34" charset="0"/>
+                <a:ea typeface="+mn-ea"/>
+                <a:cs typeface="+mn-cs"/>
+              </a:defRPr>
+            </a:lvl2pPr>
+            <a:lvl3pPr marL="914400" algn="l" rtl="0" fontAlgn="base">
+              <a:spcBef>
+                <a:spcPct val="0"/>
+              </a:spcBef>
+              <a:spcAft>
+                <a:spcPct val="0"/>
+              </a:spcAft>
+              <a:defRPr kern="1200">
+                <a:solidFill>
+                  <a:schemeClr val="tx1"/>
+                </a:solidFill>
+                <a:latin typeface="Arial" panose="020B0604020202020204" pitchFamily="34" charset="0"/>
+                <a:ea typeface="+mn-ea"/>
+                <a:cs typeface="+mn-cs"/>
+              </a:defRPr>
+            </a:lvl3pPr>
+            <a:lvl4pPr marL="1371600" algn="l" rtl="0" fontAlgn="base">
+              <a:spcBef>
+                <a:spcPct val="0"/>
+              </a:spcBef>
+              <a:spcAft>
+                <a:spcPct val="0"/>
+              </a:spcAft>
+              <a:defRPr kern="1200">
+                <a:solidFill>
+                  <a:schemeClr val="tx1"/>
+                </a:solidFill>
+                <a:latin typeface="Arial" panose="020B0604020202020204" pitchFamily="34" charset="0"/>
+                <a:ea typeface="+mn-ea"/>
+                <a:cs typeface="+mn-cs"/>
+              </a:defRPr>
+            </a:lvl4pPr>
+            <a:lvl5pPr marL="1828800" algn="l" rtl="0" fontAlgn="base">
+              <a:spcBef>
+                <a:spcPct val="0"/>
+              </a:spcBef>
+              <a:spcAft>
+                <a:spcPct val="0"/>
+              </a:spcAft>
+              <a:defRPr kern="1200">
+                <a:solidFill>
+                  <a:schemeClr val="tx1"/>
+                </a:solidFill>
+                <a:latin typeface="Arial" panose="020B0604020202020204" pitchFamily="34" charset="0"/>
+                <a:ea typeface="+mn-ea"/>
+                <a:cs typeface="+mn-cs"/>
+              </a:defRPr>
+            </a:lvl5pPr>
+            <a:lvl6pPr marL="2286000" algn="l" defTabSz="914400" rtl="0" eaLnBrk="1" latinLnBrk="0" hangingPunct="1">
+              <a:defRPr kern="1200">
+                <a:solidFill>
+                  <a:schemeClr val="tx1"/>
+                </a:solidFill>
+                <a:latin typeface="Arial" panose="020B0604020202020204" pitchFamily="34" charset="0"/>
+                <a:ea typeface="+mn-ea"/>
+                <a:cs typeface="+mn-cs"/>
+              </a:defRPr>
+            </a:lvl6pPr>
+            <a:lvl7pPr marL="2743200" algn="l" defTabSz="914400" rtl="0" eaLnBrk="1" latinLnBrk="0" hangingPunct="1">
+              <a:defRPr kern="1200">
+                <a:solidFill>
+                  <a:schemeClr val="tx1"/>
+                </a:solidFill>
+                <a:latin typeface="Arial" panose="020B0604020202020204" pitchFamily="34" charset="0"/>
+                <a:ea typeface="+mn-ea"/>
+                <a:cs typeface="+mn-cs"/>
+              </a:defRPr>
+            </a:lvl7pPr>
+            <a:lvl8pPr marL="3200400" algn="l" defTabSz="914400" rtl="0" eaLnBrk="1" latinLnBrk="0" hangingPunct="1">
+              <a:defRPr kern="1200">
+                <a:solidFill>
+                  <a:schemeClr val="tx1"/>
+                </a:solidFill>
+                <a:latin typeface="Arial" panose="020B0604020202020204" pitchFamily="34" charset="0"/>
+                <a:ea typeface="+mn-ea"/>
+                <a:cs typeface="+mn-cs"/>
+              </a:defRPr>
+            </a:lvl8pPr>
+            <a:lvl9pPr marL="3657600" algn="l" defTabSz="914400" rtl="0" eaLnBrk="1" latinLnBrk="0" hangingPunct="1">
+              <a:defRPr kern="1200">
+                <a:solidFill>
+                  <a:schemeClr val="tx1"/>
+                </a:solidFill>
+                <a:latin typeface="Arial" panose="020B0604020202020204" pitchFamily="34" charset="0"/>
+                <a:ea typeface="+mn-ea"/>
+                <a:cs typeface="+mn-cs"/>
+              </a:defRPr>
+            </a:lvl9pPr>
+          </a:lstStyle>
+          <a:p>
+            <a:pPr algn="r" fontAlgn="auto">
+              <a:spcBef>
+                <a:spcPts val="0"/>
+              </a:spcBef>
+              <a:spcAft>
+                <a:spcPts val="0"/>
+              </a:spcAft>
+              <a:defRPr/>
+            </a:pPr>
+            <a:r>
+              <a:rPr lang="en-US" dirty="0" smtClean="0">
+                <a:latin typeface="+mn-lt"/>
+              </a:rPr>
+              <a:t>Petrol</a:t>
+            </a:r>
+            <a:endParaRPr lang="en-US" dirty="0">
+              <a:latin typeface="+mn-lt"/>
+            </a:endParaRPr>
+          </a:p>
+          <a:p>
+            <a:pPr algn="r" fontAlgn="auto">
+              <a:spcBef>
+                <a:spcPts val="0"/>
+              </a:spcBef>
+              <a:spcAft>
+                <a:spcPts val="0"/>
+              </a:spcAft>
+              <a:defRPr/>
+            </a:pPr>
+            <a:r>
+              <a:rPr lang="en-US" dirty="0" smtClean="0"/>
+              <a:t>Diesel</a:t>
+            </a:r>
+            <a:endParaRPr lang="en-US" dirty="0">
+              <a:latin typeface="+mn-lt"/>
+            </a:endParaRPr>
+          </a:p>
+          <a:p>
+            <a:pPr algn="r" fontAlgn="auto">
+              <a:spcBef>
+                <a:spcPts val="0"/>
+              </a:spcBef>
+              <a:spcAft>
+                <a:spcPts val="0"/>
+              </a:spcAft>
+              <a:defRPr/>
+            </a:pPr>
+            <a:r>
+              <a:rPr lang="en-US" dirty="0" smtClean="0">
+                <a:latin typeface="+mn-lt"/>
+              </a:rPr>
+              <a:t>LPG</a:t>
+            </a:r>
+            <a:endParaRPr lang="en-US" dirty="0">
+              <a:latin typeface="+mn-lt"/>
+            </a:endParaRPr>
+          </a:p>
+          <a:p>
+            <a:pPr algn="r" fontAlgn="auto">
+              <a:spcBef>
+                <a:spcPts val="0"/>
+              </a:spcBef>
+              <a:spcAft>
+                <a:spcPts val="0"/>
+              </a:spcAft>
+              <a:defRPr/>
+            </a:pPr>
+            <a:r>
+              <a:rPr lang="en-US" dirty="0" smtClean="0">
+                <a:latin typeface="+mn-lt"/>
+              </a:rPr>
+              <a:t>Methane</a:t>
+            </a:r>
+            <a:endParaRPr lang="en-US" dirty="0">
+              <a:latin typeface="+mn-lt"/>
+            </a:endParaRPr>
+          </a:p>
+          <a:p>
+            <a:pPr algn="r" fontAlgn="auto">
+              <a:spcBef>
+                <a:spcPts val="0"/>
+              </a:spcBef>
+              <a:spcAft>
+                <a:spcPts val="0"/>
+              </a:spcAft>
+              <a:defRPr/>
+            </a:pPr>
+            <a:r>
+              <a:rPr lang="sr-Latn-RS" dirty="0" smtClean="0">
+                <a:latin typeface="+mn-lt"/>
+              </a:rPr>
+              <a:t>Ele</a:t>
+            </a:r>
+            <a:r>
+              <a:rPr lang="en-US" dirty="0" err="1" smtClean="0">
+                <a:latin typeface="+mn-lt"/>
+              </a:rPr>
+              <a:t>ctric</a:t>
+            </a:r>
+            <a:endParaRPr lang="en-US" dirty="0" smtClean="0">
+              <a:latin typeface="+mn-lt"/>
+            </a:endParaRPr>
+          </a:p>
+          <a:p>
+            <a:pPr algn="r" fontAlgn="auto">
+              <a:spcBef>
+                <a:spcPts val="0"/>
+              </a:spcBef>
+              <a:spcAft>
+                <a:spcPts val="0"/>
+              </a:spcAft>
+              <a:defRPr/>
+            </a:pPr>
+            <a:r>
+              <a:rPr lang="en-US" dirty="0" smtClean="0"/>
+              <a:t>Hybrid</a:t>
+            </a:r>
+            <a:endParaRPr lang="en-US" dirty="0">
+              <a:latin typeface="+mn-lt"/>
+            </a:endParaRPr>
+          </a:p>
+        </p:txBody>
+      </p:sp>
+      <p:cxnSp>
+        <p:nvCxnSpPr>
+          <p:cNvPr id="16" name="Straight Connector 15"/>
+          <p:cNvCxnSpPr/>
+          <p:nvPr/>
+        </p:nvCxnSpPr>
+        <p:spPr>
+          <a:xfrm flipV="1">
+            <a:off x="2002377" y="2887663"/>
+            <a:ext cx="0" cy="685800"/>
+          </a:xfrm>
+          <a:prstGeom prst="line">
+            <a:avLst/>
+          </a:prstGeom>
+          <a:ln/>
+        </p:spPr>
+        <p:style>
+          <a:lnRef idx="2">
+            <a:schemeClr val="dk1">
+              <a:shade val="50000"/>
+            </a:schemeClr>
+          </a:lnRef>
+          <a:fillRef idx="1">
+            <a:schemeClr val="dk1"/>
+          </a:fillRef>
+          <a:effectRef idx="0">
+            <a:schemeClr val="dk1"/>
+          </a:effectRef>
+          <a:fontRef idx="minor">
+            <a:schemeClr val="lt1"/>
+          </a:fontRef>
+        </p:style>
+      </p:cxnSp>
+      <p:cxnSp>
+        <p:nvCxnSpPr>
+          <p:cNvPr id="17" name="Straight Connector 16"/>
+          <p:cNvCxnSpPr/>
+          <p:nvPr/>
+        </p:nvCxnSpPr>
+        <p:spPr>
+          <a:xfrm flipV="1">
+            <a:off x="2262727" y="2887663"/>
+            <a:ext cx="0" cy="685800"/>
+          </a:xfrm>
+          <a:prstGeom prst="line">
+            <a:avLst/>
+          </a:prstGeom>
+          <a:ln/>
+        </p:spPr>
+        <p:style>
+          <a:lnRef idx="2">
+            <a:schemeClr val="dk1">
+              <a:shade val="50000"/>
+            </a:schemeClr>
+          </a:lnRef>
+          <a:fillRef idx="1">
+            <a:schemeClr val="dk1"/>
+          </a:fillRef>
+          <a:effectRef idx="0">
+            <a:schemeClr val="dk1"/>
+          </a:effectRef>
+          <a:fontRef idx="minor">
+            <a:schemeClr val="lt1"/>
+          </a:fontRef>
+        </p:style>
+      </p:cxnSp>
+      <p:cxnSp>
+        <p:nvCxnSpPr>
+          <p:cNvPr id="18" name="Straight Connector 17"/>
+          <p:cNvCxnSpPr/>
+          <p:nvPr/>
+        </p:nvCxnSpPr>
+        <p:spPr>
+          <a:xfrm flipV="1">
+            <a:off x="2558002" y="2887663"/>
+            <a:ext cx="0" cy="685800"/>
+          </a:xfrm>
+          <a:prstGeom prst="line">
+            <a:avLst/>
+          </a:prstGeom>
+          <a:ln/>
+        </p:spPr>
+        <p:style>
+          <a:lnRef idx="2">
+            <a:schemeClr val="dk1">
+              <a:shade val="50000"/>
+            </a:schemeClr>
+          </a:lnRef>
+          <a:fillRef idx="1">
+            <a:schemeClr val="dk1"/>
+          </a:fillRef>
+          <a:effectRef idx="0">
+            <a:schemeClr val="dk1"/>
+          </a:effectRef>
+          <a:fontRef idx="minor">
+            <a:schemeClr val="lt1"/>
+          </a:fontRef>
+        </p:style>
+      </p:cxnSp>
+      <p:cxnSp>
+        <p:nvCxnSpPr>
+          <p:cNvPr id="19" name="Straight Connector 18"/>
+          <p:cNvCxnSpPr/>
+          <p:nvPr/>
+        </p:nvCxnSpPr>
+        <p:spPr>
+          <a:xfrm flipV="1">
+            <a:off x="2818352" y="2887663"/>
+            <a:ext cx="0" cy="685800"/>
+          </a:xfrm>
+          <a:prstGeom prst="line">
+            <a:avLst/>
+          </a:prstGeom>
+          <a:ln/>
+        </p:spPr>
+        <p:style>
+          <a:lnRef idx="2">
+            <a:schemeClr val="dk1">
+              <a:shade val="50000"/>
+            </a:schemeClr>
+          </a:lnRef>
+          <a:fillRef idx="1">
+            <a:schemeClr val="dk1"/>
+          </a:fillRef>
+          <a:effectRef idx="0">
+            <a:schemeClr val="dk1"/>
+          </a:effectRef>
+          <a:fontRef idx="minor">
+            <a:schemeClr val="lt1"/>
+          </a:fontRef>
+        </p:style>
+      </p:cxnSp>
+      <p:cxnSp>
+        <p:nvCxnSpPr>
+          <p:cNvPr id="20" name="Straight Connector 19"/>
+          <p:cNvCxnSpPr/>
+          <p:nvPr/>
+        </p:nvCxnSpPr>
+        <p:spPr>
+          <a:xfrm flipV="1">
+            <a:off x="3091402" y="2887663"/>
+            <a:ext cx="0" cy="685800"/>
+          </a:xfrm>
+          <a:prstGeom prst="line">
+            <a:avLst/>
+          </a:prstGeom>
+          <a:ln/>
+        </p:spPr>
+        <p:style>
+          <a:lnRef idx="2">
+            <a:schemeClr val="dk1">
+              <a:shade val="50000"/>
+            </a:schemeClr>
+          </a:lnRef>
+          <a:fillRef idx="1">
+            <a:schemeClr val="dk1"/>
+          </a:fillRef>
+          <a:effectRef idx="0">
+            <a:schemeClr val="dk1"/>
+          </a:effectRef>
+          <a:fontRef idx="minor">
+            <a:schemeClr val="lt1"/>
+          </a:fontRef>
+        </p:style>
+      </p:cxnSp>
+      <p:cxnSp>
+        <p:nvCxnSpPr>
+          <p:cNvPr id="21" name="Straight Connector 20"/>
+          <p:cNvCxnSpPr/>
+          <p:nvPr/>
+        </p:nvCxnSpPr>
+        <p:spPr>
+          <a:xfrm flipV="1">
+            <a:off x="3351752" y="2887663"/>
+            <a:ext cx="0" cy="685800"/>
+          </a:xfrm>
+          <a:prstGeom prst="line">
+            <a:avLst/>
+          </a:prstGeom>
+          <a:ln/>
+        </p:spPr>
+        <p:style>
+          <a:lnRef idx="2">
+            <a:schemeClr val="dk1">
+              <a:shade val="50000"/>
+            </a:schemeClr>
+          </a:lnRef>
+          <a:fillRef idx="1">
+            <a:schemeClr val="dk1"/>
+          </a:fillRef>
+          <a:effectRef idx="0">
+            <a:schemeClr val="dk1"/>
+          </a:effectRef>
+          <a:fontRef idx="minor">
+            <a:schemeClr val="lt1"/>
+          </a:fontRef>
+        </p:style>
+      </p:cxnSp>
+      <p:sp>
+        <p:nvSpPr>
+          <p:cNvPr id="23" name="TextBox 29"/>
+          <p:cNvSpPr txBox="1"/>
+          <p:nvPr/>
+        </p:nvSpPr>
+        <p:spPr>
+          <a:xfrm rot="5400000">
+            <a:off x="2333361" y="1650396"/>
+            <a:ext cx="677108" cy="519782"/>
+          </a:xfrm>
+          <a:prstGeom prst="rect">
+            <a:avLst/>
+          </a:prstGeom>
+          <a:ln>
+            <a:noFill/>
+          </a:ln>
+        </p:spPr>
+        <p:style>
+          <a:lnRef idx="2">
+            <a:schemeClr val="dk1"/>
+          </a:lnRef>
+          <a:fillRef idx="1">
+            <a:schemeClr val="lt1"/>
+          </a:fillRef>
+          <a:effectRef idx="0">
+            <a:schemeClr val="dk1"/>
+          </a:effectRef>
+          <a:fontRef idx="minor">
+            <a:schemeClr val="dk1"/>
+          </a:fontRef>
+        </p:style>
+        <p:txBody>
+          <a:bodyPr vert="vert270" wrap="square">
+            <a:spAutoFit/>
+          </a:bodyPr>
+          <a:lstStyle>
+            <a:defPPr>
+              <a:defRPr lang="en-US"/>
+            </a:defPPr>
+            <a:lvl1pPr algn="l" rtl="0" fontAlgn="base">
+              <a:spcBef>
+                <a:spcPct val="0"/>
+              </a:spcBef>
+              <a:spcAft>
+                <a:spcPct val="0"/>
+              </a:spcAft>
+              <a:defRPr kern="1200">
+                <a:solidFill>
+                  <a:schemeClr val="dk1"/>
+                </a:solidFill>
+                <a:latin typeface="+mn-lt"/>
+                <a:ea typeface="+mn-ea"/>
+                <a:cs typeface="+mn-cs"/>
+              </a:defRPr>
+            </a:lvl1pPr>
+            <a:lvl2pPr marL="457200" algn="l" rtl="0" fontAlgn="base">
+              <a:spcBef>
+                <a:spcPct val="0"/>
+              </a:spcBef>
+              <a:spcAft>
+                <a:spcPct val="0"/>
+              </a:spcAft>
+              <a:defRPr kern="1200">
+                <a:solidFill>
+                  <a:schemeClr val="dk1"/>
+                </a:solidFill>
+                <a:latin typeface="+mn-lt"/>
+                <a:ea typeface="+mn-ea"/>
+                <a:cs typeface="+mn-cs"/>
+              </a:defRPr>
+            </a:lvl2pPr>
+            <a:lvl3pPr marL="914400" algn="l" rtl="0" fontAlgn="base">
+              <a:spcBef>
+                <a:spcPct val="0"/>
+              </a:spcBef>
+              <a:spcAft>
+                <a:spcPct val="0"/>
+              </a:spcAft>
+              <a:defRPr kern="1200">
+                <a:solidFill>
+                  <a:schemeClr val="dk1"/>
+                </a:solidFill>
+                <a:latin typeface="+mn-lt"/>
+                <a:ea typeface="+mn-ea"/>
+                <a:cs typeface="+mn-cs"/>
+              </a:defRPr>
+            </a:lvl3pPr>
+            <a:lvl4pPr marL="1371600" algn="l" rtl="0" fontAlgn="base">
+              <a:spcBef>
+                <a:spcPct val="0"/>
+              </a:spcBef>
+              <a:spcAft>
+                <a:spcPct val="0"/>
+              </a:spcAft>
+              <a:defRPr kern="1200">
+                <a:solidFill>
+                  <a:schemeClr val="dk1"/>
+                </a:solidFill>
+                <a:latin typeface="+mn-lt"/>
+                <a:ea typeface="+mn-ea"/>
+                <a:cs typeface="+mn-cs"/>
+              </a:defRPr>
+            </a:lvl4pPr>
+            <a:lvl5pPr marL="1828800" algn="l" rtl="0" fontAlgn="base">
+              <a:spcBef>
+                <a:spcPct val="0"/>
+              </a:spcBef>
+              <a:spcAft>
+                <a:spcPct val="0"/>
+              </a:spcAft>
+              <a:defRPr kern="1200">
+                <a:solidFill>
+                  <a:schemeClr val="dk1"/>
+                </a:solidFill>
+                <a:latin typeface="+mn-lt"/>
+                <a:ea typeface="+mn-ea"/>
+                <a:cs typeface="+mn-cs"/>
+              </a:defRPr>
+            </a:lvl5pPr>
+            <a:lvl6pPr marL="2286000" algn="l" defTabSz="914400" rtl="0" eaLnBrk="1" latinLnBrk="0" hangingPunct="1">
+              <a:defRPr kern="1200">
+                <a:solidFill>
+                  <a:schemeClr val="dk1"/>
+                </a:solidFill>
+                <a:latin typeface="+mn-lt"/>
+                <a:ea typeface="+mn-ea"/>
+                <a:cs typeface="+mn-cs"/>
+              </a:defRPr>
+            </a:lvl6pPr>
+            <a:lvl7pPr marL="2743200" algn="l" defTabSz="914400" rtl="0" eaLnBrk="1" latinLnBrk="0" hangingPunct="1">
+              <a:defRPr kern="1200">
+                <a:solidFill>
+                  <a:schemeClr val="dk1"/>
+                </a:solidFill>
+                <a:latin typeface="+mn-lt"/>
+                <a:ea typeface="+mn-ea"/>
+                <a:cs typeface="+mn-cs"/>
+              </a:defRPr>
+            </a:lvl7pPr>
+            <a:lvl8pPr marL="3200400" algn="l" defTabSz="914400" rtl="0" eaLnBrk="1" latinLnBrk="0" hangingPunct="1">
+              <a:defRPr kern="1200">
+                <a:solidFill>
+                  <a:schemeClr val="dk1"/>
+                </a:solidFill>
+                <a:latin typeface="+mn-lt"/>
+                <a:ea typeface="+mn-ea"/>
+                <a:cs typeface="+mn-cs"/>
+              </a:defRPr>
+            </a:lvl8pPr>
+            <a:lvl9pPr marL="3657600" algn="l" defTabSz="914400" rtl="0" eaLnBrk="1" latinLnBrk="0" hangingPunct="1">
+              <a:defRPr kern="1200">
+                <a:solidFill>
+                  <a:schemeClr val="dk1"/>
+                </a:solidFill>
+                <a:latin typeface="+mn-lt"/>
+                <a:ea typeface="+mn-ea"/>
+                <a:cs typeface="+mn-cs"/>
+              </a:defRPr>
+            </a:lvl9pPr>
+          </a:lstStyle>
+          <a:p>
+            <a:pPr algn="r" fontAlgn="auto">
+              <a:spcBef>
+                <a:spcPts val="0"/>
+              </a:spcBef>
+              <a:spcAft>
+                <a:spcPts val="0"/>
+              </a:spcAft>
+              <a:defRPr/>
+            </a:pPr>
+            <a:r>
+              <a:rPr lang="en-US" sz="1400" dirty="0" smtClean="0"/>
+              <a:t>Fuel</a:t>
             </a:r>
             <a:endParaRPr lang="en-US" sz="1400" dirty="0"/>
           </a:p>
@@ -14704,13 +13009,729 @@
       </p:sp>
       <p:cxnSp>
         <p:nvCxnSpPr>
+          <p:cNvPr id="22" name="Straight Connector 21"/>
+          <p:cNvCxnSpPr/>
+          <p:nvPr/>
+        </p:nvCxnSpPr>
+        <p:spPr>
+          <a:xfrm flipV="1">
+            <a:off x="2699289" y="1930400"/>
+            <a:ext cx="0" cy="957263"/>
+          </a:xfrm>
+          <a:prstGeom prst="line">
+            <a:avLst/>
+          </a:prstGeom>
+          <a:ln/>
+        </p:spPr>
+        <p:style>
+          <a:lnRef idx="2">
+            <a:schemeClr val="dk1">
+              <a:shade val="50000"/>
+            </a:schemeClr>
+          </a:lnRef>
+          <a:fillRef idx="1">
+            <a:schemeClr val="dk1"/>
+          </a:fillRef>
+          <a:effectRef idx="0">
+            <a:schemeClr val="dk1"/>
+          </a:effectRef>
+          <a:fontRef idx="minor">
+            <a:schemeClr val="lt1"/>
+          </a:fontRef>
+        </p:style>
+      </p:cxnSp>
+      <p:cxnSp>
+        <p:nvCxnSpPr>
+          <p:cNvPr id="24" name="Straight Connector 23"/>
+          <p:cNvCxnSpPr/>
+          <p:nvPr/>
+        </p:nvCxnSpPr>
+        <p:spPr>
+          <a:xfrm>
+            <a:off x="1991264" y="2887663"/>
+            <a:ext cx="1371600" cy="0"/>
+          </a:xfrm>
+          <a:prstGeom prst="line">
+            <a:avLst/>
+          </a:prstGeom>
+          <a:ln/>
+        </p:spPr>
+        <p:style>
+          <a:lnRef idx="2">
+            <a:schemeClr val="dk1">
+              <a:shade val="50000"/>
+            </a:schemeClr>
+          </a:lnRef>
+          <a:fillRef idx="1">
+            <a:schemeClr val="dk1"/>
+          </a:fillRef>
+          <a:effectRef idx="0">
+            <a:schemeClr val="dk1"/>
+          </a:effectRef>
+          <a:fontRef idx="minor">
+            <a:schemeClr val="lt1"/>
+          </a:fontRef>
+        </p:style>
+      </p:cxnSp>
+      <p:sp>
+        <p:nvSpPr>
+          <p:cNvPr id="25" name="TextBox 31"/>
+          <p:cNvSpPr txBox="1"/>
+          <p:nvPr/>
+        </p:nvSpPr>
+        <p:spPr>
+          <a:xfrm>
+            <a:off x="3469604" y="3606800"/>
+            <a:ext cx="1846659" cy="1600200"/>
+          </a:xfrm>
+          <a:prstGeom prst="rect">
+            <a:avLst/>
+          </a:prstGeom>
+          <a:noFill/>
+        </p:spPr>
+        <p:txBody>
+          <a:bodyPr vert="vert270">
+            <a:spAutoFit/>
+          </a:bodyPr>
+          <a:lstStyle>
+            <a:defPPr>
+              <a:defRPr lang="en-US"/>
+            </a:defPPr>
+            <a:lvl1pPr algn="l" rtl="0" fontAlgn="base">
+              <a:spcBef>
+                <a:spcPct val="0"/>
+              </a:spcBef>
+              <a:spcAft>
+                <a:spcPct val="0"/>
+              </a:spcAft>
+              <a:defRPr kern="1200">
+                <a:solidFill>
+                  <a:schemeClr val="tx1"/>
+                </a:solidFill>
+                <a:latin typeface="Arial" panose="020B0604020202020204" pitchFamily="34" charset="0"/>
+                <a:ea typeface="+mn-ea"/>
+                <a:cs typeface="+mn-cs"/>
+              </a:defRPr>
+            </a:lvl1pPr>
+            <a:lvl2pPr marL="457200" algn="l" rtl="0" fontAlgn="base">
+              <a:spcBef>
+                <a:spcPct val="0"/>
+              </a:spcBef>
+              <a:spcAft>
+                <a:spcPct val="0"/>
+              </a:spcAft>
+              <a:defRPr kern="1200">
+                <a:solidFill>
+                  <a:schemeClr val="tx1"/>
+                </a:solidFill>
+                <a:latin typeface="Arial" panose="020B0604020202020204" pitchFamily="34" charset="0"/>
+                <a:ea typeface="+mn-ea"/>
+                <a:cs typeface="+mn-cs"/>
+              </a:defRPr>
+            </a:lvl2pPr>
+            <a:lvl3pPr marL="914400" algn="l" rtl="0" fontAlgn="base">
+              <a:spcBef>
+                <a:spcPct val="0"/>
+              </a:spcBef>
+              <a:spcAft>
+                <a:spcPct val="0"/>
+              </a:spcAft>
+              <a:defRPr kern="1200">
+                <a:solidFill>
+                  <a:schemeClr val="tx1"/>
+                </a:solidFill>
+                <a:latin typeface="Arial" panose="020B0604020202020204" pitchFamily="34" charset="0"/>
+                <a:ea typeface="+mn-ea"/>
+                <a:cs typeface="+mn-cs"/>
+              </a:defRPr>
+            </a:lvl3pPr>
+            <a:lvl4pPr marL="1371600" algn="l" rtl="0" fontAlgn="base">
+              <a:spcBef>
+                <a:spcPct val="0"/>
+              </a:spcBef>
+              <a:spcAft>
+                <a:spcPct val="0"/>
+              </a:spcAft>
+              <a:defRPr kern="1200">
+                <a:solidFill>
+                  <a:schemeClr val="tx1"/>
+                </a:solidFill>
+                <a:latin typeface="Arial" panose="020B0604020202020204" pitchFamily="34" charset="0"/>
+                <a:ea typeface="+mn-ea"/>
+                <a:cs typeface="+mn-cs"/>
+              </a:defRPr>
+            </a:lvl4pPr>
+            <a:lvl5pPr marL="1828800" algn="l" rtl="0" fontAlgn="base">
+              <a:spcBef>
+                <a:spcPct val="0"/>
+              </a:spcBef>
+              <a:spcAft>
+                <a:spcPct val="0"/>
+              </a:spcAft>
+              <a:defRPr kern="1200">
+                <a:solidFill>
+                  <a:schemeClr val="tx1"/>
+                </a:solidFill>
+                <a:latin typeface="Arial" panose="020B0604020202020204" pitchFamily="34" charset="0"/>
+                <a:ea typeface="+mn-ea"/>
+                <a:cs typeface="+mn-cs"/>
+              </a:defRPr>
+            </a:lvl5pPr>
+            <a:lvl6pPr marL="2286000" algn="l" defTabSz="914400" rtl="0" eaLnBrk="1" latinLnBrk="0" hangingPunct="1">
+              <a:defRPr kern="1200">
+                <a:solidFill>
+                  <a:schemeClr val="tx1"/>
+                </a:solidFill>
+                <a:latin typeface="Arial" panose="020B0604020202020204" pitchFamily="34" charset="0"/>
+                <a:ea typeface="+mn-ea"/>
+                <a:cs typeface="+mn-cs"/>
+              </a:defRPr>
+            </a:lvl6pPr>
+            <a:lvl7pPr marL="2743200" algn="l" defTabSz="914400" rtl="0" eaLnBrk="1" latinLnBrk="0" hangingPunct="1">
+              <a:defRPr kern="1200">
+                <a:solidFill>
+                  <a:schemeClr val="tx1"/>
+                </a:solidFill>
+                <a:latin typeface="Arial" panose="020B0604020202020204" pitchFamily="34" charset="0"/>
+                <a:ea typeface="+mn-ea"/>
+                <a:cs typeface="+mn-cs"/>
+              </a:defRPr>
+            </a:lvl7pPr>
+            <a:lvl8pPr marL="3200400" algn="l" defTabSz="914400" rtl="0" eaLnBrk="1" latinLnBrk="0" hangingPunct="1">
+              <a:defRPr kern="1200">
+                <a:solidFill>
+                  <a:schemeClr val="tx1"/>
+                </a:solidFill>
+                <a:latin typeface="Arial" panose="020B0604020202020204" pitchFamily="34" charset="0"/>
+                <a:ea typeface="+mn-ea"/>
+                <a:cs typeface="+mn-cs"/>
+              </a:defRPr>
+            </a:lvl8pPr>
+            <a:lvl9pPr marL="3657600" algn="l" defTabSz="914400" rtl="0" eaLnBrk="1" latinLnBrk="0" hangingPunct="1">
+              <a:defRPr kern="1200">
+                <a:solidFill>
+                  <a:schemeClr val="tx1"/>
+                </a:solidFill>
+                <a:latin typeface="Arial" panose="020B0604020202020204" pitchFamily="34" charset="0"/>
+                <a:ea typeface="+mn-ea"/>
+                <a:cs typeface="+mn-cs"/>
+              </a:defRPr>
+            </a:lvl9pPr>
+          </a:lstStyle>
+          <a:p>
+            <a:pPr algn="r" fontAlgn="auto">
+              <a:spcBef>
+                <a:spcPts val="0"/>
+              </a:spcBef>
+              <a:spcAft>
+                <a:spcPts val="0"/>
+              </a:spcAft>
+              <a:defRPr/>
+            </a:pPr>
+            <a:r>
+              <a:rPr lang="en-US" dirty="0" smtClean="0">
+                <a:latin typeface="+mn-lt"/>
+              </a:rPr>
+              <a:t>Black</a:t>
+            </a:r>
+          </a:p>
+          <a:p>
+            <a:pPr algn="r" fontAlgn="auto">
+              <a:spcBef>
+                <a:spcPts val="0"/>
+              </a:spcBef>
+              <a:spcAft>
+                <a:spcPts val="0"/>
+              </a:spcAft>
+              <a:defRPr/>
+            </a:pPr>
+            <a:r>
+              <a:rPr lang="en-US" dirty="0" smtClean="0">
+                <a:latin typeface="+mn-lt"/>
+              </a:rPr>
+              <a:t>Red</a:t>
+            </a:r>
+          </a:p>
+          <a:p>
+            <a:pPr algn="r" fontAlgn="auto">
+              <a:spcBef>
+                <a:spcPts val="0"/>
+              </a:spcBef>
+              <a:spcAft>
+                <a:spcPts val="0"/>
+              </a:spcAft>
+              <a:defRPr/>
+            </a:pPr>
+            <a:r>
+              <a:rPr lang="en-US" dirty="0" smtClean="0">
+                <a:latin typeface="+mn-lt"/>
+              </a:rPr>
+              <a:t>Blue</a:t>
+            </a:r>
+            <a:endParaRPr lang="en-US" dirty="0">
+              <a:latin typeface="+mn-lt"/>
+            </a:endParaRPr>
+          </a:p>
+          <a:p>
+            <a:pPr algn="r" fontAlgn="auto">
+              <a:spcBef>
+                <a:spcPts val="0"/>
+              </a:spcBef>
+              <a:spcAft>
+                <a:spcPts val="0"/>
+              </a:spcAft>
+              <a:defRPr/>
+            </a:pPr>
+            <a:r>
+              <a:rPr lang="en-US" dirty="0" smtClean="0">
+                <a:latin typeface="+mn-lt"/>
+              </a:rPr>
+              <a:t>Green</a:t>
+            </a:r>
+            <a:endParaRPr lang="en-US" dirty="0">
+              <a:latin typeface="+mn-lt"/>
+            </a:endParaRPr>
+          </a:p>
+          <a:p>
+            <a:pPr algn="r" fontAlgn="auto">
+              <a:spcBef>
+                <a:spcPts val="0"/>
+              </a:spcBef>
+              <a:spcAft>
+                <a:spcPts val="0"/>
+              </a:spcAft>
+              <a:defRPr/>
+            </a:pPr>
+            <a:r>
+              <a:rPr lang="en-US" dirty="0" smtClean="0">
+                <a:latin typeface="+mn-lt"/>
+              </a:rPr>
+              <a:t>Metallic Grey</a:t>
+            </a:r>
+            <a:endParaRPr lang="en-US" dirty="0">
+              <a:latin typeface="+mn-lt"/>
+            </a:endParaRPr>
+          </a:p>
+          <a:p>
+            <a:pPr algn="r" fontAlgn="auto">
+              <a:spcBef>
+                <a:spcPts val="0"/>
+              </a:spcBef>
+              <a:spcAft>
+                <a:spcPts val="0"/>
+              </a:spcAft>
+              <a:defRPr/>
+            </a:pPr>
+            <a:r>
+              <a:rPr lang="en-US" dirty="0" smtClean="0">
+                <a:latin typeface="+mn-lt"/>
+              </a:rPr>
+              <a:t>White</a:t>
+            </a:r>
+            <a:endParaRPr lang="en-US" dirty="0">
+              <a:latin typeface="+mn-lt"/>
+            </a:endParaRPr>
+          </a:p>
+        </p:txBody>
+      </p:sp>
+      <p:cxnSp>
+        <p:nvCxnSpPr>
+          <p:cNvPr id="26" name="Straight Connector 25"/>
+          <p:cNvCxnSpPr/>
+          <p:nvPr/>
+        </p:nvCxnSpPr>
+        <p:spPr>
+          <a:xfrm flipV="1">
+            <a:off x="3721639" y="2887663"/>
+            <a:ext cx="0" cy="685800"/>
+          </a:xfrm>
+          <a:prstGeom prst="line">
+            <a:avLst/>
+          </a:prstGeom>
+          <a:ln/>
+        </p:spPr>
+        <p:style>
+          <a:lnRef idx="2">
+            <a:schemeClr val="dk1">
+              <a:shade val="50000"/>
+            </a:schemeClr>
+          </a:lnRef>
+          <a:fillRef idx="1">
+            <a:schemeClr val="dk1"/>
+          </a:fillRef>
+          <a:effectRef idx="0">
+            <a:schemeClr val="dk1"/>
+          </a:effectRef>
+          <a:fontRef idx="minor">
+            <a:schemeClr val="lt1"/>
+          </a:fontRef>
+        </p:style>
+      </p:cxnSp>
+      <p:cxnSp>
+        <p:nvCxnSpPr>
+          <p:cNvPr id="27" name="Straight Connector 26"/>
+          <p:cNvCxnSpPr/>
+          <p:nvPr/>
+        </p:nvCxnSpPr>
+        <p:spPr>
+          <a:xfrm flipV="1">
+            <a:off x="3983577" y="2887663"/>
+            <a:ext cx="0" cy="685800"/>
+          </a:xfrm>
+          <a:prstGeom prst="line">
+            <a:avLst/>
+          </a:prstGeom>
+          <a:ln/>
+        </p:spPr>
+        <p:style>
+          <a:lnRef idx="2">
+            <a:schemeClr val="dk1">
+              <a:shade val="50000"/>
+            </a:schemeClr>
+          </a:lnRef>
+          <a:fillRef idx="1">
+            <a:schemeClr val="dk1"/>
+          </a:fillRef>
+          <a:effectRef idx="0">
+            <a:schemeClr val="dk1"/>
+          </a:effectRef>
+          <a:fontRef idx="minor">
+            <a:schemeClr val="lt1"/>
+          </a:fontRef>
+        </p:style>
+      </p:cxnSp>
+      <p:cxnSp>
+        <p:nvCxnSpPr>
+          <p:cNvPr id="28" name="Straight Connector 27"/>
+          <p:cNvCxnSpPr/>
+          <p:nvPr/>
+        </p:nvCxnSpPr>
+        <p:spPr>
+          <a:xfrm flipV="1">
+            <a:off x="4277264" y="2887663"/>
+            <a:ext cx="0" cy="685800"/>
+          </a:xfrm>
+          <a:prstGeom prst="line">
+            <a:avLst/>
+          </a:prstGeom>
+          <a:ln/>
+        </p:spPr>
+        <p:style>
+          <a:lnRef idx="2">
+            <a:schemeClr val="dk1">
+              <a:shade val="50000"/>
+            </a:schemeClr>
+          </a:lnRef>
+          <a:fillRef idx="1">
+            <a:schemeClr val="dk1"/>
+          </a:fillRef>
+          <a:effectRef idx="0">
+            <a:schemeClr val="dk1"/>
+          </a:effectRef>
+          <a:fontRef idx="minor">
+            <a:schemeClr val="lt1"/>
+          </a:fontRef>
+        </p:style>
+      </p:cxnSp>
+      <p:cxnSp>
+        <p:nvCxnSpPr>
+          <p:cNvPr id="29" name="Straight Connector 28"/>
+          <p:cNvCxnSpPr/>
+          <p:nvPr/>
+        </p:nvCxnSpPr>
+        <p:spPr>
+          <a:xfrm flipV="1">
+            <a:off x="4539202" y="2887663"/>
+            <a:ext cx="0" cy="685800"/>
+          </a:xfrm>
+          <a:prstGeom prst="line">
+            <a:avLst/>
+          </a:prstGeom>
+          <a:ln/>
+        </p:spPr>
+        <p:style>
+          <a:lnRef idx="2">
+            <a:schemeClr val="dk1">
+              <a:shade val="50000"/>
+            </a:schemeClr>
+          </a:lnRef>
+          <a:fillRef idx="1">
+            <a:schemeClr val="dk1"/>
+          </a:fillRef>
+          <a:effectRef idx="0">
+            <a:schemeClr val="dk1"/>
+          </a:effectRef>
+          <a:fontRef idx="minor">
+            <a:schemeClr val="lt1"/>
+          </a:fontRef>
+        </p:style>
+      </p:cxnSp>
+      <p:cxnSp>
+        <p:nvCxnSpPr>
+          <p:cNvPr id="30" name="Straight Connector 29"/>
+          <p:cNvCxnSpPr/>
+          <p:nvPr/>
+        </p:nvCxnSpPr>
+        <p:spPr>
+          <a:xfrm flipV="1">
+            <a:off x="4810664" y="2887663"/>
+            <a:ext cx="0" cy="685800"/>
+          </a:xfrm>
+          <a:prstGeom prst="line">
+            <a:avLst/>
+          </a:prstGeom>
+          <a:ln/>
+        </p:spPr>
+        <p:style>
+          <a:lnRef idx="2">
+            <a:schemeClr val="dk1">
+              <a:shade val="50000"/>
+            </a:schemeClr>
+          </a:lnRef>
+          <a:fillRef idx="1">
+            <a:schemeClr val="dk1"/>
+          </a:fillRef>
+          <a:effectRef idx="0">
+            <a:schemeClr val="dk1"/>
+          </a:effectRef>
+          <a:fontRef idx="minor">
+            <a:schemeClr val="lt1"/>
+          </a:fontRef>
+        </p:style>
+      </p:cxnSp>
+      <p:cxnSp>
+        <p:nvCxnSpPr>
+          <p:cNvPr id="31" name="Straight Connector 30"/>
+          <p:cNvCxnSpPr/>
+          <p:nvPr/>
+        </p:nvCxnSpPr>
+        <p:spPr>
+          <a:xfrm flipV="1">
+            <a:off x="5072602" y="2887663"/>
+            <a:ext cx="0" cy="685800"/>
+          </a:xfrm>
+          <a:prstGeom prst="line">
+            <a:avLst/>
+          </a:prstGeom>
+          <a:ln/>
+        </p:spPr>
+        <p:style>
+          <a:lnRef idx="2">
+            <a:schemeClr val="dk1">
+              <a:shade val="50000"/>
+            </a:schemeClr>
+          </a:lnRef>
+          <a:fillRef idx="1">
+            <a:schemeClr val="dk1"/>
+          </a:fillRef>
+          <a:effectRef idx="0">
+            <a:schemeClr val="dk1"/>
+          </a:effectRef>
+          <a:fontRef idx="minor">
+            <a:schemeClr val="lt1"/>
+          </a:fontRef>
+        </p:style>
+      </p:cxnSp>
+      <p:sp>
+        <p:nvSpPr>
+          <p:cNvPr id="33" name="TextBox 39"/>
+          <p:cNvSpPr txBox="1"/>
+          <p:nvPr/>
+        </p:nvSpPr>
+        <p:spPr>
+          <a:xfrm rot="5400000">
+            <a:off x="4066115" y="1635026"/>
+            <a:ext cx="677108" cy="588167"/>
+          </a:xfrm>
+          <a:prstGeom prst="rect">
+            <a:avLst/>
+          </a:prstGeom>
+          <a:ln>
+            <a:noFill/>
+          </a:ln>
+        </p:spPr>
+        <p:style>
+          <a:lnRef idx="2">
+            <a:schemeClr val="dk1"/>
+          </a:lnRef>
+          <a:fillRef idx="1">
+            <a:schemeClr val="lt1"/>
+          </a:fillRef>
+          <a:effectRef idx="0">
+            <a:schemeClr val="dk1"/>
+          </a:effectRef>
+          <a:fontRef idx="minor">
+            <a:schemeClr val="dk1"/>
+          </a:fontRef>
+        </p:style>
+        <p:txBody>
+          <a:bodyPr vert="vert270" wrap="square">
+            <a:spAutoFit/>
+          </a:bodyPr>
+          <a:lstStyle>
+            <a:defPPr>
+              <a:defRPr lang="en-US"/>
+            </a:defPPr>
+            <a:lvl1pPr algn="l" rtl="0" fontAlgn="base">
+              <a:spcBef>
+                <a:spcPct val="0"/>
+              </a:spcBef>
+              <a:spcAft>
+                <a:spcPct val="0"/>
+              </a:spcAft>
+              <a:defRPr kern="1200">
+                <a:solidFill>
+                  <a:schemeClr val="dk1"/>
+                </a:solidFill>
+                <a:latin typeface="+mn-lt"/>
+                <a:ea typeface="+mn-ea"/>
+                <a:cs typeface="+mn-cs"/>
+              </a:defRPr>
+            </a:lvl1pPr>
+            <a:lvl2pPr marL="457200" algn="l" rtl="0" fontAlgn="base">
+              <a:spcBef>
+                <a:spcPct val="0"/>
+              </a:spcBef>
+              <a:spcAft>
+                <a:spcPct val="0"/>
+              </a:spcAft>
+              <a:defRPr kern="1200">
+                <a:solidFill>
+                  <a:schemeClr val="dk1"/>
+                </a:solidFill>
+                <a:latin typeface="+mn-lt"/>
+                <a:ea typeface="+mn-ea"/>
+                <a:cs typeface="+mn-cs"/>
+              </a:defRPr>
+            </a:lvl2pPr>
+            <a:lvl3pPr marL="914400" algn="l" rtl="0" fontAlgn="base">
+              <a:spcBef>
+                <a:spcPct val="0"/>
+              </a:spcBef>
+              <a:spcAft>
+                <a:spcPct val="0"/>
+              </a:spcAft>
+              <a:defRPr kern="1200">
+                <a:solidFill>
+                  <a:schemeClr val="dk1"/>
+                </a:solidFill>
+                <a:latin typeface="+mn-lt"/>
+                <a:ea typeface="+mn-ea"/>
+                <a:cs typeface="+mn-cs"/>
+              </a:defRPr>
+            </a:lvl3pPr>
+            <a:lvl4pPr marL="1371600" algn="l" rtl="0" fontAlgn="base">
+              <a:spcBef>
+                <a:spcPct val="0"/>
+              </a:spcBef>
+              <a:spcAft>
+                <a:spcPct val="0"/>
+              </a:spcAft>
+              <a:defRPr kern="1200">
+                <a:solidFill>
+                  <a:schemeClr val="dk1"/>
+                </a:solidFill>
+                <a:latin typeface="+mn-lt"/>
+                <a:ea typeface="+mn-ea"/>
+                <a:cs typeface="+mn-cs"/>
+              </a:defRPr>
+            </a:lvl4pPr>
+            <a:lvl5pPr marL="1828800" algn="l" rtl="0" fontAlgn="base">
+              <a:spcBef>
+                <a:spcPct val="0"/>
+              </a:spcBef>
+              <a:spcAft>
+                <a:spcPct val="0"/>
+              </a:spcAft>
+              <a:defRPr kern="1200">
+                <a:solidFill>
+                  <a:schemeClr val="dk1"/>
+                </a:solidFill>
+                <a:latin typeface="+mn-lt"/>
+                <a:ea typeface="+mn-ea"/>
+                <a:cs typeface="+mn-cs"/>
+              </a:defRPr>
+            </a:lvl5pPr>
+            <a:lvl6pPr marL="2286000" algn="l" defTabSz="914400" rtl="0" eaLnBrk="1" latinLnBrk="0" hangingPunct="1">
+              <a:defRPr kern="1200">
+                <a:solidFill>
+                  <a:schemeClr val="dk1"/>
+                </a:solidFill>
+                <a:latin typeface="+mn-lt"/>
+                <a:ea typeface="+mn-ea"/>
+                <a:cs typeface="+mn-cs"/>
+              </a:defRPr>
+            </a:lvl6pPr>
+            <a:lvl7pPr marL="2743200" algn="l" defTabSz="914400" rtl="0" eaLnBrk="1" latinLnBrk="0" hangingPunct="1">
+              <a:defRPr kern="1200">
+                <a:solidFill>
+                  <a:schemeClr val="dk1"/>
+                </a:solidFill>
+                <a:latin typeface="+mn-lt"/>
+                <a:ea typeface="+mn-ea"/>
+                <a:cs typeface="+mn-cs"/>
+              </a:defRPr>
+            </a:lvl7pPr>
+            <a:lvl8pPr marL="3200400" algn="l" defTabSz="914400" rtl="0" eaLnBrk="1" latinLnBrk="0" hangingPunct="1">
+              <a:defRPr kern="1200">
+                <a:solidFill>
+                  <a:schemeClr val="dk1"/>
+                </a:solidFill>
+                <a:latin typeface="+mn-lt"/>
+                <a:ea typeface="+mn-ea"/>
+                <a:cs typeface="+mn-cs"/>
+              </a:defRPr>
+            </a:lvl8pPr>
+            <a:lvl9pPr marL="3657600" algn="l" defTabSz="914400" rtl="0" eaLnBrk="1" latinLnBrk="0" hangingPunct="1">
+              <a:defRPr kern="1200">
+                <a:solidFill>
+                  <a:schemeClr val="dk1"/>
+                </a:solidFill>
+                <a:latin typeface="+mn-lt"/>
+                <a:ea typeface="+mn-ea"/>
+                <a:cs typeface="+mn-cs"/>
+              </a:defRPr>
+            </a:lvl9pPr>
+          </a:lstStyle>
+          <a:p>
+            <a:pPr algn="r" fontAlgn="auto">
+              <a:spcBef>
+                <a:spcPts val="0"/>
+              </a:spcBef>
+              <a:spcAft>
+                <a:spcPts val="0"/>
+              </a:spcAft>
+              <a:defRPr/>
+            </a:pPr>
+            <a:r>
+              <a:rPr lang="en-US" sz="1400" dirty="0" smtClean="0"/>
+              <a:t>Color</a:t>
+            </a:r>
+            <a:endParaRPr lang="en-US" sz="1400" dirty="0"/>
+          </a:p>
+          <a:p>
+            <a:pPr algn="r" fontAlgn="auto">
+              <a:spcBef>
+                <a:spcPts val="0"/>
+              </a:spcBef>
+              <a:spcAft>
+                <a:spcPts val="0"/>
+              </a:spcAft>
+              <a:defRPr/>
+            </a:pPr>
+            <a:endParaRPr lang="en-US" dirty="0"/>
+          </a:p>
+        </p:txBody>
+      </p:sp>
+      <p:cxnSp>
+        <p:nvCxnSpPr>
           <p:cNvPr id="32" name="Straight Connector 31"/>
           <p:cNvCxnSpPr/>
           <p:nvPr/>
         </p:nvCxnSpPr>
         <p:spPr>
           <a:xfrm flipV="1">
-            <a:off x="4613422" y="1930400"/>
+            <a:off x="4418552" y="1930400"/>
             <a:ext cx="0" cy="957263"/>
           </a:xfrm>
           <a:prstGeom prst="line">
@@ -14743,7 +13764,7 @@
         </p:nvCxnSpPr>
         <p:spPr>
           <a:xfrm>
-            <a:off x="3905397" y="2887663"/>
+            <a:off x="3710527" y="2887663"/>
             <a:ext cx="1371600" cy="0"/>
           </a:xfrm>
           <a:prstGeom prst="line">
@@ -14776,7 +13797,7 @@
         </p:nvSpPr>
         <p:spPr>
           <a:xfrm>
-            <a:off x="5449732" y="3606800"/>
+            <a:off x="5254862" y="3606800"/>
             <a:ext cx="2123658" cy="1600200"/>
           </a:xfrm>
           <a:prstGeom prst="rect">
@@ -15023,7 +14044,7 @@
         </p:nvCxnSpPr>
         <p:spPr>
           <a:xfrm flipV="1">
-            <a:off x="5702447" y="2887663"/>
+            <a:off x="5507577" y="2887663"/>
             <a:ext cx="0" cy="685800"/>
           </a:xfrm>
           <a:prstGeom prst="line">
@@ -15056,7 +14077,7 @@
         </p:nvCxnSpPr>
         <p:spPr>
           <a:xfrm flipV="1">
-            <a:off x="5962797" y="2887663"/>
+            <a:off x="5767927" y="2887663"/>
             <a:ext cx="0" cy="685800"/>
           </a:xfrm>
           <a:prstGeom prst="line">
@@ -15089,7 +14110,7 @@
         </p:nvCxnSpPr>
         <p:spPr>
           <a:xfrm flipV="1">
-            <a:off x="6258072" y="2887663"/>
+            <a:off x="6063202" y="2887663"/>
             <a:ext cx="0" cy="685800"/>
           </a:xfrm>
           <a:prstGeom prst="line">
@@ -15122,7 +14143,7 @@
         </p:nvCxnSpPr>
         <p:spPr>
           <a:xfrm flipV="1">
-            <a:off x="6518422" y="2887663"/>
+            <a:off x="6323552" y="2887663"/>
             <a:ext cx="0" cy="685800"/>
           </a:xfrm>
           <a:prstGeom prst="line">
@@ -15155,7 +14176,7 @@
         </p:nvCxnSpPr>
         <p:spPr>
           <a:xfrm flipV="1">
-            <a:off x="6791472" y="2887663"/>
+            <a:off x="6596602" y="2887663"/>
             <a:ext cx="0" cy="685800"/>
           </a:xfrm>
           <a:prstGeom prst="line">
@@ -15188,7 +14209,7 @@
         </p:nvCxnSpPr>
         <p:spPr>
           <a:xfrm flipV="1">
-            <a:off x="7051822" y="2887663"/>
+            <a:off x="6856952" y="2887663"/>
             <a:ext cx="0" cy="685800"/>
           </a:xfrm>
           <a:prstGeom prst="line">
@@ -15220,8 +14241,8 @@
           <p:nvPr/>
         </p:nvSpPr>
         <p:spPr>
-          <a:xfrm>
-            <a:off x="5913756" y="2067369"/>
+          <a:xfrm rot="5400000">
+            <a:off x="5735793" y="1523713"/>
             <a:ext cx="677108" cy="762000"/>
           </a:xfrm>
           <a:prstGeom prst="rect">
@@ -15385,12 +14406,8 @@
               <a:defRPr/>
             </a:pPr>
             <a:r>
-              <a:rPr lang="sr-Latn-RS" sz="1400" dirty="0" smtClean="0"/>
-              <a:t>Godina</a:t>
-            </a:r>
-            <a:r>
               <a:rPr lang="en-US" sz="1400" dirty="0" smtClean="0"/>
-              <a:t> (Year)</a:t>
+              <a:t>Year</a:t>
             </a:r>
             <a:endParaRPr lang="en-US" sz="1400" dirty="0"/>
           </a:p>
@@ -15416,7 +14433,7 @@
         </p:nvCxnSpPr>
         <p:spPr>
           <a:xfrm flipV="1">
-            <a:off x="6399359" y="1930400"/>
+            <a:off x="6204489" y="1930400"/>
             <a:ext cx="0" cy="957263"/>
           </a:xfrm>
           <a:prstGeom prst="line">
@@ -15449,7 +14466,7 @@
         </p:nvCxnSpPr>
         <p:spPr>
           <a:xfrm>
-            <a:off x="5691334" y="2887663"/>
+            <a:off x="5496464" y="2887663"/>
             <a:ext cx="1371600" cy="0"/>
           </a:xfrm>
           <a:prstGeom prst="line">
@@ -15482,7 +14499,7 @@
         </p:nvCxnSpPr>
         <p:spPr>
           <a:xfrm>
-            <a:off x="1114572" y="1930400"/>
+            <a:off x="919702" y="1930400"/>
             <a:ext cx="5281612" cy="0"/>
           </a:xfrm>
           <a:prstGeom prst="line">
@@ -15515,7 +14532,7 @@
         </p:nvCxnSpPr>
         <p:spPr>
           <a:xfrm>
-            <a:off x="4661968" y="1930400"/>
+            <a:off x="4467098" y="1930400"/>
             <a:ext cx="5281612" cy="0"/>
           </a:xfrm>
           <a:prstGeom prst="line">
@@ -15548,7 +14565,7 @@
         </p:nvCxnSpPr>
         <p:spPr>
           <a:xfrm flipV="1">
-            <a:off x="7469917" y="2887663"/>
+            <a:off x="7275047" y="2887663"/>
             <a:ext cx="0" cy="685800"/>
           </a:xfrm>
           <a:prstGeom prst="line">
@@ -15581,7 +14598,7 @@
         </p:nvCxnSpPr>
         <p:spPr>
           <a:xfrm flipV="1">
-            <a:off x="7731855" y="2887663"/>
+            <a:off x="7536985" y="2887663"/>
             <a:ext cx="0" cy="685800"/>
           </a:xfrm>
           <a:prstGeom prst="line">
@@ -15614,7 +14631,7 @@
         </p:nvCxnSpPr>
         <p:spPr>
           <a:xfrm flipV="1">
-            <a:off x="8025542" y="2887663"/>
+            <a:off x="7830672" y="2887663"/>
             <a:ext cx="0" cy="685800"/>
           </a:xfrm>
           <a:prstGeom prst="line">
@@ -15647,7 +14664,7 @@
         </p:nvCxnSpPr>
         <p:spPr>
           <a:xfrm flipV="1">
-            <a:off x="8287480" y="2887663"/>
+            <a:off x="8092610" y="2887663"/>
             <a:ext cx="0" cy="685800"/>
           </a:xfrm>
           <a:prstGeom prst="line">
@@ -15680,7 +14697,7 @@
         </p:nvCxnSpPr>
         <p:spPr>
           <a:xfrm flipV="1">
-            <a:off x="8558942" y="2887663"/>
+            <a:off x="8364072" y="2887663"/>
             <a:ext cx="0" cy="685800"/>
           </a:xfrm>
           <a:prstGeom prst="line">
@@ -15713,7 +14730,7 @@
         </p:nvCxnSpPr>
         <p:spPr>
           <a:xfrm flipV="1">
-            <a:off x="8820880" y="2887663"/>
+            <a:off x="8626010" y="2887663"/>
             <a:ext cx="0" cy="685800"/>
           </a:xfrm>
           <a:prstGeom prst="line">
@@ -15738,216 +14755,6 @@
           </a:fontRef>
         </p:style>
       </p:cxnSp>
-      <p:sp>
-        <p:nvSpPr>
-          <p:cNvPr id="134" name="TextBox 39"/>
-          <p:cNvSpPr txBox="1"/>
-          <p:nvPr/>
-        </p:nvSpPr>
-        <p:spPr>
-          <a:xfrm>
-            <a:off x="7579266" y="1528732"/>
-            <a:ext cx="1107996" cy="1300637"/>
-          </a:xfrm>
-          <a:prstGeom prst="rect">
-            <a:avLst/>
-          </a:prstGeom>
-          <a:ln>
-            <a:noFill/>
-          </a:ln>
-        </p:spPr>
-        <p:style>
-          <a:lnRef idx="2">
-            <a:schemeClr val="dk1"/>
-          </a:lnRef>
-          <a:fillRef idx="1">
-            <a:schemeClr val="lt1"/>
-          </a:fillRef>
-          <a:effectRef idx="0">
-            <a:schemeClr val="dk1"/>
-          </a:effectRef>
-          <a:fontRef idx="minor">
-            <a:schemeClr val="dk1"/>
-          </a:fontRef>
-        </p:style>
-        <p:txBody>
-          <a:bodyPr vert="vert270" wrap="square">
-            <a:spAutoFit/>
-          </a:bodyPr>
-          <a:lstStyle>
-            <a:defPPr>
-              <a:defRPr lang="en-US"/>
-            </a:defPPr>
-            <a:lvl1pPr algn="l" rtl="0" fontAlgn="base">
-              <a:spcBef>
-                <a:spcPct val="0"/>
-              </a:spcBef>
-              <a:spcAft>
-                <a:spcPct val="0"/>
-              </a:spcAft>
-              <a:defRPr kern="1200">
-                <a:solidFill>
-                  <a:schemeClr val="dk1"/>
-                </a:solidFill>
-                <a:latin typeface="+mn-lt"/>
-                <a:ea typeface="+mn-ea"/>
-                <a:cs typeface="+mn-cs"/>
-              </a:defRPr>
-            </a:lvl1pPr>
-            <a:lvl2pPr marL="457200" algn="l" rtl="0" fontAlgn="base">
-              <a:spcBef>
-                <a:spcPct val="0"/>
-              </a:spcBef>
-              <a:spcAft>
-                <a:spcPct val="0"/>
-              </a:spcAft>
-              <a:defRPr kern="1200">
-                <a:solidFill>
-                  <a:schemeClr val="dk1"/>
-                </a:solidFill>
-                <a:latin typeface="+mn-lt"/>
-                <a:ea typeface="+mn-ea"/>
-                <a:cs typeface="+mn-cs"/>
-              </a:defRPr>
-            </a:lvl2pPr>
-            <a:lvl3pPr marL="914400" algn="l" rtl="0" fontAlgn="base">
-              <a:spcBef>
-                <a:spcPct val="0"/>
-              </a:spcBef>
-              <a:spcAft>
-                <a:spcPct val="0"/>
-              </a:spcAft>
-              <a:defRPr kern="1200">
-                <a:solidFill>
-                  <a:schemeClr val="dk1"/>
-                </a:solidFill>
-                <a:latin typeface="+mn-lt"/>
-                <a:ea typeface="+mn-ea"/>
-                <a:cs typeface="+mn-cs"/>
-              </a:defRPr>
-            </a:lvl3pPr>
-            <a:lvl4pPr marL="1371600" algn="l" rtl="0" fontAlgn="base">
-              <a:spcBef>
-                <a:spcPct val="0"/>
-              </a:spcBef>
-              <a:spcAft>
-                <a:spcPct val="0"/>
-              </a:spcAft>
-              <a:defRPr kern="1200">
-                <a:solidFill>
-                  <a:schemeClr val="dk1"/>
-                </a:solidFill>
-                <a:latin typeface="+mn-lt"/>
-                <a:ea typeface="+mn-ea"/>
-                <a:cs typeface="+mn-cs"/>
-              </a:defRPr>
-            </a:lvl4pPr>
-            <a:lvl5pPr marL="1828800" algn="l" rtl="0" fontAlgn="base">
-              <a:spcBef>
-                <a:spcPct val="0"/>
-              </a:spcBef>
-              <a:spcAft>
-                <a:spcPct val="0"/>
-              </a:spcAft>
-              <a:defRPr kern="1200">
-                <a:solidFill>
-                  <a:schemeClr val="dk1"/>
-                </a:solidFill>
-                <a:latin typeface="+mn-lt"/>
-                <a:ea typeface="+mn-ea"/>
-                <a:cs typeface="+mn-cs"/>
-              </a:defRPr>
-            </a:lvl5pPr>
-            <a:lvl6pPr marL="2286000" algn="l" defTabSz="914400" rtl="0" eaLnBrk="1" latinLnBrk="0" hangingPunct="1">
-              <a:defRPr kern="1200">
-                <a:solidFill>
-                  <a:schemeClr val="dk1"/>
-                </a:solidFill>
-                <a:latin typeface="+mn-lt"/>
-                <a:ea typeface="+mn-ea"/>
-                <a:cs typeface="+mn-cs"/>
-              </a:defRPr>
-            </a:lvl6pPr>
-            <a:lvl7pPr marL="2743200" algn="l" defTabSz="914400" rtl="0" eaLnBrk="1" latinLnBrk="0" hangingPunct="1">
-              <a:defRPr kern="1200">
-                <a:solidFill>
-                  <a:schemeClr val="dk1"/>
-                </a:solidFill>
-                <a:latin typeface="+mn-lt"/>
-                <a:ea typeface="+mn-ea"/>
-                <a:cs typeface="+mn-cs"/>
-              </a:defRPr>
-            </a:lvl7pPr>
-            <a:lvl8pPr marL="3200400" algn="l" defTabSz="914400" rtl="0" eaLnBrk="1" latinLnBrk="0" hangingPunct="1">
-              <a:defRPr kern="1200">
-                <a:solidFill>
-                  <a:schemeClr val="dk1"/>
-                </a:solidFill>
-                <a:latin typeface="+mn-lt"/>
-                <a:ea typeface="+mn-ea"/>
-                <a:cs typeface="+mn-cs"/>
-              </a:defRPr>
-            </a:lvl8pPr>
-            <a:lvl9pPr marL="3657600" algn="l" defTabSz="914400" rtl="0" eaLnBrk="1" latinLnBrk="0" hangingPunct="1">
-              <a:defRPr kern="1200">
-                <a:solidFill>
-                  <a:schemeClr val="dk1"/>
-                </a:solidFill>
-                <a:latin typeface="+mn-lt"/>
-                <a:ea typeface="+mn-ea"/>
-                <a:cs typeface="+mn-cs"/>
-              </a:defRPr>
-            </a:lvl9pPr>
-          </a:lstStyle>
-          <a:p>
-            <a:pPr algn="r" fontAlgn="auto">
-              <a:spcBef>
-                <a:spcPts val="0"/>
-              </a:spcBef>
-              <a:spcAft>
-                <a:spcPts val="0"/>
-              </a:spcAft>
-              <a:defRPr/>
-            </a:pPr>
-            <a:r>
-              <a:rPr lang="sr-Latn-RS" sz="1400" dirty="0" smtClean="0"/>
-              <a:t>Konjska</a:t>
-            </a:r>
-          </a:p>
-          <a:p>
-            <a:pPr algn="r" fontAlgn="auto">
-              <a:spcBef>
-                <a:spcPts val="0"/>
-              </a:spcBef>
-              <a:spcAft>
-                <a:spcPts val="0"/>
-              </a:spcAft>
-              <a:defRPr/>
-            </a:pPr>
-            <a:r>
-              <a:rPr lang="sr-Latn-RS" sz="1400" dirty="0" smtClean="0"/>
-              <a:t>Snaga</a:t>
-            </a:r>
-            <a:r>
-              <a:rPr lang="en-US" sz="1400" dirty="0" smtClean="0"/>
-              <a:t> (Horsepower)</a:t>
-            </a:r>
-            <a:endParaRPr lang="en-US" sz="1400" dirty="0"/>
-          </a:p>
-          <a:p>
-            <a:pPr algn="r" fontAlgn="auto">
-              <a:spcBef>
-                <a:spcPts val="0"/>
-              </a:spcBef>
-              <a:spcAft>
-                <a:spcPts val="0"/>
-              </a:spcAft>
-              <a:defRPr/>
-            </a:pPr>
-            <a:endParaRPr lang="en-US" dirty="0"/>
-          </a:p>
-        </p:txBody>
-      </p:sp>
       <p:cxnSp>
         <p:nvCxnSpPr>
           <p:cNvPr id="133" name="Straight Connector 132"/>
@@ -15956,7 +14763,7 @@
         </p:nvCxnSpPr>
         <p:spPr>
           <a:xfrm flipV="1">
-            <a:off x="8166830" y="1930400"/>
+            <a:off x="7971960" y="1930400"/>
             <a:ext cx="0" cy="957263"/>
           </a:xfrm>
           <a:prstGeom prst="line">
@@ -15989,7 +14796,7 @@
         </p:nvCxnSpPr>
         <p:spPr>
           <a:xfrm>
-            <a:off x="7458805" y="2887663"/>
+            <a:off x="7263935" y="2887663"/>
             <a:ext cx="1371600" cy="0"/>
           </a:xfrm>
           <a:prstGeom prst="line">
@@ -16022,7 +14829,7 @@
         </p:nvCxnSpPr>
         <p:spPr>
           <a:xfrm flipV="1">
-            <a:off x="9255855" y="2887663"/>
+            <a:off x="9060985" y="2887663"/>
             <a:ext cx="0" cy="685800"/>
           </a:xfrm>
           <a:prstGeom prst="line">
@@ -16055,7 +14862,7 @@
         </p:nvCxnSpPr>
         <p:spPr>
           <a:xfrm flipV="1">
-            <a:off x="9516205" y="2887663"/>
+            <a:off x="9321335" y="2887663"/>
             <a:ext cx="0" cy="685800"/>
           </a:xfrm>
           <a:prstGeom prst="line">
@@ -16088,7 +14895,7 @@
         </p:nvCxnSpPr>
         <p:spPr>
           <a:xfrm flipV="1">
-            <a:off x="9811480" y="2887663"/>
+            <a:off x="9616610" y="2887663"/>
             <a:ext cx="0" cy="685800"/>
           </a:xfrm>
           <a:prstGeom prst="line">
@@ -16121,7 +14928,7 @@
         </p:nvCxnSpPr>
         <p:spPr>
           <a:xfrm flipV="1">
-            <a:off x="10071830" y="2887663"/>
+            <a:off x="9876960" y="2887663"/>
             <a:ext cx="0" cy="685800"/>
           </a:xfrm>
           <a:prstGeom prst="line">
@@ -16154,7 +14961,7 @@
         </p:nvCxnSpPr>
         <p:spPr>
           <a:xfrm flipV="1">
-            <a:off x="10344880" y="2887663"/>
+            <a:off x="10150010" y="2887663"/>
             <a:ext cx="0" cy="685800"/>
           </a:xfrm>
           <a:prstGeom prst="line">
@@ -16187,7 +14994,7 @@
         </p:nvCxnSpPr>
         <p:spPr>
           <a:xfrm flipV="1">
-            <a:off x="10605230" y="2887663"/>
+            <a:off x="10410360" y="2887663"/>
             <a:ext cx="0" cy="685800"/>
           </a:xfrm>
           <a:prstGeom prst="line">
@@ -16212,189 +15019,6 @@
           </a:fontRef>
         </p:style>
       </p:cxnSp>
-      <p:sp>
-        <p:nvSpPr>
-          <p:cNvPr id="144" name="TextBox 49"/>
-          <p:cNvSpPr txBox="1"/>
-          <p:nvPr/>
-        </p:nvSpPr>
-        <p:spPr>
-          <a:xfrm>
-            <a:off x="9442148" y="1286540"/>
-            <a:ext cx="400110" cy="1506160"/>
-          </a:xfrm>
-          <a:prstGeom prst="rect">
-            <a:avLst/>
-          </a:prstGeom>
-          <a:ln>
-            <a:noFill/>
-          </a:ln>
-        </p:spPr>
-        <p:style>
-          <a:lnRef idx="2">
-            <a:schemeClr val="dk1"/>
-          </a:lnRef>
-          <a:fillRef idx="1">
-            <a:schemeClr val="lt1"/>
-          </a:fillRef>
-          <a:effectRef idx="0">
-            <a:schemeClr val="dk1"/>
-          </a:effectRef>
-          <a:fontRef idx="minor">
-            <a:schemeClr val="dk1"/>
-          </a:fontRef>
-        </p:style>
-        <p:txBody>
-          <a:bodyPr vert="vert270" wrap="square">
-            <a:spAutoFit/>
-          </a:bodyPr>
-          <a:lstStyle>
-            <a:defPPr>
-              <a:defRPr lang="en-US"/>
-            </a:defPPr>
-            <a:lvl1pPr algn="l" rtl="0" fontAlgn="base">
-              <a:spcBef>
-                <a:spcPct val="0"/>
-              </a:spcBef>
-              <a:spcAft>
-                <a:spcPct val="0"/>
-              </a:spcAft>
-              <a:defRPr kern="1200">
-                <a:solidFill>
-                  <a:schemeClr val="dk1"/>
-                </a:solidFill>
-                <a:latin typeface="+mn-lt"/>
-                <a:ea typeface="+mn-ea"/>
-                <a:cs typeface="+mn-cs"/>
-              </a:defRPr>
-            </a:lvl1pPr>
-            <a:lvl2pPr marL="457200" algn="l" rtl="0" fontAlgn="base">
-              <a:spcBef>
-                <a:spcPct val="0"/>
-              </a:spcBef>
-              <a:spcAft>
-                <a:spcPct val="0"/>
-              </a:spcAft>
-              <a:defRPr kern="1200">
-                <a:solidFill>
-                  <a:schemeClr val="dk1"/>
-                </a:solidFill>
-                <a:latin typeface="+mn-lt"/>
-                <a:ea typeface="+mn-ea"/>
-                <a:cs typeface="+mn-cs"/>
-              </a:defRPr>
-            </a:lvl2pPr>
-            <a:lvl3pPr marL="914400" algn="l" rtl="0" fontAlgn="base">
-              <a:spcBef>
-                <a:spcPct val="0"/>
-              </a:spcBef>
-              <a:spcAft>
-                <a:spcPct val="0"/>
-              </a:spcAft>
-              <a:defRPr kern="1200">
-                <a:solidFill>
-                  <a:schemeClr val="dk1"/>
-                </a:solidFill>
-                <a:latin typeface="+mn-lt"/>
-                <a:ea typeface="+mn-ea"/>
-                <a:cs typeface="+mn-cs"/>
-              </a:defRPr>
-            </a:lvl3pPr>
-            <a:lvl4pPr marL="1371600" algn="l" rtl="0" fontAlgn="base">
-              <a:spcBef>
-                <a:spcPct val="0"/>
-              </a:spcBef>
-              <a:spcAft>
-                <a:spcPct val="0"/>
-              </a:spcAft>
-              <a:defRPr kern="1200">
-                <a:solidFill>
-                  <a:schemeClr val="dk1"/>
-                </a:solidFill>
-                <a:latin typeface="+mn-lt"/>
-                <a:ea typeface="+mn-ea"/>
-                <a:cs typeface="+mn-cs"/>
-              </a:defRPr>
-            </a:lvl4pPr>
-            <a:lvl5pPr marL="1828800" algn="l" rtl="0" fontAlgn="base">
-              <a:spcBef>
-                <a:spcPct val="0"/>
-              </a:spcBef>
-              <a:spcAft>
-                <a:spcPct val="0"/>
-              </a:spcAft>
-              <a:defRPr kern="1200">
-                <a:solidFill>
-                  <a:schemeClr val="dk1"/>
-                </a:solidFill>
-                <a:latin typeface="+mn-lt"/>
-                <a:ea typeface="+mn-ea"/>
-                <a:cs typeface="+mn-cs"/>
-              </a:defRPr>
-            </a:lvl5pPr>
-            <a:lvl6pPr marL="2286000" algn="l" defTabSz="914400" rtl="0" eaLnBrk="1" latinLnBrk="0" hangingPunct="1">
-              <a:defRPr kern="1200">
-                <a:solidFill>
-                  <a:schemeClr val="dk1"/>
-                </a:solidFill>
-                <a:latin typeface="+mn-lt"/>
-                <a:ea typeface="+mn-ea"/>
-                <a:cs typeface="+mn-cs"/>
-              </a:defRPr>
-            </a:lvl6pPr>
-            <a:lvl7pPr marL="2743200" algn="l" defTabSz="914400" rtl="0" eaLnBrk="1" latinLnBrk="0" hangingPunct="1">
-              <a:defRPr kern="1200">
-                <a:solidFill>
-                  <a:schemeClr val="dk1"/>
-                </a:solidFill>
-                <a:latin typeface="+mn-lt"/>
-                <a:ea typeface="+mn-ea"/>
-                <a:cs typeface="+mn-cs"/>
-              </a:defRPr>
-            </a:lvl7pPr>
-            <a:lvl8pPr marL="3200400" algn="l" defTabSz="914400" rtl="0" eaLnBrk="1" latinLnBrk="0" hangingPunct="1">
-              <a:defRPr kern="1200">
-                <a:solidFill>
-                  <a:schemeClr val="dk1"/>
-                </a:solidFill>
-                <a:latin typeface="+mn-lt"/>
-                <a:ea typeface="+mn-ea"/>
-                <a:cs typeface="+mn-cs"/>
-              </a:defRPr>
-            </a:lvl8pPr>
-            <a:lvl9pPr marL="3657600" algn="l" defTabSz="914400" rtl="0" eaLnBrk="1" latinLnBrk="0" hangingPunct="1">
-              <a:defRPr kern="1200">
-                <a:solidFill>
-                  <a:schemeClr val="dk1"/>
-                </a:solidFill>
-                <a:latin typeface="+mn-lt"/>
-                <a:ea typeface="+mn-ea"/>
-                <a:cs typeface="+mn-cs"/>
-              </a:defRPr>
-            </a:lvl9pPr>
-          </a:lstStyle>
-          <a:p>
-            <a:pPr algn="r" fontAlgn="auto">
-              <a:spcBef>
-                <a:spcPts val="0"/>
-              </a:spcBef>
-              <a:spcAft>
-                <a:spcPts val="0"/>
-              </a:spcAft>
-              <a:defRPr/>
-            </a:pPr>
-            <a:r>
-              <a:rPr lang="sr-Latn-RS" sz="1400" dirty="0" smtClean="0"/>
-              <a:t>Menjač</a:t>
-            </a:r>
-            <a:r>
-              <a:rPr lang="en-US" sz="1400" dirty="0" smtClean="0"/>
-              <a:t> (Gearbox)</a:t>
-            </a:r>
-            <a:endParaRPr lang="en-US" sz="1400" dirty="0"/>
-          </a:p>
-        </p:txBody>
-      </p:sp>
       <p:cxnSp>
         <p:nvCxnSpPr>
           <p:cNvPr id="143" name="Straight Connector 142"/>
@@ -16403,7 +15027,7 @@
         </p:nvCxnSpPr>
         <p:spPr>
           <a:xfrm flipV="1">
-            <a:off x="9952767" y="1930400"/>
+            <a:off x="9757897" y="1930400"/>
             <a:ext cx="0" cy="957263"/>
           </a:xfrm>
           <a:prstGeom prst="line">
@@ -16436,7 +15060,7 @@
         </p:nvCxnSpPr>
         <p:spPr>
           <a:xfrm>
-            <a:off x="9244742" y="2887663"/>
+            <a:off x="9049872" y="2887663"/>
             <a:ext cx="1371600" cy="0"/>
           </a:xfrm>
           <a:prstGeom prst="line">
@@ -16469,7 +15093,7 @@
         </p:nvSpPr>
         <p:spPr>
           <a:xfrm>
-            <a:off x="7198382" y="3619108"/>
+            <a:off x="7003512" y="3619108"/>
             <a:ext cx="1846659" cy="2631790"/>
           </a:xfrm>
           <a:prstGeom prst="rect">
@@ -16620,8 +15244,17 @@
               <a:rPr lang="en-US" dirty="0">
                 <a:latin typeface="+mn-lt"/>
               </a:rPr>
-              <a:t>&lt;75 KS</a:t>
-            </a:r>
+              <a:t>&lt;75 </a:t>
+            </a:r>
+            <a:r>
+              <a:rPr lang="en-US" dirty="0" smtClean="0">
+                <a:latin typeface="+mn-lt"/>
+              </a:rPr>
+              <a:t>HP</a:t>
+            </a:r>
+            <a:endParaRPr lang="en-US" dirty="0">
+              <a:latin typeface="+mn-lt"/>
+            </a:endParaRPr>
           </a:p>
           <a:p>
             <a:pPr algn="r" fontAlgn="auto">
@@ -16637,8 +15270,29 @@
               <a:rPr lang="en-US" dirty="0">
                 <a:latin typeface="+mn-lt"/>
               </a:rPr>
-              <a:t>75 KS - 90 KS</a:t>
-            </a:r>
+              <a:t>75 </a:t>
+            </a:r>
+            <a:r>
+              <a:rPr lang="en-US" dirty="0" smtClean="0">
+                <a:latin typeface="+mn-lt"/>
+              </a:rPr>
+              <a:t>HP </a:t>
+            </a:r>
+            <a:r>
+              <a:rPr lang="en-US" dirty="0">
+                <a:latin typeface="+mn-lt"/>
+              </a:rPr>
+              <a:t>- 90 </a:t>
+            </a:r>
+            <a:r>
+              <a:rPr lang="en-US" dirty="0" smtClean="0">
+                <a:latin typeface="+mn-lt"/>
+              </a:rPr>
+              <a:t>HP</a:t>
+            </a:r>
+            <a:endParaRPr lang="en-US" dirty="0">
+              <a:latin typeface="+mn-lt"/>
+            </a:endParaRPr>
           </a:p>
           <a:p>
             <a:pPr algn="r" fontAlgn="auto">
@@ -16654,7 +15308,25 @@
               <a:rPr lang="en-US" dirty="0">
                 <a:latin typeface="+mn-lt"/>
               </a:rPr>
-              <a:t>90 KS - 140 KS</a:t>
+              <a:t>90 </a:t>
+            </a:r>
+            <a:r>
+              <a:rPr lang="en-US" dirty="0" smtClean="0">
+                <a:latin typeface="+mn-lt"/>
+              </a:rPr>
+              <a:t>HP </a:t>
+            </a:r>
+            <a:r>
+              <a:rPr lang="en-US" dirty="0">
+                <a:latin typeface="+mn-lt"/>
+              </a:rPr>
+              <a:t>- 140 </a:t>
+            </a:r>
+            <a:r>
+              <a:rPr lang="en-US" dirty="0" smtClean="0">
+                <a:latin typeface="+mn-lt"/>
+              </a:rPr>
+              <a:t>HP</a:t>
             </a:r>
             <a:endParaRPr lang="sr-Latn-RS" dirty="0">
               <a:latin typeface="+mn-lt"/>
@@ -16674,7 +15346,25 @@
               <a:rPr lang="en-US" dirty="0">
                 <a:latin typeface="+mn-lt"/>
               </a:rPr>
-              <a:t>140 KS - 200 KS </a:t>
+              <a:t>140 </a:t>
+            </a:r>
+            <a:r>
+              <a:rPr lang="en-US" dirty="0" smtClean="0">
+                <a:latin typeface="+mn-lt"/>
+              </a:rPr>
+              <a:t>HP </a:t>
+            </a:r>
+            <a:r>
+              <a:rPr lang="en-US" dirty="0">
+                <a:latin typeface="+mn-lt"/>
+              </a:rPr>
+              <a:t>- 200 </a:t>
+            </a:r>
+            <a:r>
+              <a:rPr lang="en-US" dirty="0" smtClean="0">
+                <a:latin typeface="+mn-lt"/>
+              </a:rPr>
+              <a:t>HP </a:t>
             </a:r>
             <a:endParaRPr lang="sr-Latn-RS" dirty="0">
               <a:latin typeface="+mn-lt"/>
@@ -16694,7 +15384,25 @@
               <a:rPr lang="en-US" dirty="0">
                 <a:latin typeface="+mn-lt"/>
               </a:rPr>
-              <a:t>200 KS - 250 KS</a:t>
+              <a:t>200 </a:t>
+            </a:r>
+            <a:r>
+              <a:rPr lang="en-US" dirty="0" smtClean="0">
+                <a:latin typeface="+mn-lt"/>
+              </a:rPr>
+              <a:t>HP </a:t>
+            </a:r>
+            <a:r>
+              <a:rPr lang="en-US" dirty="0">
+                <a:latin typeface="+mn-lt"/>
+              </a:rPr>
+              <a:t>- 250 </a:t>
+            </a:r>
+            <a:r>
+              <a:rPr lang="en-US" dirty="0" smtClean="0">
+                <a:latin typeface="+mn-lt"/>
+              </a:rPr>
+              <a:t>HP</a:t>
             </a:r>
             <a:endParaRPr lang="sr-Latn-RS" dirty="0">
               <a:latin typeface="+mn-lt"/>
@@ -16718,8 +15426,29 @@
               <a:rPr lang="en-US" dirty="0">
                 <a:latin typeface="+mn-lt"/>
               </a:rPr>
-              <a:t> KS - 300 KS</a:t>
-            </a:r>
+              <a:t> </a:t>
+            </a:r>
+            <a:r>
+              <a:rPr lang="en-US" dirty="0" smtClean="0">
+                <a:latin typeface="+mn-lt"/>
+              </a:rPr>
+              <a:t>HP </a:t>
+            </a:r>
+            <a:r>
+              <a:rPr lang="en-US" dirty="0">
+                <a:latin typeface="+mn-lt"/>
+              </a:rPr>
+              <a:t>- 300 </a:t>
+            </a:r>
+            <a:r>
+              <a:rPr lang="en-US" dirty="0" smtClean="0">
+                <a:latin typeface="+mn-lt"/>
+              </a:rPr>
+              <a:t>HP</a:t>
+            </a:r>
+            <a:endParaRPr lang="en-US" dirty="0">
+              <a:latin typeface="+mn-lt"/>
+            </a:endParaRPr>
           </a:p>
         </p:txBody>
       </p:sp>
@@ -16731,7 +15460,7 @@
         </p:nvSpPr>
         <p:spPr>
           <a:xfrm>
-            <a:off x="9020250" y="3659913"/>
+            <a:off x="8825380" y="3659913"/>
             <a:ext cx="1569660" cy="2111300"/>
           </a:xfrm>
           <a:prstGeom prst="rect">
@@ -16879,9 +15608,14 @@
               <a:defRPr/>
             </a:pPr>
             <a:r>
-              <a:rPr lang="pl-PL" dirty="0"/>
-              <a:t>Automatski</a:t>
-            </a:r>
+              <a:rPr lang="pl-PL" dirty="0" smtClean="0"/>
+              <a:t>Auto</a:t>
+            </a:r>
+            <a:r>
+              <a:rPr lang="en-US" dirty="0" err="1" smtClean="0"/>
+              <a:t>matic</a:t>
+            </a:r>
+            <a:endParaRPr lang="pl-PL" dirty="0"/>
           </a:p>
           <a:p>
             <a:pPr algn="r" fontAlgn="auto">
@@ -16894,9 +15628,10 @@
               <a:defRPr/>
             </a:pPr>
             <a:r>
-              <a:rPr lang="pl-PL" dirty="0"/>
-              <a:t>Poluautomatski</a:t>
-            </a:r>
+              <a:rPr lang="en-US" dirty="0" smtClean="0"/>
+              <a:t>Semi-automatic</a:t>
+            </a:r>
+            <a:endParaRPr lang="pl-PL" dirty="0"/>
           </a:p>
           <a:p>
             <a:pPr algn="r" fontAlgn="auto">
@@ -16909,9 +15644,14 @@
               <a:defRPr/>
             </a:pPr>
             <a:r>
-              <a:rPr lang="pl-PL" dirty="0"/>
-              <a:t>Manuelni 5 brzina</a:t>
-            </a:r>
+              <a:rPr lang="pl-PL" dirty="0" smtClean="0"/>
+              <a:t>Manu</a:t>
+            </a:r>
+            <a:r>
+              <a:rPr lang="en-US" dirty="0" smtClean="0"/>
+              <a:t>al 5 speed</a:t>
+            </a:r>
+            <a:endParaRPr lang="pl-PL" dirty="0"/>
           </a:p>
           <a:p>
             <a:pPr algn="r" fontAlgn="auto">
@@ -16924,9 +15664,14 @@
               <a:defRPr/>
             </a:pPr>
             <a:r>
-              <a:rPr lang="pl-PL" dirty="0"/>
-              <a:t>Manuelni 6 brzina</a:t>
-            </a:r>
+              <a:rPr lang="pl-PL" dirty="0" smtClean="0"/>
+              <a:t>Manu</a:t>
+            </a:r>
+            <a:r>
+              <a:rPr lang="en-US" dirty="0" smtClean="0"/>
+              <a:t>al 6 speed</a:t>
+            </a:r>
+            <a:endParaRPr lang="pl-PL" dirty="0"/>
           </a:p>
           <a:p>
             <a:pPr algn="r" fontAlgn="auto">
@@ -16939,8 +15684,24 @@
               <a:defRPr/>
             </a:pPr>
             <a:r>
+              <a:rPr lang="pl-PL" dirty="0" smtClean="0"/>
+              <a:t>Manu</a:t>
+            </a:r>
+            <a:r>
+              <a:rPr lang="en-US" dirty="0" smtClean="0"/>
+              <a:t>al</a:t>
+            </a:r>
+            <a:r>
+              <a:rPr lang="pl-PL" dirty="0" smtClean="0"/>
+              <a:t> </a:t>
+            </a:r>
+            <a:r>
               <a:rPr lang="pl-PL" dirty="0"/>
-              <a:t>Manuelni 7 brzina</a:t>
+              <a:t>7 </a:t>
+            </a:r>
+            <a:r>
+              <a:rPr lang="en-US" dirty="0" smtClean="0"/>
+              <a:t>speed</a:t>
             </a:r>
             <a:endParaRPr lang="en-US" dirty="0"/>
           </a:p>
@@ -19247,6 +18008,8 @@
       </p:par>
     </p:tnLst>
     <p:bldLst>
+      <p:bldP spid="144" grpId="0"/>
+      <p:bldP spid="134" grpId="0" animBg="1"/>
       <p:bldP spid="13" grpId="0" animBg="1"/>
       <p:bldP spid="2" grpId="0"/>
       <p:bldP spid="5" grpId="0"/>
@@ -19256,8 +18019,6 @@
       <p:bldP spid="33" grpId="0" animBg="1"/>
       <p:bldP spid="35" grpId="0"/>
       <p:bldP spid="43" grpId="0" animBg="1"/>
-      <p:bldP spid="134" grpId="0" animBg="1"/>
-      <p:bldP spid="144" grpId="0" animBg="1"/>
       <p:bldP spid="146" grpId="0"/>
       <p:bldP spid="148" grpId="0"/>
     </p:bldLst>
@@ -19298,12 +18059,8 @@
           <a:lstStyle/>
           <a:p>
             <a:r>
-              <a:rPr lang="sr-Latn-RS" dirty="0" smtClean="0"/>
-              <a:t>Slogani</a:t>
-            </a:r>
-            <a:r>
               <a:rPr lang="en-US" dirty="0" smtClean="0"/>
-              <a:t> (Slogans)</a:t>
+              <a:t>Slogans</a:t>
             </a:r>
             <a:endParaRPr lang="en-US" dirty="0"/>
           </a:p>
@@ -19322,7 +18079,7 @@
         <p:spPr/>
         <p:txBody>
           <a:bodyPr>
-            <a:normAutofit fontScale="92500" lnSpcReduction="20000"/>
+            <a:normAutofit/>
           </a:bodyPr>
           <a:lstStyle/>
           <a:p>
@@ -19330,132 +18087,12 @@
               <a:buNone/>
             </a:pPr>
             <a:r>
-              <a:rPr lang="en-US" sz="2400" dirty="0" err="1" smtClean="0">
+              <a:rPr lang="en-US" sz="2400" dirty="0" smtClean="0">
                 <a:solidFill>
                   <a:schemeClr val="tx1"/>
                 </a:solidFill>
               </a:rPr>
-              <a:t>Poluautomatski</a:t>
-            </a:r>
-            <a:r>
-              <a:rPr lang="en-US" sz="2400" dirty="0" smtClean="0">
-                <a:solidFill>
-                  <a:schemeClr val="tx1"/>
-                </a:solidFill>
-              </a:rPr>
-              <a:t> </a:t>
-            </a:r>
-            <a:r>
-              <a:rPr lang="en-US" sz="2400" dirty="0" err="1">
-                <a:solidFill>
-                  <a:schemeClr val="tx1"/>
-                </a:solidFill>
-              </a:rPr>
-              <a:t>dizel</a:t>
-            </a:r>
-            <a:r>
-              <a:rPr lang="en-US" sz="2400" dirty="0">
-                <a:solidFill>
-                  <a:schemeClr val="tx1"/>
-                </a:solidFill>
-              </a:rPr>
-              <a:t> </a:t>
-            </a:r>
-            <a:r>
-              <a:rPr lang="en-US" sz="2400" dirty="0" err="1">
-                <a:solidFill>
-                  <a:schemeClr val="tx1"/>
-                </a:solidFill>
-              </a:rPr>
-              <a:t>sa</a:t>
-            </a:r>
-            <a:r>
-              <a:rPr lang="en-US" sz="2400" dirty="0">
-                <a:solidFill>
-                  <a:schemeClr val="tx1"/>
-                </a:solidFill>
-              </a:rPr>
-              <a:t> </a:t>
-            </a:r>
-            <a:r>
-              <a:rPr lang="en-US" sz="2400" dirty="0" err="1" smtClean="0">
-                <a:solidFill>
-                  <a:schemeClr val="tx1"/>
-                </a:solidFill>
-              </a:rPr>
-              <a:t>sigurnu</a:t>
-            </a:r>
-            <a:r>
-              <a:rPr lang="en-US" sz="2400" dirty="0" smtClean="0">
-                <a:solidFill>
-                  <a:schemeClr val="tx1"/>
-                </a:solidFill>
-              </a:rPr>
-              <a:t> </a:t>
-            </a:r>
-            <a:r>
-              <a:rPr lang="en-US" sz="2400" dirty="0" err="1">
-                <a:solidFill>
-                  <a:schemeClr val="tx1"/>
-                </a:solidFill>
-              </a:rPr>
-              <a:t>i</a:t>
-            </a:r>
-            <a:r>
-              <a:rPr lang="en-US" sz="2400" dirty="0">
-                <a:solidFill>
-                  <a:schemeClr val="tx1"/>
-                </a:solidFill>
-              </a:rPr>
-              <a:t> </a:t>
-            </a:r>
-            <a:r>
-              <a:rPr lang="en-US" sz="2400" dirty="0" err="1">
-                <a:solidFill>
-                  <a:schemeClr val="tx1"/>
-                </a:solidFill>
-              </a:rPr>
-              <a:t>udobnu</a:t>
-            </a:r>
-            <a:r>
-              <a:rPr lang="en-US" sz="2400" dirty="0">
-                <a:solidFill>
-                  <a:schemeClr val="tx1"/>
-                </a:solidFill>
-              </a:rPr>
-              <a:t> </a:t>
-            </a:r>
-            <a:r>
-              <a:rPr lang="en-US" sz="2400" dirty="0" err="1" smtClean="0">
-                <a:solidFill>
-                  <a:schemeClr val="tx1"/>
-                </a:solidFill>
-              </a:rPr>
-              <a:t>vo</a:t>
-            </a:r>
-            <a:r>
-              <a:rPr lang="sr-Latn-RS" sz="2400" dirty="0" smtClean="0">
-                <a:solidFill>
-                  <a:schemeClr val="tx1"/>
-                </a:solidFill>
-              </a:rPr>
-              <a:t>ž</a:t>
-            </a:r>
-            <a:r>
-              <a:rPr lang="en-US" sz="2400" dirty="0" err="1" smtClean="0">
-                <a:solidFill>
-                  <a:schemeClr val="tx1"/>
-                </a:solidFill>
-              </a:rPr>
-              <a:t>nju</a:t>
-            </a:r>
-            <a:r>
-              <a:rPr lang="en-US" sz="2400" dirty="0" smtClean="0">
-                <a:solidFill>
-                  <a:schemeClr val="tx1"/>
-                </a:solidFill>
-              </a:rPr>
-              <a:t>!(Semi-automatic diesel for a safe and comfortable ride!)</a:t>
+              <a:t>Semi-automatic diesel for a safe and comfortable ride!</a:t>
             </a:r>
             <a:endParaRPr lang="sr-Latn-RS" sz="2400" dirty="0" smtClean="0">
               <a:solidFill>
@@ -19466,12 +18103,12 @@
           <a:p>
             <a:pPr lvl="8" algn="ctr"/>
             <a:r>
-              <a:rPr lang="en-US" sz="2000" dirty="0" err="1" smtClean="0">
+              <a:rPr lang="en-US" sz="2000" dirty="0" smtClean="0">
                 <a:solidFill>
                   <a:schemeClr val="tx1"/>
                 </a:solidFill>
               </a:rPr>
-              <a:t>za</a:t>
+              <a:t>For cautious </a:t>
             </a:r>
             <a:r>
               <a:rPr lang="en-US" sz="2000" dirty="0" smtClean="0">
@@ -19479,212 +18116,25 @@
                   <a:schemeClr val="tx1"/>
                 </a:solidFill>
               </a:rPr>
-              <a:t> </a:t>
-            </a:r>
-            <a:r>
-              <a:rPr lang="en-US" sz="2000" dirty="0" err="1" smtClean="0">
-                <a:solidFill>
-                  <a:schemeClr val="tx1"/>
-                </a:solidFill>
-              </a:rPr>
-              <a:t>oprezne</a:t>
-            </a:r>
-            <a:r>
-              <a:rPr lang="en-US" sz="2000" dirty="0" smtClean="0">
-                <a:solidFill>
-                  <a:schemeClr val="tx1"/>
-                </a:solidFill>
-              </a:rPr>
-              <a:t> </a:t>
-            </a:r>
-            <a:r>
-              <a:rPr lang="en-US" sz="2000" dirty="0" err="1" smtClean="0">
-                <a:solidFill>
-                  <a:schemeClr val="tx1"/>
-                </a:solidFill>
-              </a:rPr>
-              <a:t>osobe</a:t>
-            </a:r>
-            <a:r>
-              <a:rPr lang="en-US" sz="2000" dirty="0">
-                <a:solidFill>
-                  <a:schemeClr val="tx1"/>
-                </a:solidFill>
-              </a:rPr>
-              <a:t>  </a:t>
-            </a:r>
-            <a:r>
-              <a:rPr lang="en-US" sz="2000" dirty="0" smtClean="0">
-                <a:solidFill>
-                  <a:schemeClr val="tx1"/>
-                </a:solidFill>
-              </a:rPr>
-              <a:t> </a:t>
-            </a:r>
-            <a:r>
-              <a:rPr lang="en-US" sz="2000" dirty="0" smtClean="0">
-                <a:solidFill>
-                  <a:schemeClr val="tx1"/>
-                </a:solidFill>
-              </a:rPr>
-              <a:t>(For cautious individuals)     </a:t>
-            </a:r>
-            <a:r>
-              <a:rPr lang="en-US" sz="2000" dirty="0">
-                <a:solidFill>
-                  <a:schemeClr val="bg1"/>
-                </a:solidFill>
-              </a:rPr>
-              <a:t>m</a:t>
-            </a:r>
+              <a:t>individuals</a:t>
+            </a:r>
+            <a:endParaRPr lang="en-US" sz="2000" dirty="0">
+              <a:solidFill>
+                <a:schemeClr val="bg1"/>
+              </a:solidFill>
+            </a:endParaRPr>
           </a:p>
           <a:p>
             <a:pPr marL="0" indent="0">
               <a:buNone/>
             </a:pPr>
             <a:r>
-              <a:rPr lang="en-US" sz="2400" dirty="0" err="1" smtClean="0">
+              <a:rPr lang="en-US" sz="2400" dirty="0" smtClean="0">
                 <a:solidFill>
                   <a:schemeClr val="tx1"/>
                 </a:solidFill>
               </a:rPr>
-              <a:t>Vozite</a:t>
-            </a:r>
-            <a:r>
-              <a:rPr lang="en-US" sz="2400" dirty="0" smtClean="0">
-                <a:solidFill>
-                  <a:schemeClr val="tx1"/>
-                </a:solidFill>
-              </a:rPr>
-              <a:t> </a:t>
-            </a:r>
-            <a:r>
-              <a:rPr lang="en-US" sz="2400" dirty="0" err="1">
-                <a:solidFill>
-                  <a:schemeClr val="tx1"/>
-                </a:solidFill>
-              </a:rPr>
-              <a:t>najnoviji</a:t>
-            </a:r>
-            <a:r>
-              <a:rPr lang="en-US" sz="2400" dirty="0">
-                <a:solidFill>
-                  <a:schemeClr val="tx1"/>
-                </a:solidFill>
-              </a:rPr>
-              <a:t> </a:t>
-            </a:r>
-            <a:r>
-              <a:rPr lang="en-US" sz="2400" dirty="0" err="1">
-                <a:solidFill>
-                  <a:schemeClr val="tx1"/>
-                </a:solidFill>
-              </a:rPr>
-              <a:t>kupe</a:t>
-            </a:r>
-            <a:r>
-              <a:rPr lang="en-US" sz="2400" dirty="0">
-                <a:solidFill>
-                  <a:schemeClr val="tx1"/>
-                </a:solidFill>
-              </a:rPr>
-              <a:t> </a:t>
-            </a:r>
-            <a:r>
-              <a:rPr lang="en-US" sz="2400" dirty="0" err="1">
-                <a:solidFill>
-                  <a:schemeClr val="tx1"/>
-                </a:solidFill>
-              </a:rPr>
-              <a:t>na</a:t>
-            </a:r>
-            <a:r>
-              <a:rPr lang="en-US" sz="2400" dirty="0">
-                <a:solidFill>
-                  <a:schemeClr val="tx1"/>
-                </a:solidFill>
-              </a:rPr>
-              <a:t> TNG </a:t>
-            </a:r>
-            <a:r>
-              <a:rPr lang="en-US" sz="2400" dirty="0" err="1">
-                <a:solidFill>
-                  <a:schemeClr val="tx1"/>
-                </a:solidFill>
-              </a:rPr>
-              <a:t>pogon</a:t>
-            </a:r>
-            <a:r>
-              <a:rPr lang="en-US" sz="2400" dirty="0">
-                <a:solidFill>
-                  <a:schemeClr val="tx1"/>
-                </a:solidFill>
-              </a:rPr>
-              <a:t> </a:t>
-            </a:r>
-            <a:r>
-              <a:rPr lang="en-US" sz="2400" dirty="0" err="1">
-                <a:solidFill>
-                  <a:schemeClr val="tx1"/>
-                </a:solidFill>
-              </a:rPr>
-              <a:t>sa</a:t>
-            </a:r>
-            <a:r>
-              <a:rPr lang="en-US" sz="2400" dirty="0">
-                <a:solidFill>
-                  <a:schemeClr val="tx1"/>
-                </a:solidFill>
-              </a:rPr>
-              <a:t> </a:t>
-            </a:r>
-            <a:r>
-              <a:rPr lang="en-US" sz="2400" dirty="0" err="1">
-                <a:solidFill>
-                  <a:schemeClr val="tx1"/>
-                </a:solidFill>
-              </a:rPr>
-              <a:t>rukama</a:t>
-            </a:r>
-            <a:r>
-              <a:rPr lang="en-US" sz="2400" dirty="0">
-                <a:solidFill>
-                  <a:schemeClr val="tx1"/>
-                </a:solidFill>
-              </a:rPr>
-              <a:t> </a:t>
-            </a:r>
-            <a:r>
-              <a:rPr lang="en-US" sz="2400" dirty="0" err="1">
-                <a:solidFill>
-                  <a:schemeClr val="tx1"/>
-                </a:solidFill>
-              </a:rPr>
-              <a:t>na</a:t>
-            </a:r>
-            <a:r>
-              <a:rPr lang="en-US" sz="2400" dirty="0">
-                <a:solidFill>
-                  <a:schemeClr val="tx1"/>
-                </a:solidFill>
-              </a:rPr>
-              <a:t> </a:t>
-            </a:r>
-            <a:r>
-              <a:rPr lang="en-US" sz="2400" dirty="0" err="1">
-                <a:solidFill>
-                  <a:schemeClr val="tx1"/>
-                </a:solidFill>
-              </a:rPr>
-              <a:t>potiljku</a:t>
-            </a:r>
-            <a:r>
-              <a:rPr lang="en-US" sz="2400" dirty="0" smtClean="0">
-                <a:solidFill>
-                  <a:schemeClr val="tx1"/>
-                </a:solidFill>
-              </a:rPr>
-              <a:t>!(Take it easy while driving the latest LPG powered Coupe!)</a:t>
+              <a:t>Take it easy while driving the latest LPG powered Coupe!</a:t>
             </a:r>
             <a:endParaRPr lang="sr-Latn-RS" sz="2400" dirty="0" smtClean="0">
               <a:solidFill>
@@ -19695,52 +18145,12 @@
           <a:p>
             <a:pPr lvl="8" algn="ctr"/>
             <a:r>
-              <a:rPr lang="en-US" sz="2000" dirty="0" err="1">
+              <a:rPr lang="en-US" sz="2000" dirty="0">
                 <a:solidFill>
                   <a:schemeClr val="tx1"/>
                 </a:solidFill>
               </a:rPr>
-              <a:t>za</a:t>
-            </a:r>
-            <a:r>
-              <a:rPr lang="en-US" sz="2000" dirty="0">
-                <a:solidFill>
-                  <a:schemeClr val="tx1"/>
-                </a:solidFill>
-              </a:rPr>
-              <a:t> </a:t>
-            </a:r>
-            <a:r>
-              <a:rPr lang="en-US" sz="2000" dirty="0" err="1" smtClean="0">
-                <a:solidFill>
-                  <a:schemeClr val="tx1"/>
-                </a:solidFill>
-              </a:rPr>
-              <a:t>samopouzdane</a:t>
-            </a:r>
-            <a:r>
-              <a:rPr lang="en-US" sz="2000" dirty="0" smtClean="0">
-                <a:solidFill>
-                  <a:schemeClr val="tx1"/>
-                </a:solidFill>
-              </a:rPr>
-              <a:t> </a:t>
-            </a:r>
-            <a:r>
-              <a:rPr lang="en-US" sz="2000" dirty="0" err="1" smtClean="0">
-                <a:solidFill>
-                  <a:schemeClr val="tx1"/>
-                </a:solidFill>
-              </a:rPr>
-              <a:t>osobe</a:t>
-            </a:r>
-            <a:r>
-              <a:rPr lang="en-US" sz="2000" dirty="0" smtClean="0">
-                <a:solidFill>
-                  <a:schemeClr val="tx1"/>
-                </a:solidFill>
-              </a:rPr>
-              <a:t> (For assertive individuals)</a:t>
+              <a:t>For assertive individuals</a:t>
             </a:r>
             <a:endParaRPr lang="en-US" sz="2000" dirty="0">
               <a:solidFill>
@@ -19753,116 +18163,12 @@
               <a:buNone/>
             </a:pPr>
             <a:r>
-              <a:rPr lang="en-US" sz="2400" dirty="0" err="1" smtClean="0">
+              <a:rPr lang="en-US" sz="2400" dirty="0" smtClean="0">
                 <a:solidFill>
                   <a:schemeClr val="tx1"/>
                 </a:solidFill>
               </a:rPr>
-              <a:t>Hibridni</a:t>
-            </a:r>
-            <a:r>
-              <a:rPr lang="en-US" sz="2400" dirty="0" smtClean="0">
-                <a:solidFill>
-                  <a:schemeClr val="tx1"/>
-                </a:solidFill>
-              </a:rPr>
-              <a:t> </a:t>
-            </a:r>
-            <a:r>
-              <a:rPr lang="en-US" sz="2400" dirty="0" err="1">
-                <a:solidFill>
-                  <a:schemeClr val="tx1"/>
-                </a:solidFill>
-              </a:rPr>
-              <a:t>kabriolet</a:t>
-            </a:r>
-            <a:r>
-              <a:rPr lang="en-US" sz="2400" dirty="0">
-                <a:solidFill>
-                  <a:schemeClr val="tx1"/>
-                </a:solidFill>
-              </a:rPr>
-              <a:t> </a:t>
-            </a:r>
-            <a:r>
-              <a:rPr lang="en-US" sz="2400" dirty="0" err="1">
-                <a:solidFill>
-                  <a:schemeClr val="tx1"/>
-                </a:solidFill>
-              </a:rPr>
-              <a:t>sa</a:t>
-            </a:r>
-            <a:r>
-              <a:rPr lang="en-US" sz="2400" dirty="0">
-                <a:solidFill>
-                  <a:schemeClr val="tx1"/>
-                </a:solidFill>
-              </a:rPr>
-              <a:t> 7 </a:t>
-            </a:r>
-            <a:r>
-              <a:rPr lang="en-US" sz="2400" dirty="0" err="1">
-                <a:solidFill>
-                  <a:schemeClr val="tx1"/>
-                </a:solidFill>
-              </a:rPr>
-              <a:t>brzina</a:t>
-            </a:r>
-            <a:r>
-              <a:rPr lang="en-US" sz="2400" dirty="0">
-                <a:solidFill>
-                  <a:schemeClr val="tx1"/>
-                </a:solidFill>
-              </a:rPr>
-              <a:t> </a:t>
-            </a:r>
-            <a:r>
-              <a:rPr lang="en-US" sz="2400" dirty="0" err="1">
-                <a:solidFill>
-                  <a:schemeClr val="tx1"/>
-                </a:solidFill>
-              </a:rPr>
-              <a:t>za</a:t>
-            </a:r>
-            <a:r>
-              <a:rPr lang="en-US" sz="2400" dirty="0">
-                <a:solidFill>
-                  <a:schemeClr val="tx1"/>
-                </a:solidFill>
-              </a:rPr>
-              <a:t> </a:t>
-            </a:r>
-            <a:r>
-              <a:rPr lang="en-US" sz="2400" dirty="0" err="1">
-                <a:solidFill>
-                  <a:schemeClr val="tx1"/>
-                </a:solidFill>
-              </a:rPr>
-              <a:t>Flojda</a:t>
-            </a:r>
-            <a:r>
-              <a:rPr lang="en-US" sz="2400" dirty="0">
-                <a:solidFill>
-                  <a:schemeClr val="tx1"/>
-                </a:solidFill>
-              </a:rPr>
-              <a:t> u </a:t>
-            </a:r>
-            <a:r>
-              <a:rPr lang="en-US" sz="2400" dirty="0" err="1">
-                <a:solidFill>
-                  <a:schemeClr val="tx1"/>
-                </a:solidFill>
-              </a:rPr>
-              <a:t>Vama</a:t>
-            </a:r>
-            <a:r>
-              <a:rPr lang="en-US" sz="2400" dirty="0" smtClean="0">
-                <a:solidFill>
-                  <a:schemeClr val="tx1"/>
-                </a:solidFill>
-              </a:rPr>
-              <a:t>! (A 7-speed transmission Hybrid Convertible to awaken the Floyd in you!)</a:t>
+              <a:t>A 7-speed transmission Hybrid Convertible </a:t>
             </a:r>
             <a:endParaRPr lang="en-US" sz="2400" dirty="0" smtClean="0">
               <a:solidFill>
@@ -19871,89 +18177,60 @@
             </a:endParaRPr>
           </a:p>
           <a:p>
-            <a:pPr lvl="8" algn="ctr"/>
-            <a:r>
-              <a:rPr lang="en-US" sz="2000" dirty="0" err="1">
-                <a:solidFill>
-                  <a:schemeClr val="tx1"/>
-                </a:solidFill>
-              </a:rPr>
-              <a:t>za</a:t>
-            </a:r>
-            <a:r>
-              <a:rPr lang="en-US" sz="2000" dirty="0">
-                <a:solidFill>
-                  <a:schemeClr val="tx1"/>
-                </a:solidFill>
-              </a:rPr>
-              <a:t> </a:t>
-            </a:r>
-            <a:r>
-              <a:rPr lang="en-US" sz="2000" dirty="0" err="1" smtClean="0">
-                <a:solidFill>
-                  <a:schemeClr val="tx1"/>
-                </a:solidFill>
-              </a:rPr>
-              <a:t>rizi</a:t>
-            </a:r>
-            <a:r>
-              <a:rPr lang="sr-Latn-RS" sz="2000" dirty="0" smtClean="0">
-                <a:solidFill>
-                  <a:schemeClr val="tx1"/>
-                </a:solidFill>
-              </a:rPr>
-              <a:t>č</a:t>
-            </a:r>
-            <a:r>
-              <a:rPr lang="en-US" sz="2000" dirty="0" smtClean="0">
-                <a:solidFill>
-                  <a:schemeClr val="tx1"/>
-                </a:solidFill>
-              </a:rPr>
-              <a:t>ne </a:t>
-            </a:r>
-            <a:r>
-              <a:rPr lang="en-US" sz="2000" dirty="0" err="1" smtClean="0">
-                <a:solidFill>
-                  <a:schemeClr val="tx1"/>
-                </a:solidFill>
-              </a:rPr>
-              <a:t>osobe</a:t>
-            </a:r>
-            <a:r>
-              <a:rPr lang="en-US" sz="2000" dirty="0" smtClean="0">
-                <a:solidFill>
-                  <a:schemeClr val="tx1"/>
-                </a:solidFill>
-              </a:rPr>
-              <a:t>  </a:t>
-            </a:r>
-            <a:r>
-              <a:rPr lang="en-US" sz="2000" dirty="0" smtClean="0">
-                <a:solidFill>
-                  <a:schemeClr val="tx1"/>
-                </a:solidFill>
-              </a:rPr>
-              <a:t>(For reckless individuals)       </a:t>
-            </a:r>
-            <a:r>
-              <a:rPr lang="en-US" sz="2000" dirty="0" smtClean="0">
-                <a:solidFill>
-                  <a:schemeClr val="bg1"/>
-                </a:solidFill>
-              </a:rPr>
-              <a:t>m</a:t>
-            </a:r>
-            <a:endParaRPr lang="en-US" sz="2000" dirty="0">
-              <a:solidFill>
-                <a:schemeClr val="bg1"/>
-              </a:solidFill>
-            </a:endParaRPr>
-          </a:p>
-          <a:p>
             <a:pPr marL="0" indent="0">
               <a:buNone/>
             </a:pPr>
+            <a:r>
+              <a:rPr lang="en-US" sz="2400" dirty="0" smtClean="0">
+                <a:solidFill>
+                  <a:schemeClr val="tx1"/>
+                </a:solidFill>
+              </a:rPr>
+              <a:t>to </a:t>
+            </a:r>
+            <a:r>
+              <a:rPr lang="en-US" sz="2400" dirty="0" smtClean="0">
+                <a:solidFill>
+                  <a:schemeClr val="tx1"/>
+                </a:solidFill>
+              </a:rPr>
+              <a:t>awaken the </a:t>
+            </a:r>
+            <a:r>
+              <a:rPr lang="en-US" sz="2400" dirty="0" err="1" smtClean="0">
+                <a:solidFill>
+                  <a:schemeClr val="tx1"/>
+                </a:solidFill>
+              </a:rPr>
+              <a:t>Fangio</a:t>
+            </a:r>
+            <a:r>
+              <a:rPr lang="en-US" sz="2400" dirty="0" smtClean="0">
+                <a:solidFill>
+                  <a:schemeClr val="tx1"/>
+                </a:solidFill>
+              </a:rPr>
+              <a:t> in you!</a:t>
+            </a:r>
+          </a:p>
+          <a:p>
+            <a:pPr lvl="8" algn="ctr"/>
+            <a:r>
+              <a:rPr lang="en-US" sz="2000" dirty="0" smtClean="0">
+                <a:solidFill>
+                  <a:schemeClr val="tx1"/>
+                </a:solidFill>
+              </a:rPr>
+              <a:t>For impulsive </a:t>
+            </a:r>
+            <a:r>
+              <a:rPr lang="en-US" sz="2000" dirty="0" smtClean="0">
+                <a:solidFill>
+                  <a:schemeClr val="tx1"/>
+                </a:solidFill>
+              </a:rPr>
+              <a:t>individuals</a:t>
+            </a:r>
             <a:endParaRPr lang="en-US" sz="2400" dirty="0">
               <a:solidFill>
                 <a:schemeClr val="tx1"/>
@@ -20687,6 +18964,130 @@
                                   </p:childTnLst>
                                 </p:cTn>
                               </p:par>
+                              <p:par>
+                                <p:cTn id="44" presetID="31" presetClass="entr" presetSubtype="0" fill="hold" nodeType="withEffect">
+                                  <p:stCondLst>
+                                    <p:cond delay="0"/>
+                                  </p:stCondLst>
+                                  <p:childTnLst>
+                                    <p:set>
+                                      <p:cBhvr>
+                                        <p:cTn id="45" dur="1" fill="hold">
+                                          <p:stCondLst>
+                                            <p:cond delay="0"/>
+                                          </p:stCondLst>
+                                        </p:cTn>
+                                        <p:tgtEl>
+                                          <p:spTgt spid="3">
+                                            <p:txEl>
+                                              <p:pRg st="5" end="5"/>
+                                            </p:txEl>
+                                          </p:spTgt>
+                                        </p:tgtEl>
+                                        <p:attrNameLst>
+                                          <p:attrName>style.visibility</p:attrName>
+                                        </p:attrNameLst>
+                                      </p:cBhvr>
+                                      <p:to>
+                                        <p:strVal val="visible"/>
+                                      </p:to>
+                                    </p:set>
+                                    <p:anim calcmode="lin" valueType="num">
+                                      <p:cBhvr>
+                                        <p:cTn id="46" dur="1000" fill="hold"/>
+                                        <p:tgtEl>
+                                          <p:spTgt spid="3">
+                                            <p:txEl>
+                                              <p:pRg st="5" end="5"/>
+                                            </p:txEl>
+                                          </p:spTgt>
+                                        </p:tgtEl>
+                                        <p:attrNameLst>
+                                          <p:attrName>ppt_w</p:attrName>
+                                        </p:attrNameLst>
+                                      </p:cBhvr>
+                                      <p:tavLst>
+                                        <p:tav tm="0">
+                                          <p:val>
+                                            <p:fltVal val="0"/>
+                                          </p:val>
+                                        </p:tav>
+                                        <p:tav tm="100000">
+                                          <p:val>
+                                            <p:strVal val="#ppt_w"/>
+                                          </p:val>
+                                        </p:tav>
+                                      </p:tavLst>
+                                    </p:anim>
+                                    <p:anim calcmode="lin" valueType="num">
+                                      <p:cBhvr>
+                                        <p:cTn id="47" dur="1000" fill="hold"/>
+                                        <p:tgtEl>
+                                          <p:spTgt spid="3">
+                                            <p:txEl>
+                                              <p:pRg st="5" end="5"/>
+                                            </p:txEl>
+                                          </p:spTgt>
+                                        </p:tgtEl>
+                                        <p:attrNameLst>
+                                          <p:attrName>ppt_h</p:attrName>
+                                        </p:attrNameLst>
+                                      </p:cBhvr>
+                                      <p:tavLst>
+                                        <p:tav tm="0">
+                                          <p:val>
+                                            <p:fltVal val="0"/>
+                                          </p:val>
+                                        </p:tav>
+                                        <p:tav tm="100000">
+                                          <p:val>
+                                            <p:strVal val="#ppt_h"/>
+                                          </p:val>
+                                        </p:tav>
+                                      </p:tavLst>
+                                    </p:anim>
+                                    <p:anim calcmode="lin" valueType="num">
+                                      <p:cBhvr>
+                                        <p:cTn id="48" dur="1000" fill="hold"/>
+                                        <p:tgtEl>
+                                          <p:spTgt spid="3">
+                                            <p:txEl>
+                                              <p:pRg st="5" end="5"/>
+                                            </p:txEl>
+                                          </p:spTgt>
+                                        </p:tgtEl>
+                                        <p:attrNameLst>
+                                          <p:attrName>style.rotation</p:attrName>
+                                        </p:attrNameLst>
+                                      </p:cBhvr>
+                                      <p:tavLst>
+                                        <p:tav tm="0">
+                                          <p:val>
+                                            <p:fltVal val="90"/>
+                                          </p:val>
+                                        </p:tav>
+                                        <p:tav tm="100000">
+                                          <p:val>
+                                            <p:fltVal val="0"/>
+                                          </p:val>
+                                        </p:tav>
+                                      </p:tavLst>
+                                    </p:anim>
+                                    <p:animEffect transition="in" filter="fade">
+                                      <p:cBhvr>
+                                        <p:cTn id="49" dur="1000"/>
+                                        <p:tgtEl>
+                                          <p:spTgt spid="3">
+                                            <p:txEl>
+                                              <p:pRg st="5" end="5"/>
+                                            </p:txEl>
+                                          </p:spTgt>
+                                        </p:tgtEl>
+                                      </p:cBhvr>
+                                    </p:animEffect>
+                                  </p:childTnLst>
+                                </p:cTn>
+                              </p:par>
                             </p:childTnLst>
                           </p:cTn>
                         </p:par>
@@ -20694,26 +19095,26 @@
                     </p:cTn>
                   </p:par>
                   <p:par>
-                    <p:cTn id="44" fill="hold">
+                    <p:cTn id="50" fill="hold">
                       <p:stCondLst>
                         <p:cond delay="indefinite"/>
                       </p:stCondLst>
                       <p:childTnLst>
                         <p:par>
-                          <p:cTn id="45" fill="hold">
+                          <p:cTn id="51" fill="hold">
                             <p:stCondLst>
                               <p:cond delay="0"/>
                             </p:stCondLst>
                             <p:childTnLst>
                               <p:par>
-                                <p:cTn id="46" presetID="2" presetClass="entr" presetSubtype="2" fill="hold" nodeType="clickEffect">
+                                <p:cTn id="52" presetID="2" presetClass="entr" presetSubtype="2" fill="hold" nodeType="clickEffect">
                                   <p:stCondLst>
                                     <p:cond delay="0"/>
                                   </p:stCondLst>
                                   <p:childTnLst>
                                     <p:set>
                                       <p:cBhvr>
-                                        <p:cTn id="47" dur="1" fill="hold">
+                                        <p:cTn id="53" dur="1" fill="hold">
                                           <p:stCondLst>
                                             <p:cond delay="0"/>
                                           </p:stCondLst>
@@ -20721,7 +19122,7 @@
                                         <p:tgtEl>
                                           <p:spTgt spid="3">
                                             <p:txEl>
-                                              <p:pRg st="5" end="5"/>
+                                              <p:pRg st="6" end="6"/>
                                             </p:txEl>
                                           </p:spTgt>
                                         </p:tgtEl>
@@ -20735,11 +19136,11 @@
                                     </p:set>
                                     <p:anim calcmode="lin" valueType="num">
                                       <p:cBhvr additive="base">
-                                        <p:cTn id="48" dur="500" fill="hold"/>
+                                        <p:cTn id="54" dur="500" fill="hold"/>
                                         <p:tgtEl>
                                           <p:spTgt spid="3">
                                             <p:txEl>
-                                              <p:pRg st="5" end="5"/>
+                                              <p:pRg st="6" end="6"/>
                                             </p:txEl>
                                           </p:spTgt>
                                         </p:tgtEl>
@@ -20762,11 +19163,11 @@
                                     </p:anim>
                                     <p:anim calcmode="lin" valueType="num">
                                       <p:cBhvr additive="base">
-                                        <p:cTn id="49" dur="500" fill="hold"/>
+                                        <p:cTn id="55" dur="500" fill="hold"/>
                                         <p:tgtEl>
                                           <p:spTgt spid="3">
                                             <p:txEl>
-                                              <p:pRg st="5" end="5"/>
+                                              <p:pRg st="6" end="6"/>
                                             </p:txEl>
                                           </p:spTgt>
                                         </p:tgtEl>
@@ -21075,7 +19476,7 @@
   <a:extraClrSchemeLst/>
   <a:extLst>
     <a:ext uri="{05A4C25C-085E-4340-85A3-A5531E510DB2}">
-      <thm15:themeFamily xmlns:thm15="http://schemas.microsoft.com/office/thememl/2012/main" xmlns="" name="Facet" id="{C0C680CD-088A-49FC-A102-D699147F32B2}" vid="{CFBC31BA-B70F-4F30-BCAA-4F3011E16C4D}"/>
+      <thm15:themeFamily xmlns:thm15="http://schemas.microsoft.com/office/thememl/2012/main" name="Facet" id="{C0C680CD-088A-49FC-A102-D699147F32B2}" vid="{CFBC31BA-B70F-4F30-BCAA-4F3011E16C4D}"/>
     </a:ext>
   </a:extLst>
 </a:theme>
@@ -21336,7 +19737,7 @@
   <a:extraClrSchemeLst/>
   <a:extLst>
     <a:ext uri="{05A4C25C-085E-4340-85A3-A5531E510DB2}">
-      <thm15:themeFamily xmlns:thm15="http://schemas.microsoft.com/office/thememl/2012/main" xmlns="" name="Office Theme" id="{62F939B6-93AF-4DB8-9C6B-D6C7DFDC589F}" vid="{4A3C46E8-61CC-4603-A589-7422A47A8E4A}"/>
+      <thm15:themeFamily xmlns:thm15="http://schemas.microsoft.com/office/thememl/2012/main" name="Office Theme" id="{62F939B6-93AF-4DB8-9C6B-D6C7DFDC589F}" vid="{4A3C46E8-61CC-4603-A589-7422A47A8E4A}"/>
     </a:ext>
   </a:extLst>
 </a:theme>
